--- a/Застосування методів машинного навчання для прогнозування елементів конструкцій-1.pptx
+++ b/Застосування методів машинного навчання для прогнозування елементів конструкцій-1.pptx
@@ -10,14 +10,15 @@
     <p:sldId id="267" r:id="rId4"/>
     <p:sldId id="259" r:id="rId5"/>
     <p:sldId id="260" r:id="rId6"/>
-    <p:sldId id="269" r:id="rId7"/>
-    <p:sldId id="261" r:id="rId8"/>
-    <p:sldId id="262" r:id="rId9"/>
-    <p:sldId id="263" r:id="rId10"/>
-    <p:sldId id="264" r:id="rId11"/>
-    <p:sldId id="268" r:id="rId12"/>
-    <p:sldId id="265" r:id="rId13"/>
-    <p:sldId id="266" r:id="rId14"/>
+    <p:sldId id="270" r:id="rId7"/>
+    <p:sldId id="269" r:id="rId8"/>
+    <p:sldId id="261" r:id="rId9"/>
+    <p:sldId id="262" r:id="rId10"/>
+    <p:sldId id="263" r:id="rId11"/>
+    <p:sldId id="264" r:id="rId12"/>
+    <p:sldId id="268" r:id="rId13"/>
+    <p:sldId id="265" r:id="rId14"/>
+    <p:sldId id="266" r:id="rId15"/>
   </p:sldIdLst>
   <p:sldSz cx="12192000" cy="6858000"/>
   <p:notesSz cx="6858000" cy="9144000"/>
@@ -292,7 +293,7 @@
           <a:p>
             <a:fld id="{BDE600C1-EB9E-4108-812C-8C04D589D1B5}" type="datetimeFigureOut">
               <a:rPr lang="uk-UA" smtClean="0"/>
-              <a:t>14.06.2022</a:t>
+              <a:t>15.06.2022</a:t>
             </a:fld>
             <a:endParaRPr lang="uk-UA"/>
           </a:p>
@@ -520,7 +521,7 @@
           <a:p>
             <a:fld id="{BDE600C1-EB9E-4108-812C-8C04D589D1B5}" type="datetimeFigureOut">
               <a:rPr lang="uk-UA" smtClean="0"/>
-              <a:t>14.06.2022</a:t>
+              <a:t>15.06.2022</a:t>
             </a:fld>
             <a:endParaRPr lang="uk-UA"/>
           </a:p>
@@ -700,7 +701,7 @@
           <a:p>
             <a:fld id="{BDE600C1-EB9E-4108-812C-8C04D589D1B5}" type="datetimeFigureOut">
               <a:rPr lang="uk-UA" smtClean="0"/>
-              <a:t>14.06.2022</a:t>
+              <a:t>15.06.2022</a:t>
             </a:fld>
             <a:endParaRPr lang="uk-UA"/>
           </a:p>
@@ -870,7 +871,7 @@
           <a:p>
             <a:fld id="{BDE600C1-EB9E-4108-812C-8C04D589D1B5}" type="datetimeFigureOut">
               <a:rPr lang="uk-UA" smtClean="0"/>
-              <a:t>14.06.2022</a:t>
+              <a:t>15.06.2022</a:t>
             </a:fld>
             <a:endParaRPr lang="uk-UA"/>
           </a:p>
@@ -1124,7 +1125,7 @@
           <a:p>
             <a:fld id="{BDE600C1-EB9E-4108-812C-8C04D589D1B5}" type="datetimeFigureOut">
               <a:rPr lang="uk-UA" smtClean="0"/>
-              <a:t>14.06.2022</a:t>
+              <a:t>15.06.2022</a:t>
             </a:fld>
             <a:endParaRPr lang="uk-UA"/>
           </a:p>
@@ -1450,7 +1451,7 @@
           <a:p>
             <a:fld id="{BDE600C1-EB9E-4108-812C-8C04D589D1B5}" type="datetimeFigureOut">
               <a:rPr lang="uk-UA" smtClean="0"/>
-              <a:t>14.06.2022</a:t>
+              <a:t>15.06.2022</a:t>
             </a:fld>
             <a:endParaRPr lang="uk-UA"/>
           </a:p>
@@ -1901,7 +1902,7 @@
           <a:p>
             <a:fld id="{BDE600C1-EB9E-4108-812C-8C04D589D1B5}" type="datetimeFigureOut">
               <a:rPr lang="uk-UA" smtClean="0"/>
-              <a:t>14.06.2022</a:t>
+              <a:t>15.06.2022</a:t>
             </a:fld>
             <a:endParaRPr lang="uk-UA"/>
           </a:p>
@@ -2019,7 +2020,7 @@
           <a:p>
             <a:fld id="{BDE600C1-EB9E-4108-812C-8C04D589D1B5}" type="datetimeFigureOut">
               <a:rPr lang="uk-UA" smtClean="0"/>
-              <a:t>14.06.2022</a:t>
+              <a:t>15.06.2022</a:t>
             </a:fld>
             <a:endParaRPr lang="uk-UA"/>
           </a:p>
@@ -2114,7 +2115,7 @@
           <a:p>
             <a:fld id="{BDE600C1-EB9E-4108-812C-8C04D589D1B5}" type="datetimeFigureOut">
               <a:rPr lang="uk-UA" smtClean="0"/>
-              <a:t>14.06.2022</a:t>
+              <a:t>15.06.2022</a:t>
             </a:fld>
             <a:endParaRPr lang="uk-UA"/>
           </a:p>
@@ -2401,7 +2402,7 @@
           <a:p>
             <a:fld id="{BDE600C1-EB9E-4108-812C-8C04D589D1B5}" type="datetimeFigureOut">
               <a:rPr lang="uk-UA" smtClean="0"/>
-              <a:t>14.06.2022</a:t>
+              <a:t>15.06.2022</a:t>
             </a:fld>
             <a:endParaRPr lang="uk-UA"/>
           </a:p>
@@ -2723,7 +2724,7 @@
           <a:p>
             <a:fld id="{BDE600C1-EB9E-4108-812C-8C04D589D1B5}" type="datetimeFigureOut">
               <a:rPr lang="uk-UA" smtClean="0"/>
-              <a:t>14.06.2022</a:t>
+              <a:t>15.06.2022</a:t>
             </a:fld>
             <a:endParaRPr lang="uk-UA"/>
           </a:p>
@@ -2977,7 +2978,7 @@
           <a:p>
             <a:fld id="{BDE600C1-EB9E-4108-812C-8C04D589D1B5}" type="datetimeFigureOut">
               <a:rPr lang="uk-UA" smtClean="0"/>
-              <a:t>14.06.2022</a:t>
+              <a:t>15.06.2022</a:t>
             </a:fld>
             <a:endParaRPr lang="uk-UA"/>
           </a:p>
@@ -3841,7 +3842,7 @@
           <p:cNvPr id="2" name="Заголовок 1">
             <a:extLst>
               <a:ext uri="{FF2B5EF4-FFF2-40B4-BE49-F238E27FC236}">
-                <a16:creationId xmlns:a16="http://schemas.microsoft.com/office/drawing/2014/main" id="{180C38B8-09D4-47AF-9EFA-5665B0575049}"/>
+                <a16:creationId xmlns:a16="http://schemas.microsoft.com/office/drawing/2014/main" id="{265F7D95-28A5-4562-8D53-170D096F8CC1}"/>
               </a:ext>
             </a:extLst>
           </p:cNvPr>
@@ -3852,7 +3853,12 @@
             <p:ph type="title"/>
           </p:nvPr>
         </p:nvSpPr>
-        <p:spPr/>
+        <p:spPr>
+          <a:xfrm>
+            <a:off x="330200" y="247227"/>
+            <a:ext cx="11531600" cy="1325562"/>
+          </a:xfrm>
+        </p:spPr>
         <p:txBody>
           <a:bodyPr>
             <a:normAutofit/>
@@ -3861,7 +3867,7 @@
           <a:p>
             <a:r>
               <a:rPr lang="uk-UA" sz="4000" dirty="0"/>
-              <a:t>АНАЛІЗ РЕЗУЛЬТАТІВ</a:t>
+              <a:t>ОПИС ПРОГРАМНОГО ЗАБЕЗПЕЧЕННЯ</a:t>
             </a:r>
           </a:p>
         </p:txBody>
@@ -3871,7 +3877,7 @@
           <p:cNvPr id="3" name="Місце для вмісту 2">
             <a:extLst>
               <a:ext uri="{FF2B5EF4-FFF2-40B4-BE49-F238E27FC236}">
-                <a16:creationId xmlns:a16="http://schemas.microsoft.com/office/drawing/2014/main" id="{C92CF08F-E50C-4750-9DA6-FFA29D7ACBC7}"/>
+                <a16:creationId xmlns:a16="http://schemas.microsoft.com/office/drawing/2014/main" id="{3E6C643E-3B6D-4FB4-9980-1C04E0F000B5}"/>
               </a:ext>
             </a:extLst>
           </p:cNvPr>
@@ -3882,153 +3888,163 @@
             <p:ph idx="1"/>
           </p:nvPr>
         </p:nvSpPr>
-        <p:spPr/>
-        <p:txBody>
-          <a:bodyPr/>
+        <p:spPr>
+          <a:xfrm>
+            <a:off x="584200" y="1801705"/>
+            <a:ext cx="11861800" cy="4809068"/>
+          </a:xfrm>
+        </p:spPr>
+        <p:txBody>
+          <a:bodyPr>
+            <a:normAutofit/>
+          </a:bodyPr>
           <a:lstStyle/>
           <a:p>
             <a:pPr marL="0" indent="0">
               <a:buNone/>
             </a:pPr>
             <a:r>
-              <a:rPr lang="uk-UA" sz="1800" dirty="0">
-                <a:effectLst/>
-                <a:latin typeface="Times New Roman" panose="02020603050405020304" pitchFamily="18" charset="0"/>
-                <a:ea typeface="Times New Roman" panose="02020603050405020304" pitchFamily="18" charset="0"/>
-              </a:rPr>
-              <a:t>Алгоритм зворотного поширення помилки</a:t>
+              <a:rPr lang="uk-UA" dirty="0"/>
+              <a:t>Програма, написана мовою </a:t>
+            </a:r>
+            <a:r>
+              <a:rPr lang="en-US" dirty="0"/>
+              <a:t>Python</a:t>
+            </a:r>
+            <a:r>
+              <a:rPr lang="uk-UA" dirty="0"/>
+              <a:t>, складається з 9 модулів:</a:t>
+            </a:r>
+          </a:p>
+          <a:p>
+            <a:r>
+              <a:rPr lang="en-US" dirty="0"/>
+              <a:t>main –</a:t>
+            </a:r>
+            <a:r>
+              <a:rPr lang="uk-UA" dirty="0"/>
+              <a:t> задання параметрів, запуск необхідні для роботи функції інших модулів</a:t>
+            </a:r>
+          </a:p>
+          <a:p>
+            <a:r>
+              <a:rPr lang="en-US" dirty="0" err="1"/>
+              <a:t>get_data</a:t>
+            </a:r>
+            <a:r>
+              <a:rPr lang="en-US" dirty="0"/>
+              <a:t> – </a:t>
+            </a:r>
+            <a:r>
+              <a:rPr lang="uk-UA" dirty="0"/>
+              <a:t>отримання вибірки даних, активаційних функцій;</a:t>
+            </a:r>
+          </a:p>
+          <a:p>
+            <a:r>
+              <a:rPr lang="en-US" dirty="0" err="1"/>
+              <a:t>neuron_class</a:t>
+            </a:r>
+            <a:r>
+              <a:rPr lang="en-US" dirty="0"/>
+              <a:t> –</a:t>
+            </a:r>
+            <a:r>
+              <a:rPr lang="uk-UA" dirty="0"/>
+              <a:t> клас, що втілює необхідні операції для роботи нейронів мережі;</a:t>
+            </a:r>
+          </a:p>
+          <a:p>
+            <a:r>
+              <a:rPr lang="en-US" dirty="0" err="1"/>
+              <a:t>create_network</a:t>
+            </a:r>
+            <a:r>
+              <a:rPr lang="en-US" dirty="0"/>
+              <a:t> – </a:t>
+            </a:r>
+            <a:r>
+              <a:rPr lang="uk-UA" dirty="0"/>
+              <a:t>побудова нейронної мережі;</a:t>
+            </a:r>
+          </a:p>
+          <a:p>
+            <a:r>
+              <a:rPr lang="en-US" dirty="0"/>
+              <a:t>calculations – </a:t>
+            </a:r>
+            <a:r>
+              <a:rPr lang="uk-UA" dirty="0"/>
+              <a:t>проведення обчислень, навчання, виведення результатів, створення графіків</a:t>
+            </a:r>
+            <a:r>
+              <a:rPr lang="en-US" dirty="0"/>
+              <a:t>;</a:t>
             </a:r>
             <a:endParaRPr lang="uk-UA" dirty="0"/>
           </a:p>
-        </p:txBody>
-      </p:sp>
-      <p:pic>
-        <p:nvPicPr>
-          <p:cNvPr id="4" name="Рисунок 3">
-            <a:extLst>
-              <a:ext uri="{FF2B5EF4-FFF2-40B4-BE49-F238E27FC236}">
-                <a16:creationId xmlns:a16="http://schemas.microsoft.com/office/drawing/2014/main" id="{05CFC40B-763D-BDF5-D9FE-8D7374787008}"/>
-              </a:ext>
-            </a:extLst>
-          </p:cNvPr>
-          <p:cNvPicPr>
-            <a:picLocks noChangeAspect="1"/>
-          </p:cNvPicPr>
-          <p:nvPr/>
-        </p:nvPicPr>
-        <p:blipFill>
-          <a:blip r:embed="rId2">
-            <a:extLst>
-              <a:ext uri="{28A0092B-C50C-407E-A947-70E740481C1C}">
-                <a14:useLocalDpi xmlns:a14="http://schemas.microsoft.com/office/drawing/2010/main" val="0"/>
-              </a:ext>
-            </a:extLst>
-          </a:blip>
-          <a:srcRect/>
-          <a:stretch>
-            <a:fillRect/>
-          </a:stretch>
-        </p:blipFill>
-        <p:spPr bwMode="auto">
-          <a:xfrm>
-            <a:off x="146746" y="2138844"/>
-            <a:ext cx="3695764" cy="2771823"/>
-          </a:xfrm>
-          <a:prstGeom prst="rect">
-            <a:avLst/>
-          </a:prstGeom>
-          <a:noFill/>
-          <a:ln>
-            <a:noFill/>
-          </a:ln>
-        </p:spPr>
-      </p:pic>
-      <p:pic>
-        <p:nvPicPr>
-          <p:cNvPr id="5" name="Рисунок 4">
-            <a:extLst>
-              <a:ext uri="{FF2B5EF4-FFF2-40B4-BE49-F238E27FC236}">
-                <a16:creationId xmlns:a16="http://schemas.microsoft.com/office/drawing/2014/main" id="{B03BCE3A-BEA3-245E-4E7D-627124259423}"/>
-              </a:ext>
-            </a:extLst>
-          </p:cNvPr>
-          <p:cNvPicPr>
-            <a:picLocks noChangeAspect="1"/>
-          </p:cNvPicPr>
-          <p:nvPr/>
-        </p:nvPicPr>
-        <p:blipFill>
-          <a:blip r:embed="rId3">
-            <a:extLst>
-              <a:ext uri="{28A0092B-C50C-407E-A947-70E740481C1C}">
-                <a14:useLocalDpi xmlns:a14="http://schemas.microsoft.com/office/drawing/2010/main" val="0"/>
-              </a:ext>
-            </a:extLst>
-          </a:blip>
-          <a:srcRect/>
-          <a:stretch>
-            <a:fillRect/>
-          </a:stretch>
-        </p:blipFill>
-        <p:spPr bwMode="auto">
-          <a:xfrm>
-            <a:off x="3906401" y="2284892"/>
-            <a:ext cx="3476531" cy="2607398"/>
-          </a:xfrm>
-          <a:prstGeom prst="rect">
-            <a:avLst/>
-          </a:prstGeom>
-          <a:noFill/>
-          <a:ln>
-            <a:noFill/>
-          </a:ln>
-        </p:spPr>
-      </p:pic>
-      <p:pic>
-        <p:nvPicPr>
-          <p:cNvPr id="6" name="Рисунок 5">
-            <a:extLst>
-              <a:ext uri="{FF2B5EF4-FFF2-40B4-BE49-F238E27FC236}">
-                <a16:creationId xmlns:a16="http://schemas.microsoft.com/office/drawing/2014/main" id="{5A209439-2977-FB2A-4C33-8E5A618A0352}"/>
-              </a:ext>
-            </a:extLst>
-          </p:cNvPr>
-          <p:cNvPicPr>
-            <a:picLocks noChangeAspect="1"/>
-          </p:cNvPicPr>
-          <p:nvPr/>
-        </p:nvPicPr>
-        <p:blipFill>
-          <a:blip r:embed="rId4">
-            <a:extLst>
-              <a:ext uri="{28A0092B-C50C-407E-A947-70E740481C1C}">
-                <a14:useLocalDpi xmlns:a14="http://schemas.microsoft.com/office/drawing/2010/main" val="0"/>
-              </a:ext>
-            </a:extLst>
-          </a:blip>
-          <a:srcRect/>
-          <a:stretch>
-            <a:fillRect/>
-          </a:stretch>
-        </p:blipFill>
-        <p:spPr bwMode="auto">
-          <a:xfrm>
-            <a:off x="7520752" y="2138844"/>
-            <a:ext cx="3695764" cy="2771823"/>
-          </a:xfrm>
-          <a:prstGeom prst="rect">
-            <a:avLst/>
-          </a:prstGeom>
-          <a:noFill/>
-          <a:ln>
-            <a:noFill/>
-          </a:ln>
-        </p:spPr>
-      </p:pic>
+          <a:p>
+            <a:r>
+              <a:rPr lang="en-US" dirty="0" err="1"/>
+              <a:t>genetic_algorithm_functions</a:t>
+            </a:r>
+            <a:r>
+              <a:rPr lang="en-US" dirty="0"/>
+              <a:t> – </a:t>
+            </a:r>
+            <a:r>
+              <a:rPr lang="uk-UA" dirty="0"/>
+              <a:t>необхідні для генетичного алгоритму функції;</a:t>
+            </a:r>
+          </a:p>
+          <a:p>
+            <a:r>
+              <a:rPr lang="en-US" dirty="0" err="1"/>
+              <a:t>backropagation_functions</a:t>
+            </a:r>
+            <a:r>
+              <a:rPr lang="en-US" dirty="0"/>
+              <a:t> – </a:t>
+            </a:r>
+            <a:r>
+              <a:rPr lang="uk-UA" dirty="0"/>
+              <a:t>необхідні для алгоритму зворотного поширення помилки функції;</a:t>
+            </a:r>
+          </a:p>
+          <a:p>
+            <a:r>
+              <a:rPr lang="en-US" dirty="0" err="1"/>
+              <a:t>learning_algorithms</a:t>
+            </a:r>
+            <a:r>
+              <a:rPr lang="en-US" dirty="0"/>
+              <a:t> –</a:t>
+            </a:r>
+            <a:r>
+              <a:rPr lang="uk-UA" dirty="0"/>
+              <a:t> навчання мережі;</a:t>
+            </a:r>
+          </a:p>
+          <a:p>
+            <a:r>
+              <a:rPr lang="en-US" dirty="0" err="1"/>
+              <a:t>activation_functions</a:t>
+            </a:r>
+            <a:r>
+              <a:rPr lang="en-US" dirty="0"/>
+              <a:t> – </a:t>
+            </a:r>
+            <a:r>
+              <a:rPr lang="uk-UA" dirty="0"/>
+              <a:t>зберігання активаційних функцій;</a:t>
+            </a:r>
+          </a:p>
+        </p:txBody>
+      </p:sp>
     </p:spTree>
     <p:extLst>
       <p:ext uri="{BB962C8B-B14F-4D97-AF65-F5344CB8AC3E}">
-        <p14:creationId xmlns:p14="http://schemas.microsoft.com/office/powerpoint/2010/main" val="1702590984"/>
+        <p14:creationId xmlns:p14="http://schemas.microsoft.com/office/powerpoint/2010/main" val="3370070075"/>
       </p:ext>
     </p:extLst>
   </p:cSld>
@@ -4060,7 +4076,7 @@
           <p:cNvPr id="2" name="Заголовок 1">
             <a:extLst>
               <a:ext uri="{FF2B5EF4-FFF2-40B4-BE49-F238E27FC236}">
-                <a16:creationId xmlns:a16="http://schemas.microsoft.com/office/drawing/2014/main" id="{2AA4D1A1-BED9-45DB-8501-2984384801CD}"/>
+                <a16:creationId xmlns:a16="http://schemas.microsoft.com/office/drawing/2014/main" id="{180C38B8-09D4-47AF-9EFA-5665B0575049}"/>
               </a:ext>
             </a:extLst>
           </p:cNvPr>
@@ -4073,11 +4089,13 @@
         </p:nvSpPr>
         <p:spPr/>
         <p:txBody>
-          <a:bodyPr/>
+          <a:bodyPr>
+            <a:normAutofit/>
+          </a:bodyPr>
           <a:lstStyle/>
           <a:p>
             <a:r>
-              <a:rPr lang="uk-UA" dirty="0"/>
+              <a:rPr lang="uk-UA" sz="4000" dirty="0"/>
               <a:t>АНАЛІЗ РЕЗУЛЬТАТІВ</a:t>
             </a:r>
           </a:p>
@@ -4088,7 +4106,7 @@
           <p:cNvPr id="3" name="Місце для вмісту 2">
             <a:extLst>
               <a:ext uri="{FF2B5EF4-FFF2-40B4-BE49-F238E27FC236}">
-                <a16:creationId xmlns:a16="http://schemas.microsoft.com/office/drawing/2014/main" id="{14048ACB-110A-4D3C-926C-D3D073DA16CD}"/>
+                <a16:creationId xmlns:a16="http://schemas.microsoft.com/office/drawing/2014/main" id="{C92CF08F-E50C-4750-9DA6-FFA29D7ACBC7}"/>
               </a:ext>
             </a:extLst>
           </p:cNvPr>
@@ -4108,23 +4126,150 @@
               <a:buNone/>
             </a:pPr>
             <a:r>
-              <a:rPr lang="uk-UA" dirty="0">
+              <a:rPr lang="uk-UA" sz="1800" dirty="0">
+                <a:effectLst/>
                 <a:latin typeface="Times New Roman" panose="02020603050405020304" pitchFamily="18" charset="0"/>
                 <a:ea typeface="Times New Roman" panose="02020603050405020304" pitchFamily="18" charset="0"/>
               </a:rPr>
-              <a:t>Генетичний алгоритм</a:t>
+              <a:t>Алгоритм зворотного поширення помилки</a:t>
             </a:r>
             <a:endParaRPr lang="uk-UA" dirty="0"/>
           </a:p>
-          <a:p>
-            <a:endParaRPr lang="uk-UA" dirty="0"/>
-          </a:p>
-        </p:txBody>
-      </p:sp>
+        </p:txBody>
+      </p:sp>
+      <p:pic>
+        <p:nvPicPr>
+          <p:cNvPr id="8" name="Рисунок 7">
+            <a:extLst>
+              <a:ext uri="{FF2B5EF4-FFF2-40B4-BE49-F238E27FC236}">
+                <a16:creationId xmlns:a16="http://schemas.microsoft.com/office/drawing/2014/main" id="{5CA35779-5B92-4783-8A79-562DBB4EF023}"/>
+              </a:ext>
+            </a:extLst>
+          </p:cNvPr>
+          <p:cNvPicPr>
+            <a:picLocks noChangeAspect="1"/>
+          </p:cNvPicPr>
+          <p:nvPr/>
+        </p:nvPicPr>
+        <p:blipFill>
+          <a:blip r:embed="rId2">
+            <a:extLst>
+              <a:ext uri="{28A0092B-C50C-407E-A947-70E740481C1C}">
+                <a14:useLocalDpi xmlns:a14="http://schemas.microsoft.com/office/drawing/2010/main" val="0"/>
+              </a:ext>
+            </a:extLst>
+          </a:blip>
+          <a:stretch>
+            <a:fillRect/>
+          </a:stretch>
+        </p:blipFill>
+        <p:spPr>
+          <a:xfrm>
+            <a:off x="-105878" y="2344503"/>
+            <a:ext cx="3834480" cy="2875860"/>
+          </a:xfrm>
+          <a:prstGeom prst="rect">
+            <a:avLst/>
+          </a:prstGeom>
+          <a:solidFill>
+            <a:srgbClr val="FFFFFF">
+              <a:shade val="85000"/>
+            </a:srgbClr>
+          </a:solidFill>
+          <a:ln w="88900" cap="sq">
+            <a:noFill/>
+            <a:miter lim="800000"/>
+          </a:ln>
+          <a:effectLst/>
+          <a:scene3d>
+            <a:camera prst="orthographicFront"/>
+            <a:lightRig rig="twoPt" dir="t">
+              <a:rot lat="0" lon="0" rev="7200000"/>
+            </a:lightRig>
+          </a:scene3d>
+          <a:sp3d>
+            <a:contourClr>
+              <a:srgbClr val="FFFFFF"/>
+            </a:contourClr>
+          </a:sp3d>
+        </p:spPr>
+      </p:pic>
+      <p:pic>
+        <p:nvPicPr>
+          <p:cNvPr id="10" name="Рисунок 9">
+            <a:extLst>
+              <a:ext uri="{FF2B5EF4-FFF2-40B4-BE49-F238E27FC236}">
+                <a16:creationId xmlns:a16="http://schemas.microsoft.com/office/drawing/2014/main" id="{538889C5-12E1-4543-A34A-D8C26B14335C}"/>
+              </a:ext>
+            </a:extLst>
+          </p:cNvPr>
+          <p:cNvPicPr>
+            <a:picLocks noChangeAspect="1"/>
+          </p:cNvPicPr>
+          <p:nvPr/>
+        </p:nvPicPr>
+        <p:blipFill>
+          <a:blip r:embed="rId3">
+            <a:extLst>
+              <a:ext uri="{28A0092B-C50C-407E-A947-70E740481C1C}">
+                <a14:useLocalDpi xmlns:a14="http://schemas.microsoft.com/office/drawing/2010/main" val="0"/>
+              </a:ext>
+            </a:extLst>
+          </a:blip>
+          <a:stretch>
+            <a:fillRect/>
+          </a:stretch>
+        </p:blipFill>
+        <p:spPr>
+          <a:xfrm>
+            <a:off x="7391028" y="2344503"/>
+            <a:ext cx="3839134" cy="2875860"/>
+          </a:xfrm>
+          <a:prstGeom prst="rect">
+            <a:avLst/>
+          </a:prstGeom>
+        </p:spPr>
+      </p:pic>
+      <p:pic>
+        <p:nvPicPr>
+          <p:cNvPr id="16" name="Рисунок 15">
+            <a:extLst>
+              <a:ext uri="{FF2B5EF4-FFF2-40B4-BE49-F238E27FC236}">
+                <a16:creationId xmlns:a16="http://schemas.microsoft.com/office/drawing/2014/main" id="{973E0F2A-38F5-4CD8-A642-A422FF21B03A}"/>
+              </a:ext>
+            </a:extLst>
+          </p:cNvPr>
+          <p:cNvPicPr>
+            <a:picLocks noChangeAspect="1"/>
+          </p:cNvPicPr>
+          <p:nvPr/>
+        </p:nvPicPr>
+        <p:blipFill>
+          <a:blip r:embed="rId4">
+            <a:extLst>
+              <a:ext uri="{28A0092B-C50C-407E-A947-70E740481C1C}">
+                <a14:useLocalDpi xmlns:a14="http://schemas.microsoft.com/office/drawing/2010/main" val="0"/>
+              </a:ext>
+            </a:extLst>
+          </a:blip>
+          <a:stretch>
+            <a:fillRect/>
+          </a:stretch>
+        </p:blipFill>
+        <p:spPr>
+          <a:xfrm>
+            <a:off x="3643940" y="2320191"/>
+            <a:ext cx="3933357" cy="2900172"/>
+          </a:xfrm>
+          <a:prstGeom prst="rect">
+            <a:avLst/>
+          </a:prstGeom>
+        </p:spPr>
+      </p:pic>
     </p:spTree>
     <p:extLst>
       <p:ext uri="{BB962C8B-B14F-4D97-AF65-F5344CB8AC3E}">
-        <p14:creationId xmlns:p14="http://schemas.microsoft.com/office/powerpoint/2010/main" val="3044429813"/>
+        <p14:creationId xmlns:p14="http://schemas.microsoft.com/office/powerpoint/2010/main" val="1702590984"/>
       </p:ext>
     </p:extLst>
   </p:cSld>
@@ -4156,6 +4301,210 @@
           <p:cNvPr id="2" name="Заголовок 1">
             <a:extLst>
               <a:ext uri="{FF2B5EF4-FFF2-40B4-BE49-F238E27FC236}">
+                <a16:creationId xmlns:a16="http://schemas.microsoft.com/office/drawing/2014/main" id="{2AA4D1A1-BED9-45DB-8501-2984384801CD}"/>
+              </a:ext>
+            </a:extLst>
+          </p:cNvPr>
+          <p:cNvSpPr>
+            <a:spLocks noGrp="1"/>
+          </p:cNvSpPr>
+          <p:nvPr>
+            <p:ph type="title"/>
+          </p:nvPr>
+        </p:nvSpPr>
+        <p:spPr/>
+        <p:txBody>
+          <a:bodyPr/>
+          <a:lstStyle/>
+          <a:p>
+            <a:r>
+              <a:rPr lang="uk-UA" dirty="0"/>
+              <a:t>АНАЛІЗ РЕЗУЛЬТАТІВ</a:t>
+            </a:r>
+          </a:p>
+        </p:txBody>
+      </p:sp>
+      <p:sp>
+        <p:nvSpPr>
+          <p:cNvPr id="3" name="Місце для вмісту 2">
+            <a:extLst>
+              <a:ext uri="{FF2B5EF4-FFF2-40B4-BE49-F238E27FC236}">
+                <a16:creationId xmlns:a16="http://schemas.microsoft.com/office/drawing/2014/main" id="{14048ACB-110A-4D3C-926C-D3D073DA16CD}"/>
+              </a:ext>
+            </a:extLst>
+          </p:cNvPr>
+          <p:cNvSpPr>
+            <a:spLocks noGrp="1"/>
+          </p:cNvSpPr>
+          <p:nvPr>
+            <p:ph idx="1"/>
+          </p:nvPr>
+        </p:nvSpPr>
+        <p:spPr/>
+        <p:txBody>
+          <a:bodyPr/>
+          <a:lstStyle/>
+          <a:p>
+            <a:pPr marL="0" indent="0">
+              <a:buNone/>
+            </a:pPr>
+            <a:r>
+              <a:rPr lang="uk-UA" dirty="0">
+                <a:latin typeface="Times New Roman" panose="02020603050405020304" pitchFamily="18" charset="0"/>
+                <a:ea typeface="Times New Roman" panose="02020603050405020304" pitchFamily="18" charset="0"/>
+              </a:rPr>
+              <a:t>Генетичний алгоритм</a:t>
+            </a:r>
+            <a:endParaRPr lang="uk-UA" dirty="0"/>
+          </a:p>
+          <a:p>
+            <a:endParaRPr lang="uk-UA" dirty="0"/>
+          </a:p>
+        </p:txBody>
+      </p:sp>
+      <p:pic>
+        <p:nvPicPr>
+          <p:cNvPr id="4" name="Рисунок 3">
+            <a:extLst>
+              <a:ext uri="{FF2B5EF4-FFF2-40B4-BE49-F238E27FC236}">
+                <a16:creationId xmlns:a16="http://schemas.microsoft.com/office/drawing/2014/main" id="{705428EA-D30C-4A37-9475-4B996E7F2CB4}"/>
+              </a:ext>
+            </a:extLst>
+          </p:cNvPr>
+          <p:cNvPicPr>
+            <a:picLocks noChangeAspect="1"/>
+          </p:cNvPicPr>
+          <p:nvPr/>
+        </p:nvPicPr>
+        <p:blipFill>
+          <a:blip r:embed="rId2">
+            <a:extLst>
+              <a:ext uri="{28A0092B-C50C-407E-A947-70E740481C1C}">
+                <a14:useLocalDpi xmlns:a14="http://schemas.microsoft.com/office/drawing/2010/main" val="0"/>
+              </a:ext>
+            </a:extLst>
+          </a:blip>
+          <a:stretch>
+            <a:fillRect/>
+          </a:stretch>
+        </p:blipFill>
+        <p:spPr>
+          <a:xfrm>
+            <a:off x="92668" y="2564793"/>
+            <a:ext cx="3839133" cy="2879349"/>
+          </a:xfrm>
+          <a:prstGeom prst="rect">
+            <a:avLst/>
+          </a:prstGeom>
+        </p:spPr>
+      </p:pic>
+      <p:pic>
+        <p:nvPicPr>
+          <p:cNvPr id="5" name="Рисунок 4">
+            <a:extLst>
+              <a:ext uri="{FF2B5EF4-FFF2-40B4-BE49-F238E27FC236}">
+                <a16:creationId xmlns:a16="http://schemas.microsoft.com/office/drawing/2014/main" id="{CA901D51-DCA9-4138-88B4-053515C57C5C}"/>
+              </a:ext>
+            </a:extLst>
+          </p:cNvPr>
+          <p:cNvPicPr>
+            <a:picLocks noChangeAspect="1"/>
+          </p:cNvPicPr>
+          <p:nvPr/>
+        </p:nvPicPr>
+        <p:blipFill>
+          <a:blip r:embed="rId3">
+            <a:extLst>
+              <a:ext uri="{28A0092B-C50C-407E-A947-70E740481C1C}">
+                <a14:useLocalDpi xmlns:a14="http://schemas.microsoft.com/office/drawing/2010/main" val="0"/>
+              </a:ext>
+            </a:extLst>
+          </a:blip>
+          <a:stretch>
+            <a:fillRect/>
+          </a:stretch>
+        </p:blipFill>
+        <p:spPr>
+          <a:xfrm>
+            <a:off x="7388499" y="2508671"/>
+            <a:ext cx="3913962" cy="2935471"/>
+          </a:xfrm>
+          <a:prstGeom prst="rect">
+            <a:avLst/>
+          </a:prstGeom>
+        </p:spPr>
+      </p:pic>
+      <p:pic>
+        <p:nvPicPr>
+          <p:cNvPr id="6" name="Рисунок 5">
+            <a:extLst>
+              <a:ext uri="{FF2B5EF4-FFF2-40B4-BE49-F238E27FC236}">
+                <a16:creationId xmlns:a16="http://schemas.microsoft.com/office/drawing/2014/main" id="{A188B6C9-2293-466F-89B8-17B6756742A4}"/>
+              </a:ext>
+            </a:extLst>
+          </p:cNvPr>
+          <p:cNvPicPr>
+            <a:picLocks noChangeAspect="1"/>
+          </p:cNvPicPr>
+          <p:nvPr/>
+        </p:nvPicPr>
+        <p:blipFill>
+          <a:blip r:embed="rId4">
+            <a:extLst>
+              <a:ext uri="{28A0092B-C50C-407E-A947-70E740481C1C}">
+                <a14:useLocalDpi xmlns:a14="http://schemas.microsoft.com/office/drawing/2010/main" val="0"/>
+              </a:ext>
+            </a:extLst>
+          </a:blip>
+          <a:stretch>
+            <a:fillRect/>
+          </a:stretch>
+        </p:blipFill>
+        <p:spPr>
+          <a:xfrm>
+            <a:off x="3740583" y="2556326"/>
+            <a:ext cx="3839134" cy="2879350"/>
+          </a:xfrm>
+          <a:prstGeom prst="rect">
+            <a:avLst/>
+          </a:prstGeom>
+        </p:spPr>
+      </p:pic>
+    </p:spTree>
+    <p:extLst>
+      <p:ext uri="{BB962C8B-B14F-4D97-AF65-F5344CB8AC3E}">
+        <p14:creationId xmlns:p14="http://schemas.microsoft.com/office/powerpoint/2010/main" val="3044429813"/>
+      </p:ext>
+    </p:extLst>
+  </p:cSld>
+  <p:clrMapOvr>
+    <a:masterClrMapping/>
+  </p:clrMapOvr>
+</p:sld>
+</file>
+
+<file path=ppt/slides/slide13.xml><?xml version="1.0" encoding="utf-8"?>
+<p:sld xmlns:a="http://schemas.openxmlformats.org/drawingml/2006/main" xmlns:r="http://schemas.openxmlformats.org/officeDocument/2006/relationships" xmlns:p="http://schemas.openxmlformats.org/presentationml/2006/main">
+  <p:cSld>
+    <p:spTree>
+      <p:nvGrpSpPr>
+        <p:cNvPr id="1" name=""/>
+        <p:cNvGrpSpPr/>
+        <p:nvPr/>
+      </p:nvGrpSpPr>
+      <p:grpSpPr>
+        <a:xfrm>
+          <a:off x="0" y="0"/>
+          <a:ext cx="0" cy="0"/>
+          <a:chOff x="0" y="0"/>
+          <a:chExt cx="0" cy="0"/>
+        </a:xfrm>
+      </p:grpSpPr>
+      <p:sp>
+        <p:nvSpPr>
+          <p:cNvPr id="2" name="Заголовок 1">
+            <a:extLst>
+              <a:ext uri="{FF2B5EF4-FFF2-40B4-BE49-F238E27FC236}">
                 <a16:creationId xmlns:a16="http://schemas.microsoft.com/office/drawing/2014/main" id="{6D441D6D-50F9-49FD-A418-9DE45E952243}"/>
               </a:ext>
             </a:extLst>
@@ -4209,12 +4558,18 @@
           </a:bodyPr>
           <a:lstStyle/>
           <a:p>
+            <a:pPr marL="0" indent="0">
+              <a:buNone/>
+            </a:pPr>
             <a:r>
               <a:rPr lang="uk-UA" dirty="0"/>
-              <a:t>Сформульовано математичну постановку задачі прогнозування руйнування елементів конструкцій через ріст втомних тріщин.</a:t>
-            </a:r>
-          </a:p>
-          <a:p>
+              <a:t>Сформульовано математичну постановку задачі прогнозування руйнування елементів конструкцій через ріст втомних тріщин;</a:t>
+            </a:r>
+          </a:p>
+          <a:p>
+            <a:pPr marL="0" indent="0">
+              <a:buNone/>
+            </a:pPr>
             <a:r>
               <a:rPr lang="uk-UA" dirty="0"/>
               <a:t>Розглянуто</a:t>
@@ -4233,28 +4588,45 @@
             </a:r>
             <a:r>
               <a:rPr lang="uk-UA" dirty="0"/>
-              <a:t>машинного навчання, різні його види.</a:t>
-            </a:r>
-          </a:p>
-          <a:p>
+              <a:t>машинного навчання, різні його види</a:t>
+            </a:r>
+            <a:r>
+              <a:rPr lang="en-US" dirty="0"/>
+              <a:t>;</a:t>
+            </a:r>
+            <a:endParaRPr lang="uk-UA" dirty="0"/>
+          </a:p>
+          <a:p>
+            <a:pPr marL="0" indent="0">
+              <a:buNone/>
+            </a:pPr>
             <a:r>
               <a:rPr lang="uk-UA" dirty="0"/>
-              <a:t>Розглянуто теоретичні принципи побудови та роботи нейронних мереж, описано алгоритми навчання: зворотного поширення помилки, генетичний.</a:t>
-            </a:r>
-          </a:p>
-          <a:p>
+              <a:t>Описано теоретичні принципи побудови та роботи нейронних мереж, описано алгоритми навчання: зворотного поширення помилки, генетичний.</a:t>
+            </a:r>
+          </a:p>
+          <a:p>
+            <a:pPr marL="0" indent="0">
+              <a:buNone/>
+            </a:pPr>
             <a:r>
               <a:rPr lang="uk-UA" dirty="0"/>
-              <a:t>Розглянуто принципи появи втомних тріщин, моделі задачі про швидкість росту втомних тріщин.</a:t>
-            </a:r>
-          </a:p>
-          <a:p>
+              <a:t>Розглянуто принципи появи втомних тріщин, моделі задачі про швидкість росту втомних тріщин;</a:t>
+            </a:r>
+          </a:p>
+          <a:p>
+            <a:pPr marL="0" indent="0">
+              <a:buNone/>
+            </a:pPr>
             <a:r>
               <a:rPr lang="uk-UA" dirty="0"/>
-              <a:t>Створено та протестовано програмний код розв’язання задачі за допомогою нейронної мережі.</a:t>
-            </a:r>
-          </a:p>
-          <a:p>
+              <a:t>Створено та протестовано програмний код розв’язання задачі за допомогою нейронної мережі;</a:t>
+            </a:r>
+          </a:p>
+          <a:p>
+            <a:pPr marL="0" indent="0">
+              <a:buNone/>
+            </a:pPr>
             <a:r>
               <a:rPr lang="uk-UA" dirty="0"/>
               <a:t>Порівняно алгоритми зворотного поширення помилки та генетичний, визначено перевагу першого у швидкості навчання та збіжності до оптимального результату.</a:t>
@@ -4275,7 +4647,7 @@
 </p:sld>
 </file>
 
-<file path=ppt/slides/slide13.xml><?xml version="1.0" encoding="utf-8"?>
+<file path=ppt/slides/slide14.xml><?xml version="1.0" encoding="utf-8"?>
 <p:sld xmlns:a="http://schemas.openxmlformats.org/drawingml/2006/main" xmlns:r="http://schemas.openxmlformats.org/officeDocument/2006/relationships" xmlns:p="http://schemas.openxmlformats.org/presentationml/2006/main">
   <p:cSld>
     <p:spTree>
@@ -4430,7 +4802,7 @@
             </a:r>
             <a:r>
               <a:rPr lang="uk-UA" dirty="0"/>
-              <a:t> методи машинного навчання як інструменти для прогнозування швидкості росту втомних тріщин.</a:t>
+              <a:t> методи машинного навчання як інструменти для прогнозування швидкості росту втомних тріщин;</a:t>
             </a:r>
           </a:p>
           <a:p>
@@ -4451,7 +4823,7 @@
             </a:r>
             <a:r>
               <a:rPr lang="uk-UA" dirty="0"/>
-              <a:t>є моделі опорних елементів конструкцій із втомними тріщинами. </a:t>
+              <a:t>є моделі опорних елементів конструкцій із втомними тріщинами;</a:t>
             </a:r>
           </a:p>
           <a:p>
@@ -4464,7 +4836,7 @@
             </a:r>
             <a:r>
               <a:rPr lang="uk-UA" dirty="0"/>
-              <a:t>є оцінка міцності та залишкової довговічності елементів конструкцій методами машинного навчання. </a:t>
+              <a:t>є оцінка міцності та залишкової довговічності елементів конструкцій методами машинного навчання;</a:t>
             </a:r>
           </a:p>
           <a:p>
@@ -4479,7 +4851,7 @@
           <a:p>
             <a:r>
               <a:rPr lang="uk-UA" dirty="0"/>
-              <a:t>Аналітичний огляд методів машинного навчання.</a:t>
+              <a:t>Аналітичний огляд методів машинного навчання;</a:t>
             </a:r>
           </a:p>
           <a:p>
@@ -4623,8 +4995,8 @@
           </a:p>
         </p:txBody>
       </p:sp>
-      <mc:AlternateContent xmlns:mc="http://schemas.openxmlformats.org/markup-compatibility/2006">
-        <mc:Choice xmlns:a14="http://schemas.microsoft.com/office/drawing/2010/main" Requires="a14">
+      <mc:AlternateContent xmlns:mc="http://schemas.openxmlformats.org/markup-compatibility/2006" xmlns:a14="http://schemas.microsoft.com/office/drawing/2010/main">
+        <mc:Choice Requires="a14">
           <p:sp>
             <p:nvSpPr>
               <p:cNvPr id="3" name="Місце для вмісту 2">
@@ -5126,7 +5498,7 @@
             </p:txBody>
           </p:sp>
         </mc:Choice>
-        <mc:Fallback>
+        <mc:Fallback xmlns="">
           <p:sp>
             <p:nvSpPr>
               <p:cNvPr id="3" name="Місце для вмісту 2">
@@ -5402,7 +5774,7 @@
             </a:pPr>
             <a:r>
               <a:rPr lang="uk-UA" dirty="0"/>
-              <a:t>Машинне навчання – галузь штучного інтелекту, мета якої – розробка методів, що втілюють різноманітні форми навчання, особливо механізми, що утворюють знання на прикладах або даних.</a:t>
+              <a:t>Машинне навчання – галузь штучного інтелекту, мета якої – розробка методів, що втілюють різноманітні форми навчання, особливо механізми, що утворюють знання на прикладах або даних;</a:t>
             </a:r>
           </a:p>
           <a:p>
@@ -5411,19 +5783,19 @@
             </a:pPr>
             <a:r>
               <a:rPr lang="uk-UA" dirty="0"/>
-              <a:t>Моделі </a:t>
+              <a:t>Моделі:</a:t>
             </a:r>
           </a:p>
           <a:p>
             <a:r>
               <a:rPr lang="uk-UA" dirty="0"/>
-              <a:t>дерева ухвалення рішень, </a:t>
+              <a:t>дерева ухвалення рішень;</a:t>
             </a:r>
           </a:p>
           <a:p>
             <a:r>
               <a:rPr lang="uk-UA" dirty="0"/>
-              <a:t>метод опорних векторів, </a:t>
+              <a:t>метод опорних векторів;</a:t>
             </a:r>
           </a:p>
           <a:p>
@@ -5437,7 +5809,7 @@
             </a:r>
             <a:r>
               <a:rPr lang="uk-UA" dirty="0"/>
-              <a:t>найближчих сусідів, </a:t>
+              <a:t>найближчих сусідів;</a:t>
             </a:r>
           </a:p>
           <a:p>
@@ -5598,19 +5970,196 @@
             </a:pPr>
             <a:r>
               <a:rPr lang="uk-UA" dirty="0"/>
-              <a:t>Нелінійність забезпечують функції активації </a:t>
-            </a:r>
-            <a:r>
-              <a:rPr lang="uk-UA" dirty="0">
-                <a:solidFill>
-                  <a:srgbClr val="FF0000"/>
-                </a:solidFill>
-              </a:rPr>
-              <a:t>(їх види на картинку);</a:t>
-            </a:r>
-          </a:p>
-        </p:txBody>
-      </p:sp>
+              <a:t>Нелінійність забезпечують функції активації.</a:t>
+            </a:r>
+            <a:endParaRPr lang="uk-UA" dirty="0">
+              <a:solidFill>
+                <a:srgbClr val="FF0000"/>
+              </a:solidFill>
+            </a:endParaRPr>
+          </a:p>
+        </p:txBody>
+      </p:sp>
+      <p:pic>
+        <p:nvPicPr>
+          <p:cNvPr id="7" name="Рисунок 6">
+            <a:extLst>
+              <a:ext uri="{FF2B5EF4-FFF2-40B4-BE49-F238E27FC236}">
+                <a16:creationId xmlns:a16="http://schemas.microsoft.com/office/drawing/2014/main" id="{8EBB42AD-36DF-4D3D-94DF-549CD37D0BEF}"/>
+              </a:ext>
+            </a:extLst>
+          </p:cNvPr>
+          <p:cNvPicPr>
+            <a:picLocks noChangeAspect="1"/>
+          </p:cNvPicPr>
+          <p:nvPr/>
+        </p:nvPicPr>
+        <p:blipFill>
+          <a:blip r:embed="rId2">
+            <a:extLst>
+              <a:ext uri="{28A0092B-C50C-407E-A947-70E740481C1C}">
+                <a14:useLocalDpi xmlns:a14="http://schemas.microsoft.com/office/drawing/2010/main" val="0"/>
+              </a:ext>
+            </a:extLst>
+          </a:blip>
+          <a:stretch>
+            <a:fillRect/>
+          </a:stretch>
+        </p:blipFill>
+        <p:spPr>
+          <a:xfrm>
+            <a:off x="532766" y="3421700"/>
+            <a:ext cx="3652861" cy="3253535"/>
+          </a:xfrm>
+          <a:prstGeom prst="rect">
+            <a:avLst/>
+          </a:prstGeom>
+        </p:spPr>
+      </p:pic>
+      <p:pic>
+        <p:nvPicPr>
+          <p:cNvPr id="14" name="Рисунок 13">
+            <a:extLst>
+              <a:ext uri="{FF2B5EF4-FFF2-40B4-BE49-F238E27FC236}">
+                <a16:creationId xmlns:a16="http://schemas.microsoft.com/office/drawing/2014/main" id="{0A1C13E4-9767-46D5-9E9B-9927A49AF94B}"/>
+              </a:ext>
+            </a:extLst>
+          </p:cNvPr>
+          <p:cNvPicPr>
+            <a:picLocks noChangeAspect="1"/>
+          </p:cNvPicPr>
+          <p:nvPr/>
+        </p:nvPicPr>
+        <p:blipFill>
+          <a:blip r:embed="rId3">
+            <a:extLst>
+              <a:ext uri="{28A0092B-C50C-407E-A947-70E740481C1C}">
+                <a14:useLocalDpi xmlns:a14="http://schemas.microsoft.com/office/drawing/2010/main" val="0"/>
+              </a:ext>
+            </a:extLst>
+          </a:blip>
+          <a:stretch>
+            <a:fillRect/>
+          </a:stretch>
+        </p:blipFill>
+        <p:spPr>
+          <a:xfrm>
+            <a:off x="6628674" y="3302267"/>
+            <a:ext cx="1625874" cy="1160674"/>
+          </a:xfrm>
+          <a:prstGeom prst="rect">
+            <a:avLst/>
+          </a:prstGeom>
+        </p:spPr>
+      </p:pic>
+      <p:pic>
+        <p:nvPicPr>
+          <p:cNvPr id="16" name="Рисунок 15">
+            <a:extLst>
+              <a:ext uri="{FF2B5EF4-FFF2-40B4-BE49-F238E27FC236}">
+                <a16:creationId xmlns:a16="http://schemas.microsoft.com/office/drawing/2014/main" id="{7CFE5D1A-46EF-4703-ABC7-8A59FA996FD2}"/>
+              </a:ext>
+            </a:extLst>
+          </p:cNvPr>
+          <p:cNvPicPr>
+            <a:picLocks noChangeAspect="1"/>
+          </p:cNvPicPr>
+          <p:nvPr/>
+        </p:nvPicPr>
+        <p:blipFill>
+          <a:blip r:embed="rId4">
+            <a:extLst>
+              <a:ext uri="{28A0092B-C50C-407E-A947-70E740481C1C}">
+                <a14:useLocalDpi xmlns:a14="http://schemas.microsoft.com/office/drawing/2010/main" val="0"/>
+              </a:ext>
+            </a:extLst>
+          </a:blip>
+          <a:stretch>
+            <a:fillRect/>
+          </a:stretch>
+        </p:blipFill>
+        <p:spPr>
+          <a:xfrm>
+            <a:off x="4902541" y="4576240"/>
+            <a:ext cx="3051808" cy="2172540"/>
+          </a:xfrm>
+          <a:prstGeom prst="rect">
+            <a:avLst/>
+          </a:prstGeom>
+        </p:spPr>
+      </p:pic>
+      <p:pic>
+        <p:nvPicPr>
+          <p:cNvPr id="18" name="Рисунок 17">
+            <a:extLst>
+              <a:ext uri="{FF2B5EF4-FFF2-40B4-BE49-F238E27FC236}">
+                <a16:creationId xmlns:a16="http://schemas.microsoft.com/office/drawing/2014/main" id="{B03836B0-8E5D-474C-A592-1D9F2AE3DAA5}"/>
+              </a:ext>
+            </a:extLst>
+          </p:cNvPr>
+          <p:cNvPicPr>
+            <a:picLocks noChangeAspect="1"/>
+          </p:cNvPicPr>
+          <p:nvPr/>
+        </p:nvPicPr>
+        <p:blipFill>
+          <a:blip r:embed="rId5">
+            <a:extLst>
+              <a:ext uri="{28A0092B-C50C-407E-A947-70E740481C1C}">
+                <a14:useLocalDpi xmlns:a14="http://schemas.microsoft.com/office/drawing/2010/main" val="0"/>
+              </a:ext>
+            </a:extLst>
+          </a:blip>
+          <a:stretch>
+            <a:fillRect/>
+          </a:stretch>
+        </p:blipFill>
+        <p:spPr>
+          <a:xfrm>
+            <a:off x="4718301" y="3577804"/>
+            <a:ext cx="1377699" cy="710185"/>
+          </a:xfrm>
+          <a:prstGeom prst="rect">
+            <a:avLst/>
+          </a:prstGeom>
+        </p:spPr>
+      </p:pic>
+      <p:pic>
+        <p:nvPicPr>
+          <p:cNvPr id="20" name="Рисунок 19">
+            <a:extLst>
+              <a:ext uri="{FF2B5EF4-FFF2-40B4-BE49-F238E27FC236}">
+                <a16:creationId xmlns:a16="http://schemas.microsoft.com/office/drawing/2014/main" id="{BC4C0C21-A26D-454E-8401-DDAC444EED31}"/>
+              </a:ext>
+            </a:extLst>
+          </p:cNvPr>
+          <p:cNvPicPr>
+            <a:picLocks noChangeAspect="1"/>
+          </p:cNvPicPr>
+          <p:nvPr/>
+        </p:nvPicPr>
+        <p:blipFill>
+          <a:blip r:embed="rId6">
+            <a:extLst>
+              <a:ext uri="{28A0092B-C50C-407E-A947-70E740481C1C}">
+                <a14:useLocalDpi xmlns:a14="http://schemas.microsoft.com/office/drawing/2010/main" val="0"/>
+              </a:ext>
+            </a:extLst>
+          </a:blip>
+          <a:stretch>
+            <a:fillRect/>
+          </a:stretch>
+        </p:blipFill>
+        <p:spPr>
+          <a:xfrm>
+            <a:off x="8787222" y="3137380"/>
+            <a:ext cx="1768187" cy="1336244"/>
+          </a:xfrm>
+          <a:prstGeom prst="rect">
+            <a:avLst/>
+          </a:prstGeom>
+        </p:spPr>
+      </p:pic>
     </p:spTree>
     <p:extLst>
       <p:ext uri="{BB962C8B-B14F-4D97-AF65-F5344CB8AC3E}">
@@ -5646,6 +6195,152 @@
           <p:cNvPr id="2" name="Заголовок 1">
             <a:extLst>
               <a:ext uri="{FF2B5EF4-FFF2-40B4-BE49-F238E27FC236}">
+                <a16:creationId xmlns:a16="http://schemas.microsoft.com/office/drawing/2014/main" id="{331483C2-221C-4A0B-8994-D71953D499C5}"/>
+              </a:ext>
+            </a:extLst>
+          </p:cNvPr>
+          <p:cNvSpPr>
+            <a:spLocks noGrp="1"/>
+          </p:cNvSpPr>
+          <p:nvPr>
+            <p:ph type="title"/>
+          </p:nvPr>
+        </p:nvSpPr>
+        <p:spPr/>
+        <p:txBody>
+          <a:bodyPr/>
+          <a:lstStyle/>
+          <a:p>
+            <a:r>
+              <a:rPr lang="uk-UA" dirty="0"/>
+              <a:t>ФУНКЦІЇ АКТИВАЦІЇ</a:t>
+            </a:r>
+          </a:p>
+        </p:txBody>
+      </p:sp>
+      <p:sp>
+        <p:nvSpPr>
+          <p:cNvPr id="3" name="Місце для вмісту 2">
+            <a:extLst>
+              <a:ext uri="{FF2B5EF4-FFF2-40B4-BE49-F238E27FC236}">
+                <a16:creationId xmlns:a16="http://schemas.microsoft.com/office/drawing/2014/main" id="{CB6FE4F6-FB6A-408D-8557-8A3598A1DE90}"/>
+              </a:ext>
+            </a:extLst>
+          </p:cNvPr>
+          <p:cNvSpPr>
+            <a:spLocks noGrp="1"/>
+          </p:cNvSpPr>
+          <p:nvPr>
+            <p:ph idx="1"/>
+          </p:nvPr>
+        </p:nvSpPr>
+        <p:spPr/>
+        <p:txBody>
+          <a:bodyPr/>
+          <a:lstStyle/>
+          <a:p>
+            <a:pPr marL="0" indent="0">
+              <a:buNone/>
+            </a:pPr>
+            <a:r>
+              <a:rPr lang="uk-UA" dirty="0"/>
+              <a:t>Існують три види функцій активації;</a:t>
+            </a:r>
+          </a:p>
+          <a:p>
+            <a:pPr marL="0" indent="0">
+              <a:buNone/>
+            </a:pPr>
+            <a:r>
+              <a:rPr lang="uk-UA" dirty="0"/>
+              <a:t>Основні нелінійні функції – </a:t>
+            </a:r>
+            <a:r>
+              <a:rPr lang="en-US" dirty="0" err="1"/>
+              <a:t>ReLU</a:t>
+            </a:r>
+            <a:r>
+              <a:rPr lang="en-US" dirty="0"/>
+              <a:t> </a:t>
+            </a:r>
+            <a:r>
+              <a:rPr lang="uk-UA" dirty="0"/>
+              <a:t>(та деякі модифікації), логістична, гіперболічний тангенс.</a:t>
+            </a:r>
+          </a:p>
+        </p:txBody>
+      </p:sp>
+      <p:pic>
+        <p:nvPicPr>
+          <p:cNvPr id="4" name="Рисунок 3">
+            <a:extLst>
+              <a:ext uri="{FF2B5EF4-FFF2-40B4-BE49-F238E27FC236}">
+                <a16:creationId xmlns:a16="http://schemas.microsoft.com/office/drawing/2014/main" id="{23BAA750-4E53-4D75-BC3C-E33AADD4B28B}"/>
+              </a:ext>
+            </a:extLst>
+          </p:cNvPr>
+          <p:cNvPicPr>
+            <a:picLocks noChangeAspect="1"/>
+          </p:cNvPicPr>
+          <p:nvPr/>
+        </p:nvPicPr>
+        <p:blipFill>
+          <a:blip r:embed="rId2">
+            <a:extLst>
+              <a:ext uri="{28A0092B-C50C-407E-A947-70E740481C1C}">
+                <a14:useLocalDpi xmlns:a14="http://schemas.microsoft.com/office/drawing/2010/main" val="0"/>
+              </a:ext>
+            </a:extLst>
+          </a:blip>
+          <a:stretch>
+            <a:fillRect/>
+          </a:stretch>
+        </p:blipFill>
+        <p:spPr>
+          <a:xfrm>
+            <a:off x="2222473" y="3026447"/>
+            <a:ext cx="6664853" cy="3831553"/>
+          </a:xfrm>
+          <a:prstGeom prst="rect">
+            <a:avLst/>
+          </a:prstGeom>
+        </p:spPr>
+      </p:pic>
+    </p:spTree>
+    <p:extLst>
+      <p:ext uri="{BB962C8B-B14F-4D97-AF65-F5344CB8AC3E}">
+        <p14:creationId xmlns:p14="http://schemas.microsoft.com/office/powerpoint/2010/main" val="1873533494"/>
+      </p:ext>
+    </p:extLst>
+  </p:cSld>
+  <p:clrMapOvr>
+    <a:masterClrMapping/>
+  </p:clrMapOvr>
+</p:sld>
+</file>
+
+<file path=ppt/slides/slide7.xml><?xml version="1.0" encoding="utf-8"?>
+<p:sld xmlns:a="http://schemas.openxmlformats.org/drawingml/2006/main" xmlns:r="http://schemas.openxmlformats.org/officeDocument/2006/relationships" xmlns:p="http://schemas.openxmlformats.org/presentationml/2006/main">
+  <p:cSld>
+    <p:spTree>
+      <p:nvGrpSpPr>
+        <p:cNvPr id="1" name=""/>
+        <p:cNvGrpSpPr/>
+        <p:nvPr/>
+      </p:nvGrpSpPr>
+      <p:grpSpPr>
+        <a:xfrm>
+          <a:off x="0" y="0"/>
+          <a:ext cx="0" cy="0"/>
+          <a:chOff x="0" y="0"/>
+          <a:chExt cx="0" cy="0"/>
+        </a:xfrm>
+      </p:grpSpPr>
+      <p:sp>
+        <p:nvSpPr>
+          <p:cNvPr id="2" name="Заголовок 1">
+            <a:extLst>
+              <a:ext uri="{FF2B5EF4-FFF2-40B4-BE49-F238E27FC236}">
                 <a16:creationId xmlns:a16="http://schemas.microsoft.com/office/drawing/2014/main" id="{B36FE581-E802-4286-B6A5-1C3A399AC9DB}"/>
               </a:ext>
             </a:extLst>
@@ -5685,7 +6380,12 @@
             <p:ph idx="1"/>
           </p:nvPr>
         </p:nvSpPr>
-        <p:spPr/>
+        <p:spPr>
+          <a:xfrm>
+            <a:off x="572061" y="1900890"/>
+            <a:ext cx="8595360" cy="4351337"/>
+          </a:xfrm>
+        </p:spPr>
         <p:txBody>
           <a:bodyPr/>
           <a:lstStyle/>
@@ -5704,28 +6404,39 @@
             </a:pPr>
             <a:r>
               <a:rPr lang="uk-UA" dirty="0"/>
-              <a:t>Алгоритм зворотного поширення помилки (градієнтного спуску</a:t>
-            </a:r>
-            <a:r>
-              <a:rPr lang="uk-UA"/>
-              <a:t>) – … </a:t>
-            </a:r>
+              <a:t>Алгоритм зворотного поширення помилки (градієнтного спуску) – зміна ваг зв’язків і зміщень нейронів за узагальненим дельта-правилом;</a:t>
+            </a:r>
+          </a:p>
+          <a:p>
+            <a:pPr marL="0" indent="0">
+              <a:buNone/>
+            </a:pPr>
             <a:r>
               <a:rPr lang="uk-UA" dirty="0"/>
-              <a:t>;</a:t>
-            </a:r>
-          </a:p>
-          <a:p>
-            <a:pPr marL="0" indent="0">
-              <a:buNone/>
-            </a:pPr>
+              <a:t>Види навчання на вибірках даних:</a:t>
+            </a:r>
+          </a:p>
+          <a:p>
             <a:r>
               <a:rPr lang="uk-UA" dirty="0"/>
-              <a:t>Еволюційні алгоритми.</a:t>
-            </a:r>
-          </a:p>
-          <a:p>
-            <a:endParaRPr lang="uk-UA" dirty="0"/>
+              <a:t>Дозоване;</a:t>
+            </a:r>
+          </a:p>
+          <a:p>
+            <a:r>
+              <a:rPr lang="uk-UA" dirty="0"/>
+              <a:t>Онлайн;</a:t>
+            </a:r>
+          </a:p>
+          <a:p>
+            <a:r>
+              <a:rPr lang="uk-UA" dirty="0" err="1"/>
+              <a:t>Мінідозоване</a:t>
+            </a:r>
+            <a:r>
+              <a:rPr lang="uk-UA" dirty="0"/>
+              <a:t>.</a:t>
+            </a:r>
           </a:p>
         </p:txBody>
       </p:sp>
@@ -5757,8 +6468,68 @@
         </p:blipFill>
         <p:spPr>
           <a:xfrm>
-            <a:off x="916986" y="3776134"/>
-            <a:ext cx="10358028" cy="2899624"/>
+            <a:off x="2922010" y="4273070"/>
+            <a:ext cx="9269990" cy="2595039"/>
+          </a:xfrm>
+          <a:prstGeom prst="rect">
+            <a:avLst/>
+          </a:prstGeom>
+        </p:spPr>
+      </p:pic>
+      <p:pic>
+        <p:nvPicPr>
+          <p:cNvPr id="5" name="Рисунок 4">
+            <a:extLst>
+              <a:ext uri="{FF2B5EF4-FFF2-40B4-BE49-F238E27FC236}">
+                <a16:creationId xmlns:a16="http://schemas.microsoft.com/office/drawing/2014/main" id="{AED94EF4-7266-4E6F-967A-B6C25B2DF6FD}"/>
+              </a:ext>
+            </a:extLst>
+          </p:cNvPr>
+          <p:cNvPicPr>
+            <a:picLocks noChangeAspect="1"/>
+          </p:cNvPicPr>
+          <p:nvPr/>
+        </p:nvPicPr>
+        <p:blipFill>
+          <a:blip r:embed="rId3"/>
+          <a:stretch>
+            <a:fillRect/>
+          </a:stretch>
+        </p:blipFill>
+        <p:spPr>
+          <a:xfrm>
+            <a:off x="8999862" y="2460343"/>
+            <a:ext cx="1714739" cy="457264"/>
+          </a:xfrm>
+          <a:prstGeom prst="rect">
+            <a:avLst/>
+          </a:prstGeom>
+        </p:spPr>
+      </p:pic>
+      <p:pic>
+        <p:nvPicPr>
+          <p:cNvPr id="6" name="Рисунок 5">
+            <a:extLst>
+              <a:ext uri="{FF2B5EF4-FFF2-40B4-BE49-F238E27FC236}">
+                <a16:creationId xmlns:a16="http://schemas.microsoft.com/office/drawing/2014/main" id="{527070A3-F04C-45C2-8747-561FF37946D2}"/>
+              </a:ext>
+            </a:extLst>
+          </p:cNvPr>
+          <p:cNvPicPr>
+            <a:picLocks noChangeAspect="1"/>
+          </p:cNvPicPr>
+          <p:nvPr/>
+        </p:nvPicPr>
+        <p:blipFill>
+          <a:blip r:embed="rId4"/>
+          <a:stretch>
+            <a:fillRect/>
+          </a:stretch>
+        </p:blipFill>
+        <p:spPr>
+          <a:xfrm>
+            <a:off x="8999862" y="2917607"/>
+            <a:ext cx="2162061" cy="586441"/>
           </a:xfrm>
           <a:prstGeom prst="rect">
             <a:avLst/>
@@ -5778,7 +6549,7 @@
 </p:sld>
 </file>
 
-<file path=ppt/slides/slide7.xml><?xml version="1.0" encoding="utf-8"?>
+<file path=ppt/slides/slide8.xml><?xml version="1.0" encoding="utf-8"?>
 <p:sld xmlns:a="http://schemas.openxmlformats.org/drawingml/2006/main" xmlns:r="http://schemas.openxmlformats.org/officeDocument/2006/relationships" xmlns:p="http://schemas.openxmlformats.org/presentationml/2006/main">
   <p:cSld>
     <p:spTree>
@@ -5942,7 +6713,7 @@
 </p:sld>
 </file>
 
-<file path=ppt/slides/slide8.xml><?xml version="1.0" encoding="utf-8"?>
+<file path=ppt/slides/slide9.xml><?xml version="1.0" encoding="utf-8"?>
 <p:sld xmlns:a="http://schemas.openxmlformats.org/drawingml/2006/main" xmlns:r="http://schemas.openxmlformats.org/officeDocument/2006/relationships" xmlns:p="http://schemas.openxmlformats.org/presentationml/2006/main">
   <p:cSld>
     <p:bg>
@@ -5992,7 +6763,7 @@
           <a:p>
             <a:r>
               <a:rPr lang="uk-UA" dirty="0"/>
-              <a:t>ЗАДАЧА ПРО ВИЗНАЧЕННЯ…</a:t>
+              <a:t>ПРИКЛАДНА ЗАДАЧА</a:t>
             </a:r>
           </a:p>
         </p:txBody>
@@ -6030,7 +6801,16 @@
             </a:pPr>
             <a:r>
               <a:rPr lang="uk-UA" dirty="0"/>
-              <a:t>Причини появи та росту втомних тріщин – невеликі дефекти чи тріщини, наявні з самого початку чи такі, що з’явились у процесі роботи.</a:t>
+              <a:t>Задача про визначення швидкості росту втомних тріщин;</a:t>
+            </a:r>
+          </a:p>
+          <a:p>
+            <a:pPr marL="0" indent="0">
+              <a:buNone/>
+            </a:pPr>
+            <a:r>
+              <a:rPr lang="uk-UA" dirty="0"/>
+              <a:t>Причини появи та росту втомних тріщин – невеликі дефекти чи тріщини, наявні з самого початку чи такі, що з’явились у процесі роботи;</a:t>
             </a:r>
           </a:p>
           <a:p>
@@ -6047,7 +6827,7 @@
             </a:r>
             <a:r>
               <a:rPr lang="uk-UA" dirty="0"/>
-              <a:t> зміщення берегів тріщини.</a:t>
+              <a:t> зміщення берегів тріщини;</a:t>
             </a:r>
           </a:p>
           <a:p>
@@ -6141,240 +6921,6 @@
     <p:extLst>
       <p:ext uri="{BB962C8B-B14F-4D97-AF65-F5344CB8AC3E}">
         <p14:creationId xmlns:p14="http://schemas.microsoft.com/office/powerpoint/2010/main" val="3930277523"/>
-      </p:ext>
-    </p:extLst>
-  </p:cSld>
-  <p:clrMapOvr>
-    <a:masterClrMapping/>
-  </p:clrMapOvr>
-</p:sld>
-</file>
-
-<file path=ppt/slides/slide9.xml><?xml version="1.0" encoding="utf-8"?>
-<p:sld xmlns:a="http://schemas.openxmlformats.org/drawingml/2006/main" xmlns:r="http://schemas.openxmlformats.org/officeDocument/2006/relationships" xmlns:p="http://schemas.openxmlformats.org/presentationml/2006/main">
-  <p:cSld>
-    <p:spTree>
-      <p:nvGrpSpPr>
-        <p:cNvPr id="1" name=""/>
-        <p:cNvGrpSpPr/>
-        <p:nvPr/>
-      </p:nvGrpSpPr>
-      <p:grpSpPr>
-        <a:xfrm>
-          <a:off x="0" y="0"/>
-          <a:ext cx="0" cy="0"/>
-          <a:chOff x="0" y="0"/>
-          <a:chExt cx="0" cy="0"/>
-        </a:xfrm>
-      </p:grpSpPr>
-      <p:sp>
-        <p:nvSpPr>
-          <p:cNvPr id="2" name="Заголовок 1">
-            <a:extLst>
-              <a:ext uri="{FF2B5EF4-FFF2-40B4-BE49-F238E27FC236}">
-                <a16:creationId xmlns:a16="http://schemas.microsoft.com/office/drawing/2014/main" id="{265F7D95-28A5-4562-8D53-170D096F8CC1}"/>
-              </a:ext>
-            </a:extLst>
-          </p:cNvPr>
-          <p:cNvSpPr>
-            <a:spLocks noGrp="1"/>
-          </p:cNvSpPr>
-          <p:nvPr>
-            <p:ph type="title"/>
-          </p:nvPr>
-        </p:nvSpPr>
-        <p:spPr>
-          <a:xfrm>
-            <a:off x="330200" y="247227"/>
-            <a:ext cx="11531600" cy="1325562"/>
-          </a:xfrm>
-        </p:spPr>
-        <p:txBody>
-          <a:bodyPr>
-            <a:normAutofit/>
-          </a:bodyPr>
-          <a:lstStyle/>
-          <a:p>
-            <a:r>
-              <a:rPr lang="uk-UA" sz="4000" dirty="0"/>
-              <a:t>ОПИС ПРОГРАМНОГО ЗАБЕЗПЕЧЕННЯ</a:t>
-            </a:r>
-          </a:p>
-        </p:txBody>
-      </p:sp>
-      <p:sp>
-        <p:nvSpPr>
-          <p:cNvPr id="3" name="Місце для вмісту 2">
-            <a:extLst>
-              <a:ext uri="{FF2B5EF4-FFF2-40B4-BE49-F238E27FC236}">
-                <a16:creationId xmlns:a16="http://schemas.microsoft.com/office/drawing/2014/main" id="{3E6C643E-3B6D-4FB4-9980-1C04E0F000B5}"/>
-              </a:ext>
-            </a:extLst>
-          </p:cNvPr>
-          <p:cNvSpPr>
-            <a:spLocks noGrp="1"/>
-          </p:cNvSpPr>
-          <p:nvPr>
-            <p:ph idx="1"/>
-          </p:nvPr>
-        </p:nvSpPr>
-        <p:spPr>
-          <a:xfrm>
-            <a:off x="584200" y="1801705"/>
-            <a:ext cx="11861800" cy="4809068"/>
-          </a:xfrm>
-        </p:spPr>
-        <p:txBody>
-          <a:bodyPr>
-            <a:normAutofit/>
-          </a:bodyPr>
-          <a:lstStyle/>
-          <a:p>
-            <a:pPr marL="0" indent="0">
-              <a:buNone/>
-            </a:pPr>
-            <a:r>
-              <a:rPr lang="uk-UA" dirty="0"/>
-              <a:t>Програма, написана мовою </a:t>
-            </a:r>
-            <a:r>
-              <a:rPr lang="en-US" dirty="0"/>
-              <a:t>Python</a:t>
-            </a:r>
-            <a:r>
-              <a:rPr lang="uk-UA" dirty="0"/>
-              <a:t>, складається з 9 модулів:</a:t>
-            </a:r>
-          </a:p>
-          <a:p>
-            <a:r>
-              <a:rPr lang="en-US" dirty="0"/>
-              <a:t>main –</a:t>
-            </a:r>
-            <a:r>
-              <a:rPr lang="uk-UA" dirty="0"/>
-              <a:t> задання параметрів, запуск необхідні для роботи функції інших модулів</a:t>
-            </a:r>
-          </a:p>
-          <a:p>
-            <a:r>
-              <a:rPr lang="en-US" dirty="0" err="1"/>
-              <a:t>get_data</a:t>
-            </a:r>
-            <a:r>
-              <a:rPr lang="en-US" dirty="0"/>
-              <a:t> – </a:t>
-            </a:r>
-            <a:r>
-              <a:rPr lang="uk-UA" dirty="0"/>
-              <a:t>отримання вибірки даних, активаційних функцій;</a:t>
-            </a:r>
-          </a:p>
-          <a:p>
-            <a:r>
-              <a:rPr lang="en-US" dirty="0" err="1"/>
-              <a:t>neuron_class</a:t>
-            </a:r>
-            <a:r>
-              <a:rPr lang="en-US" dirty="0"/>
-              <a:t> –</a:t>
-            </a:r>
-            <a:r>
-              <a:rPr lang="uk-UA" dirty="0"/>
-              <a:t> клас, що втілює необхідні операції для роботи нейронів мережі;</a:t>
-            </a:r>
-          </a:p>
-          <a:p>
-            <a:r>
-              <a:rPr lang="en-US" dirty="0" err="1"/>
-              <a:t>create_network</a:t>
-            </a:r>
-            <a:r>
-              <a:rPr lang="en-US" dirty="0"/>
-              <a:t> – </a:t>
-            </a:r>
-            <a:r>
-              <a:rPr lang="uk-UA" dirty="0"/>
-              <a:t>побудова нейронної мережі;</a:t>
-            </a:r>
-          </a:p>
-          <a:p>
-            <a:r>
-              <a:rPr lang="en-US" dirty="0"/>
-              <a:t>calculations – </a:t>
-            </a:r>
-            <a:r>
-              <a:rPr lang="uk-UA" dirty="0"/>
-              <a:t>проведення обчислень, навчання, виведення результатів, створення графіків</a:t>
-            </a:r>
-            <a:r>
-              <a:rPr lang="en-US" dirty="0"/>
-              <a:t>;</a:t>
-            </a:r>
-            <a:endParaRPr lang="uk-UA" dirty="0"/>
-          </a:p>
-          <a:p>
-            <a:r>
-              <a:rPr lang="en-US" dirty="0" err="1"/>
-              <a:t>genetic_algorithm_functions</a:t>
-            </a:r>
-            <a:r>
-              <a:rPr lang="en-US" dirty="0"/>
-              <a:t> – </a:t>
-            </a:r>
-            <a:r>
-              <a:rPr lang="uk-UA" dirty="0"/>
-              <a:t>необхідні для генетичного алгоритму функції;</a:t>
-            </a:r>
-          </a:p>
-          <a:p>
-            <a:r>
-              <a:rPr lang="en-US" dirty="0" err="1"/>
-              <a:t>backropagation_functions</a:t>
-            </a:r>
-            <a:r>
-              <a:rPr lang="en-US" dirty="0"/>
-              <a:t> – </a:t>
-            </a:r>
-            <a:r>
-              <a:rPr lang="uk-UA" dirty="0"/>
-              <a:t>необхідні для алгоритму зворотного поширення помилки функції;</a:t>
-            </a:r>
-          </a:p>
-          <a:p>
-            <a:r>
-              <a:rPr lang="en-US" dirty="0" err="1"/>
-              <a:t>learning_algorithms</a:t>
-            </a:r>
-            <a:r>
-              <a:rPr lang="en-US" dirty="0"/>
-              <a:t> –</a:t>
-            </a:r>
-            <a:r>
-              <a:rPr lang="uk-UA" dirty="0"/>
-              <a:t> навчання мережі;</a:t>
-            </a:r>
-          </a:p>
-          <a:p>
-            <a:r>
-              <a:rPr lang="en-US" dirty="0" err="1"/>
-              <a:t>activation_functions</a:t>
-            </a:r>
-            <a:r>
-              <a:rPr lang="en-US" dirty="0"/>
-              <a:t> – </a:t>
-            </a:r>
-            <a:r>
-              <a:rPr lang="uk-UA" dirty="0"/>
-              <a:t>зберігання активаційних функцій;</a:t>
-            </a:r>
-          </a:p>
-        </p:txBody>
-      </p:sp>
-    </p:spTree>
-    <p:extLst>
-      <p:ext uri="{BB962C8B-B14F-4D97-AF65-F5344CB8AC3E}">
-        <p14:creationId xmlns:p14="http://schemas.microsoft.com/office/powerpoint/2010/main" val="3370070075"/>
       </p:ext>
     </p:extLst>
   </p:cSld>

--- a/Застосування методів машинного навчання для прогнозування елементів конструкцій-1.pptx
+++ b/Застосування методів машинного навчання для прогнозування елементів конструкцій-1.pptx
@@ -3500,6 +3500,8 @@
                 <a:solidFill>
                   <a:schemeClr val="bg1"/>
                 </a:solidFill>
+                <a:latin typeface="Cambria" panose="02040503050406030204" pitchFamily="18" charset="0"/>
+                <a:ea typeface="Cambria" panose="02040503050406030204" pitchFamily="18" charset="0"/>
               </a:rPr>
             </a:br>
             <a:br>
@@ -3507,6 +3509,8 @@
                 <a:solidFill>
                   <a:schemeClr val="bg1"/>
                 </a:solidFill>
+                <a:latin typeface="Cambria" panose="02040503050406030204" pitchFamily="18" charset="0"/>
+                <a:ea typeface="Cambria" panose="02040503050406030204" pitchFamily="18" charset="0"/>
               </a:rPr>
             </a:br>
             <a:br>
@@ -3514,6 +3518,8 @@
                 <a:solidFill>
                   <a:schemeClr val="bg1"/>
                 </a:solidFill>
+                <a:latin typeface="Cambria" panose="02040503050406030204" pitchFamily="18" charset="0"/>
+                <a:ea typeface="Cambria" panose="02040503050406030204" pitchFamily="18" charset="0"/>
               </a:rPr>
             </a:br>
             <a:br>
@@ -3521,6 +3527,8 @@
                 <a:solidFill>
                   <a:schemeClr val="bg1"/>
                 </a:solidFill>
+                <a:latin typeface="Cambria" panose="02040503050406030204" pitchFamily="18" charset="0"/>
+                <a:ea typeface="Cambria" panose="02040503050406030204" pitchFamily="18" charset="0"/>
               </a:rPr>
             </a:br>
             <a:br>
@@ -3528,6 +3536,8 @@
                 <a:solidFill>
                   <a:schemeClr val="bg1"/>
                 </a:solidFill>
+                <a:latin typeface="Cambria" panose="02040503050406030204" pitchFamily="18" charset="0"/>
+                <a:ea typeface="Cambria" panose="02040503050406030204" pitchFamily="18" charset="0"/>
               </a:rPr>
             </a:br>
             <a:br>
@@ -3535,6 +3545,8 @@
                 <a:solidFill>
                   <a:schemeClr val="bg1"/>
                 </a:solidFill>
+                <a:latin typeface="Cambria" panose="02040503050406030204" pitchFamily="18" charset="0"/>
+                <a:ea typeface="Cambria" panose="02040503050406030204" pitchFamily="18" charset="0"/>
               </a:rPr>
             </a:br>
             <a:br>
@@ -3542,6 +3554,8 @@
                 <a:solidFill>
                   <a:schemeClr val="bg1"/>
                 </a:solidFill>
+                <a:latin typeface="Cambria" panose="02040503050406030204" pitchFamily="18" charset="0"/>
+                <a:ea typeface="Cambria" panose="02040503050406030204" pitchFamily="18" charset="0"/>
               </a:rPr>
             </a:br>
             <a:br>
@@ -3549,6 +3563,8 @@
                 <a:solidFill>
                   <a:schemeClr val="bg1"/>
                 </a:solidFill>
+                <a:latin typeface="Cambria" panose="02040503050406030204" pitchFamily="18" charset="0"/>
+                <a:ea typeface="Cambria" panose="02040503050406030204" pitchFamily="18" charset="0"/>
               </a:rPr>
             </a:br>
             <a:br>
@@ -3556,6 +3572,8 @@
                 <a:solidFill>
                   <a:schemeClr val="bg1"/>
                 </a:solidFill>
+                <a:latin typeface="Cambria" panose="02040503050406030204" pitchFamily="18" charset="0"/>
+                <a:ea typeface="Cambria" panose="02040503050406030204" pitchFamily="18" charset="0"/>
               </a:rPr>
             </a:br>
             <a:br>
@@ -3563,6 +3581,8 @@
                 <a:solidFill>
                   <a:schemeClr val="bg1"/>
                 </a:solidFill>
+                <a:latin typeface="Cambria" panose="02040503050406030204" pitchFamily="18" charset="0"/>
+                <a:ea typeface="Cambria" panose="02040503050406030204" pitchFamily="18" charset="0"/>
               </a:rPr>
             </a:br>
             <a:br>
@@ -3570,6 +3590,8 @@
                 <a:solidFill>
                   <a:schemeClr val="bg1"/>
                 </a:solidFill>
+                <a:latin typeface="Cambria" panose="02040503050406030204" pitchFamily="18" charset="0"/>
+                <a:ea typeface="Cambria" panose="02040503050406030204" pitchFamily="18" charset="0"/>
               </a:rPr>
             </a:br>
             <a:br>
@@ -3577,6 +3599,8 @@
                 <a:solidFill>
                   <a:schemeClr val="bg1"/>
                 </a:solidFill>
+                <a:latin typeface="Cambria" panose="02040503050406030204" pitchFamily="18" charset="0"/>
+                <a:ea typeface="Cambria" panose="02040503050406030204" pitchFamily="18" charset="0"/>
               </a:rPr>
             </a:br>
             <a:br>
@@ -3584,6 +3608,8 @@
                 <a:solidFill>
                   <a:schemeClr val="bg1"/>
                 </a:solidFill>
+                <a:latin typeface="Cambria" panose="02040503050406030204" pitchFamily="18" charset="0"/>
+                <a:ea typeface="Cambria" panose="02040503050406030204" pitchFamily="18" charset="0"/>
               </a:rPr>
             </a:br>
             <a:br>
@@ -3591,41 +3617,42 @@
                 <a:solidFill>
                   <a:schemeClr val="bg1"/>
                 </a:solidFill>
+                <a:latin typeface="Cambria" panose="02040503050406030204" pitchFamily="18" charset="0"/>
+                <a:ea typeface="Cambria" panose="02040503050406030204" pitchFamily="18" charset="0"/>
               </a:rPr>
             </a:br>
             <a:r>
               <a:rPr lang="uk-UA" sz="4400" dirty="0">
+                <a:latin typeface="Cambria" panose="02040503050406030204" pitchFamily="18" charset="0"/>
+                <a:ea typeface="Cambria" panose="02040503050406030204" pitchFamily="18" charset="0"/>
                 <a:cs typeface="Times New Roman" panose="02020603050405020304" pitchFamily="18" charset="0"/>
               </a:rPr>
-              <a:t>ЗАС</a:t>
-            </a:r>
-            <a:r>
-              <a:rPr lang="uk-UA" sz="4400" dirty="0">
-                <a:ea typeface="Times New Roman" panose="02020603050405020304" pitchFamily="18" charset="0"/>
-                <a:cs typeface="Times New Roman" panose="02020603050405020304" pitchFamily="18" charset="0"/>
-              </a:rPr>
-              <a:t>ТОСУВАННЯ МЕТОДІВ МАШИННОГО НАВЧАННЯ ДЛЯ ПРОГНОЗУВАННЯ ЕЛЕМЕНТІВ КОНСТРУКЦІЙ</a:t>
+              <a:t>ЗАСТОСУВАННЯ МЕТОДІВ МАШИННОГО НАВЧАННЯ ДЛЯ ПРОГНОЗУВАННЯ ЕЛЕМЕНТІВ КОНСТРУКЦІЙ</a:t>
             </a:r>
             <a:br>
               <a:rPr lang="uk-UA" sz="4400" dirty="0">
-                <a:ea typeface="Times New Roman" panose="02020603050405020304" pitchFamily="18" charset="0"/>
+                <a:latin typeface="Cambria" panose="02040503050406030204" pitchFamily="18" charset="0"/>
+                <a:ea typeface="Cambria" panose="02040503050406030204" pitchFamily="18" charset="0"/>
                 <a:cs typeface="Times New Roman" panose="02020603050405020304" pitchFamily="18" charset="0"/>
               </a:rPr>
             </a:br>
             <a:br>
               <a:rPr lang="uk-UA" sz="4400" dirty="0">
+                <a:latin typeface="Cambria" panose="02040503050406030204" pitchFamily="18" charset="0"/>
+                <a:ea typeface="Cambria" panose="02040503050406030204" pitchFamily="18" charset="0"/>
                 <a:cs typeface="Times New Roman" panose="02020603050405020304" pitchFamily="18" charset="0"/>
               </a:rPr>
             </a:br>
             <a:br>
               <a:rPr lang="uk-UA" sz="4400" dirty="0">
-                <a:latin typeface="Times New Roman" panose="02020603050405020304" pitchFamily="18" charset="0"/>
-                <a:ea typeface="Calibri" panose="020F0502020204030204" pitchFamily="34" charset="0"/>
+                <a:latin typeface="Cambria" panose="02040503050406030204" pitchFamily="18" charset="0"/>
+                <a:ea typeface="Cambria" panose="02040503050406030204" pitchFamily="18" charset="0"/>
                 <a:cs typeface="Calibri" panose="020F0502020204030204" pitchFamily="34" charset="0"/>
               </a:rPr>
             </a:br>
             <a:endParaRPr lang="uk-UA" sz="4400" dirty="0">
-              <a:latin typeface="Times New Roman" panose="02020603050405020304" pitchFamily="18" charset="0"/>
+              <a:latin typeface="Cambria" panose="02040503050406030204" pitchFamily="18" charset="0"/>
+              <a:ea typeface="Cambria" panose="02040503050406030204" pitchFamily="18" charset="0"/>
               <a:cs typeface="Times New Roman" panose="02020603050405020304" pitchFamily="18" charset="0"/>
             </a:endParaRPr>
           </a:p>
@@ -3661,33 +3688,38 @@
             <a:pPr algn="ctr"/>
             <a:r>
               <a:rPr lang="uk-UA" dirty="0">
-                <a:latin typeface="+mj-lt"/>
+                <a:latin typeface="Cambria" panose="02040503050406030204" pitchFamily="18" charset="0"/>
+                <a:ea typeface="Cambria" panose="02040503050406030204" pitchFamily="18" charset="0"/>
                 <a:cs typeface="Times New Roman" panose="02020603050405020304" pitchFamily="18" charset="0"/>
               </a:rPr>
               <a:t>Дніпровський національний університет імені Олеся Гончара</a:t>
             </a:r>
             <a:br>
               <a:rPr lang="uk-UA" dirty="0">
-                <a:latin typeface="+mj-lt"/>
+                <a:latin typeface="Cambria" panose="02040503050406030204" pitchFamily="18" charset="0"/>
+                <a:ea typeface="Cambria" panose="02040503050406030204" pitchFamily="18" charset="0"/>
                 <a:cs typeface="Times New Roman" panose="02020603050405020304" pitchFamily="18" charset="0"/>
               </a:rPr>
             </a:br>
             <a:r>
               <a:rPr lang="uk-UA" dirty="0">
-                <a:latin typeface="+mj-lt"/>
+                <a:latin typeface="Cambria" panose="02040503050406030204" pitchFamily="18" charset="0"/>
+                <a:ea typeface="Cambria" panose="02040503050406030204" pitchFamily="18" charset="0"/>
                 <a:cs typeface="Times New Roman" panose="02020603050405020304" pitchFamily="18" charset="0"/>
               </a:rPr>
               <a:t>Факультет прикладної математики</a:t>
             </a:r>
             <a:br>
               <a:rPr lang="en-US" dirty="0">
-                <a:latin typeface="+mj-lt"/>
+                <a:latin typeface="Cambria" panose="02040503050406030204" pitchFamily="18" charset="0"/>
+                <a:ea typeface="Cambria" panose="02040503050406030204" pitchFamily="18" charset="0"/>
                 <a:cs typeface="Times New Roman" panose="02020603050405020304" pitchFamily="18" charset="0"/>
               </a:rPr>
             </a:br>
             <a:r>
               <a:rPr lang="uk-UA" dirty="0">
-                <a:latin typeface="+mj-lt"/>
+                <a:latin typeface="Cambria" panose="02040503050406030204" pitchFamily="18" charset="0"/>
+                <a:ea typeface="Cambria" panose="02040503050406030204" pitchFamily="18" charset="0"/>
                 <a:cs typeface="Times New Roman" panose="02020603050405020304" pitchFamily="18" charset="0"/>
               </a:rPr>
               <a:t>Кафедра обчислювальної математики та математичної кібернетики</a:t>
@@ -3696,7 +3728,8 @@
               <a:solidFill>
                 <a:schemeClr val="bg1"/>
               </a:solidFill>
-              <a:latin typeface="+mj-lt"/>
+              <a:latin typeface="Cambria" panose="02040503050406030204" pitchFamily="18" charset="0"/>
+              <a:ea typeface="Cambria" panose="02040503050406030204" pitchFamily="18" charset="0"/>
             </a:endParaRPr>
           </a:p>
         </p:txBody>
@@ -3731,79 +3764,110 @@
             <a:pPr algn="r"/>
             <a:r>
               <a:rPr lang="uk-UA" dirty="0">
+                <a:latin typeface="Cambria" panose="02040503050406030204" pitchFamily="18" charset="0"/>
+                <a:ea typeface="Cambria" panose="02040503050406030204" pitchFamily="18" charset="0"/>
                 <a:cs typeface="Times New Roman" panose="02020603050405020304" pitchFamily="18" charset="0"/>
               </a:rPr>
               <a:t>Виконавець:</a:t>
             </a:r>
             <a:br>
               <a:rPr lang="uk-UA" dirty="0">
+                <a:latin typeface="Cambria" panose="02040503050406030204" pitchFamily="18" charset="0"/>
+                <a:ea typeface="Cambria" panose="02040503050406030204" pitchFamily="18" charset="0"/>
                 <a:cs typeface="Times New Roman" panose="02020603050405020304" pitchFamily="18" charset="0"/>
               </a:rPr>
             </a:br>
             <a:r>
               <a:rPr lang="uk-UA" dirty="0">
+                <a:latin typeface="Cambria" panose="02040503050406030204" pitchFamily="18" charset="0"/>
+                <a:ea typeface="Cambria" panose="02040503050406030204" pitchFamily="18" charset="0"/>
                 <a:cs typeface="Times New Roman" panose="02020603050405020304" pitchFamily="18" charset="0"/>
               </a:rPr>
               <a:t>Студент групи ПА-18-1</a:t>
             </a:r>
             <a:br>
               <a:rPr lang="uk-UA" dirty="0">
+                <a:latin typeface="Cambria" panose="02040503050406030204" pitchFamily="18" charset="0"/>
+                <a:ea typeface="Cambria" panose="02040503050406030204" pitchFamily="18" charset="0"/>
                 <a:cs typeface="Times New Roman" panose="02020603050405020304" pitchFamily="18" charset="0"/>
               </a:rPr>
             </a:br>
             <a:r>
               <a:rPr lang="uk-UA" dirty="0">
+                <a:latin typeface="Cambria" panose="02040503050406030204" pitchFamily="18" charset="0"/>
+                <a:ea typeface="Cambria" panose="02040503050406030204" pitchFamily="18" charset="0"/>
                 <a:cs typeface="Times New Roman" panose="02020603050405020304" pitchFamily="18" charset="0"/>
               </a:rPr>
               <a:t>Щербак Роман Олексійович</a:t>
             </a:r>
             <a:br>
               <a:rPr lang="uk-UA" dirty="0">
+                <a:latin typeface="Cambria" panose="02040503050406030204" pitchFamily="18" charset="0"/>
+                <a:ea typeface="Cambria" panose="02040503050406030204" pitchFamily="18" charset="0"/>
                 <a:cs typeface="Times New Roman" panose="02020603050405020304" pitchFamily="18" charset="0"/>
               </a:rPr>
             </a:br>
             <a:r>
               <a:rPr lang="uk-UA" dirty="0">
+                <a:latin typeface="Cambria" panose="02040503050406030204" pitchFamily="18" charset="0"/>
+                <a:ea typeface="Cambria" panose="02040503050406030204" pitchFamily="18" charset="0"/>
                 <a:cs typeface="Times New Roman" panose="02020603050405020304" pitchFamily="18" charset="0"/>
               </a:rPr>
               <a:t>Керівник:</a:t>
             </a:r>
             <a:br>
               <a:rPr lang="uk-UA" dirty="0">
+                <a:latin typeface="Cambria" panose="02040503050406030204" pitchFamily="18" charset="0"/>
+                <a:ea typeface="Cambria" panose="02040503050406030204" pitchFamily="18" charset="0"/>
                 <a:cs typeface="Times New Roman" panose="02020603050405020304" pitchFamily="18" charset="0"/>
               </a:rPr>
             </a:br>
             <a:r>
               <a:rPr lang="uk-UA" dirty="0">
+                <a:latin typeface="Cambria" panose="02040503050406030204" pitchFamily="18" charset="0"/>
+                <a:ea typeface="Cambria" panose="02040503050406030204" pitchFamily="18" charset="0"/>
                 <a:cs typeface="Times New Roman" panose="02020603050405020304" pitchFamily="18" charset="0"/>
               </a:rPr>
               <a:t>Доктор фіз.-мат. наук, професор</a:t>
             </a:r>
             <a:br>
               <a:rPr lang="uk-UA" dirty="0">
+                <a:latin typeface="Cambria" panose="02040503050406030204" pitchFamily="18" charset="0"/>
+                <a:ea typeface="Cambria" panose="02040503050406030204" pitchFamily="18" charset="0"/>
                 <a:cs typeface="Times New Roman" panose="02020603050405020304" pitchFamily="18" charset="0"/>
               </a:rPr>
             </a:br>
             <a:r>
               <a:rPr lang="uk-UA" dirty="0">
+                <a:latin typeface="Cambria" panose="02040503050406030204" pitchFamily="18" charset="0"/>
+                <a:ea typeface="Cambria" panose="02040503050406030204" pitchFamily="18" charset="0"/>
                 <a:cs typeface="Times New Roman" panose="02020603050405020304" pitchFamily="18" charset="0"/>
               </a:rPr>
               <a:t>А.Є. Шевельова</a:t>
             </a:r>
             <a:br>
-              <a:rPr lang="uk-UA" dirty="0"/>
+              <a:rPr lang="uk-UA" dirty="0">
+                <a:latin typeface="Cambria" panose="02040503050406030204" pitchFamily="18" charset="0"/>
+                <a:ea typeface="Cambria" panose="02040503050406030204" pitchFamily="18" charset="0"/>
+              </a:rPr>
             </a:br>
             <a:br>
               <a:rPr lang="uk-UA" dirty="0">
-                <a:latin typeface="Times New Roman" panose="02020603050405020304" pitchFamily="18" charset="0"/>
-                <a:ea typeface="Times New Roman" panose="02020603050405020304" pitchFamily="18" charset="0"/>
+                <a:latin typeface="Cambria" panose="02040503050406030204" pitchFamily="18" charset="0"/>
+                <a:ea typeface="Cambria" panose="02040503050406030204" pitchFamily="18" charset="0"/>
                 <a:cs typeface="Times New Roman" panose="02020603050405020304" pitchFamily="18" charset="0"/>
               </a:rPr>
             </a:br>
             <a:br>
-              <a:rPr lang="uk-UA" dirty="0"/>
+              <a:rPr lang="uk-UA" dirty="0">
+                <a:latin typeface="Cambria" panose="02040503050406030204" pitchFamily="18" charset="0"/>
+                <a:ea typeface="Cambria" panose="02040503050406030204" pitchFamily="18" charset="0"/>
+              </a:rPr>
             </a:br>
-            <a:endParaRPr lang="uk-UA" dirty="0"/>
+            <a:endParaRPr lang="uk-UA" dirty="0">
+              <a:latin typeface="Cambria" panose="02040503050406030204" pitchFamily="18" charset="0"/>
+              <a:ea typeface="Cambria" panose="02040503050406030204" pitchFamily="18" charset="0"/>
+            </a:endParaRPr>
           </a:p>
         </p:txBody>
       </p:sp>
@@ -3866,7 +3930,10 @@
           <a:lstStyle/>
           <a:p>
             <a:r>
-              <a:rPr lang="uk-UA" sz="4000" dirty="0"/>
+              <a:rPr lang="uk-UA" sz="4000" dirty="0">
+                <a:latin typeface="Cambria" panose="02040503050406030204" pitchFamily="18" charset="0"/>
+                <a:ea typeface="Cambria" panose="02040503050406030204" pitchFamily="18" charset="0"/>
+              </a:rPr>
               <a:t>ОПИС ПРОГРАМНОГО ЗАБЕЗПЕЧЕННЯ</a:t>
             </a:r>
           </a:p>
@@ -3904,139 +3971,105 @@
               <a:buNone/>
             </a:pPr>
             <a:r>
-              <a:rPr lang="uk-UA" dirty="0"/>
+              <a:rPr lang="uk-UA" dirty="0">
+                <a:latin typeface="Cambria" panose="02040503050406030204" pitchFamily="18" charset="0"/>
+                <a:ea typeface="Cambria" panose="02040503050406030204" pitchFamily="18" charset="0"/>
+              </a:rPr>
               <a:t>Програма, написана мовою </a:t>
             </a:r>
             <a:r>
-              <a:rPr lang="en-US" dirty="0"/>
+              <a:rPr lang="en-US" dirty="0">
+                <a:latin typeface="Cambria" panose="02040503050406030204" pitchFamily="18" charset="0"/>
+                <a:ea typeface="Cambria" panose="02040503050406030204" pitchFamily="18" charset="0"/>
+              </a:rPr>
               <a:t>Python</a:t>
             </a:r>
             <a:r>
-              <a:rPr lang="uk-UA" dirty="0"/>
+              <a:rPr lang="uk-UA" dirty="0">
+                <a:latin typeface="Cambria" panose="02040503050406030204" pitchFamily="18" charset="0"/>
+                <a:ea typeface="Cambria" panose="02040503050406030204" pitchFamily="18" charset="0"/>
+              </a:rPr>
               <a:t>, складається з 9 модулів:</a:t>
             </a:r>
           </a:p>
-          <a:p>
-            <a:r>
-              <a:rPr lang="en-US" dirty="0"/>
-              <a:t>main –</a:t>
-            </a:r>
-            <a:r>
-              <a:rPr lang="uk-UA" dirty="0"/>
-              <a:t> задання параметрів, запуск необхідні для роботи функції інших модулів</a:t>
-            </a:r>
-          </a:p>
-          <a:p>
-            <a:r>
-              <a:rPr lang="en-US" dirty="0" err="1"/>
-              <a:t>get_data</a:t>
-            </a:r>
-            <a:r>
-              <a:rPr lang="en-US" dirty="0"/>
-              <a:t> – </a:t>
-            </a:r>
-            <a:r>
-              <a:rPr lang="uk-UA" dirty="0"/>
-              <a:t>отримання вибірки даних, активаційних функцій;</a:t>
-            </a:r>
-          </a:p>
-          <a:p>
-            <a:r>
-              <a:rPr lang="en-US" dirty="0" err="1"/>
-              <a:t>neuron_class</a:t>
-            </a:r>
-            <a:r>
-              <a:rPr lang="en-US" dirty="0"/>
-              <a:t> –</a:t>
-            </a:r>
-            <a:r>
-              <a:rPr lang="uk-UA" dirty="0"/>
-              <a:t> клас, що втілює необхідні операції для роботи нейронів мережі;</a:t>
-            </a:r>
-          </a:p>
-          <a:p>
-            <a:r>
-              <a:rPr lang="en-US" dirty="0" err="1"/>
-              <a:t>create_network</a:t>
-            </a:r>
-            <a:r>
-              <a:rPr lang="en-US" dirty="0"/>
-              <a:t> – </a:t>
-            </a:r>
-            <a:r>
-              <a:rPr lang="uk-UA" dirty="0"/>
-              <a:t>побудова нейронної мережі;</a:t>
-            </a:r>
-          </a:p>
-          <a:p>
-            <a:r>
-              <a:rPr lang="en-US" dirty="0"/>
-              <a:t>calculations – </a:t>
-            </a:r>
-            <a:r>
-              <a:rPr lang="uk-UA" dirty="0"/>
-              <a:t>проведення обчислень, навчання, виведення результатів, створення графіків</a:t>
-            </a:r>
-            <a:r>
-              <a:rPr lang="en-US" dirty="0"/>
-              <a:t>;</a:t>
-            </a:r>
-            <a:endParaRPr lang="uk-UA" dirty="0"/>
-          </a:p>
-          <a:p>
-            <a:r>
-              <a:rPr lang="en-US" dirty="0" err="1"/>
-              <a:t>genetic_algorithm_functions</a:t>
-            </a:r>
-            <a:r>
-              <a:rPr lang="en-US" dirty="0"/>
-              <a:t> – </a:t>
-            </a:r>
-            <a:r>
-              <a:rPr lang="uk-UA" dirty="0"/>
-              <a:t>необхідні для генетичного алгоритму функції;</a:t>
-            </a:r>
-          </a:p>
-          <a:p>
-            <a:r>
-              <a:rPr lang="en-US" dirty="0" err="1"/>
-              <a:t>backropagation_functions</a:t>
-            </a:r>
-            <a:r>
-              <a:rPr lang="en-US" dirty="0"/>
-              <a:t> – </a:t>
-            </a:r>
-            <a:r>
-              <a:rPr lang="uk-UA" dirty="0"/>
-              <a:t>необхідні для алгоритму зворотного поширення помилки функції;</a:t>
-            </a:r>
-          </a:p>
-          <a:p>
-            <a:r>
-              <a:rPr lang="en-US" dirty="0" err="1"/>
-              <a:t>learning_algorithms</a:t>
-            </a:r>
-            <a:r>
-              <a:rPr lang="en-US" dirty="0"/>
-              <a:t> –</a:t>
-            </a:r>
-            <a:r>
-              <a:rPr lang="uk-UA" dirty="0"/>
-              <a:t> навчання мережі;</a:t>
-            </a:r>
-          </a:p>
-          <a:p>
-            <a:r>
-              <a:rPr lang="en-US" dirty="0" err="1"/>
-              <a:t>activation_functions</a:t>
-            </a:r>
-            <a:r>
-              <a:rPr lang="en-US" dirty="0"/>
-              <a:t> – </a:t>
-            </a:r>
-            <a:r>
-              <a:rPr lang="uk-UA" dirty="0"/>
-              <a:t>зберігання активаційних функцій;</a:t>
+        </p:txBody>
+      </p:sp>
+      <p:pic>
+        <p:nvPicPr>
+          <p:cNvPr id="5" name="Рисунок 4">
+            <a:extLst>
+              <a:ext uri="{FF2B5EF4-FFF2-40B4-BE49-F238E27FC236}">
+                <a16:creationId xmlns:a16="http://schemas.microsoft.com/office/drawing/2014/main" id="{D14946B7-1148-4D83-937A-8F4CBA03D77F}"/>
+              </a:ext>
+            </a:extLst>
+          </p:cNvPr>
+          <p:cNvPicPr>
+            <a:picLocks noChangeAspect="1"/>
+          </p:cNvPicPr>
+          <p:nvPr/>
+        </p:nvPicPr>
+        <p:blipFill>
+          <a:blip r:embed="rId2">
+            <a:extLst>
+              <a:ext uri="{28A0092B-C50C-407E-A947-70E740481C1C}">
+                <a14:useLocalDpi xmlns:a14="http://schemas.microsoft.com/office/drawing/2010/main" val="0"/>
+              </a:ext>
+            </a:extLst>
+          </a:blip>
+          <a:stretch>
+            <a:fillRect/>
+          </a:stretch>
+        </p:blipFill>
+        <p:spPr>
+          <a:xfrm>
+            <a:off x="85725" y="2611168"/>
+            <a:ext cx="11171814" cy="3446732"/>
+          </a:xfrm>
+          <a:prstGeom prst="rect">
+            <a:avLst/>
+          </a:prstGeom>
+        </p:spPr>
+      </p:pic>
+      <p:sp>
+        <p:nvSpPr>
+          <p:cNvPr id="6" name="Прямокутник 5">
+            <a:extLst>
+              <a:ext uri="{FF2B5EF4-FFF2-40B4-BE49-F238E27FC236}">
+                <a16:creationId xmlns:a16="http://schemas.microsoft.com/office/drawing/2014/main" id="{BC143918-6DB9-4DDC-8D67-66251EB933FD}"/>
+              </a:ext>
+            </a:extLst>
+          </p:cNvPr>
+          <p:cNvSpPr/>
+          <p:nvPr/>
+        </p:nvSpPr>
+        <p:spPr>
+          <a:xfrm>
+            <a:off x="3888195" y="6241441"/>
+            <a:ext cx="3566874" cy="369332"/>
+          </a:xfrm>
+          <a:prstGeom prst="rect">
+            <a:avLst/>
+          </a:prstGeom>
+        </p:spPr>
+        <p:txBody>
+          <a:bodyPr wrap="none">
+            <a:spAutoFit/>
+          </a:bodyPr>
+          <a:lstStyle/>
+          <a:p>
+            <a:r>
+              <a:rPr lang="uk-UA" b="1" dirty="0">
+                <a:latin typeface="Cambria" panose="02040503050406030204" pitchFamily="18" charset="0"/>
+                <a:ea typeface="Cambria" panose="02040503050406030204" pitchFamily="18" charset="0"/>
+              </a:rPr>
+              <a:t>Рисунок 9.</a:t>
+            </a:r>
+            <a:r>
+              <a:rPr lang="uk-UA" dirty="0">
+                <a:latin typeface="Cambria" panose="02040503050406030204" pitchFamily="18" charset="0"/>
+                <a:ea typeface="Cambria" panose="02040503050406030204" pitchFamily="18" charset="0"/>
+              </a:rPr>
+              <a:t> Структура програми</a:t>
             </a:r>
           </a:p>
         </p:txBody>
@@ -4095,45 +4128,12 @@
           <a:lstStyle/>
           <a:p>
             <a:r>
-              <a:rPr lang="uk-UA" sz="4000" dirty="0"/>
+              <a:rPr lang="uk-UA" sz="4000" dirty="0">
+                <a:latin typeface="Cambria" panose="02040503050406030204" pitchFamily="18" charset="0"/>
+                <a:ea typeface="Cambria" panose="02040503050406030204" pitchFamily="18" charset="0"/>
+              </a:rPr>
               <a:t>АНАЛІЗ РЕЗУЛЬТАТІВ</a:t>
             </a:r>
-          </a:p>
-        </p:txBody>
-      </p:sp>
-      <p:sp>
-        <p:nvSpPr>
-          <p:cNvPr id="3" name="Місце для вмісту 2">
-            <a:extLst>
-              <a:ext uri="{FF2B5EF4-FFF2-40B4-BE49-F238E27FC236}">
-                <a16:creationId xmlns:a16="http://schemas.microsoft.com/office/drawing/2014/main" id="{C92CF08F-E50C-4750-9DA6-FFA29D7ACBC7}"/>
-              </a:ext>
-            </a:extLst>
-          </p:cNvPr>
-          <p:cNvSpPr>
-            <a:spLocks noGrp="1"/>
-          </p:cNvSpPr>
-          <p:nvPr>
-            <p:ph idx="1"/>
-          </p:nvPr>
-        </p:nvSpPr>
-        <p:spPr/>
-        <p:txBody>
-          <a:bodyPr/>
-          <a:lstStyle/>
-          <a:p>
-            <a:pPr marL="0" indent="0">
-              <a:buNone/>
-            </a:pPr>
-            <a:r>
-              <a:rPr lang="uk-UA" sz="1800" dirty="0">
-                <a:effectLst/>
-                <a:latin typeface="Times New Roman" panose="02020603050405020304" pitchFamily="18" charset="0"/>
-                <a:ea typeface="Times New Roman" panose="02020603050405020304" pitchFamily="18" charset="0"/>
-              </a:rPr>
-              <a:t>Алгоритм зворотного поширення помилки</a:t>
-            </a:r>
-            <a:endParaRPr lang="uk-UA" dirty="0"/>
           </a:p>
         </p:txBody>
       </p:sp>
@@ -4165,7 +4165,7 @@
         </p:blipFill>
         <p:spPr>
           <a:xfrm>
-            <a:off x="-105878" y="2344503"/>
+            <a:off x="-56891" y="2344503"/>
             <a:ext cx="3834480" cy="2875860"/>
           </a:xfrm>
           <a:prstGeom prst="rect">
@@ -4222,7 +4222,7 @@
         </p:blipFill>
         <p:spPr>
           <a:xfrm>
-            <a:off x="7391028" y="2344503"/>
+            <a:off x="7440015" y="2344503"/>
             <a:ext cx="3839134" cy="2875860"/>
           </a:xfrm>
           <a:prstGeom prst="rect">
@@ -4258,7 +4258,7 @@
         </p:blipFill>
         <p:spPr>
           <a:xfrm>
-            <a:off x="3643940" y="2320191"/>
+            <a:off x="3692927" y="2320191"/>
             <a:ext cx="3933357" cy="2900172"/>
           </a:xfrm>
           <a:prstGeom prst="rect">
@@ -4266,6 +4266,50 @@
           </a:prstGeom>
         </p:spPr>
       </p:pic>
+      <p:sp>
+        <p:nvSpPr>
+          <p:cNvPr id="19" name="Прямокутник 18">
+            <a:extLst>
+              <a:ext uri="{FF2B5EF4-FFF2-40B4-BE49-F238E27FC236}">
+                <a16:creationId xmlns:a16="http://schemas.microsoft.com/office/drawing/2014/main" id="{F1C423D9-4FF9-424B-BB4D-20B151ADAFC4}"/>
+              </a:ext>
+            </a:extLst>
+          </p:cNvPr>
+          <p:cNvSpPr/>
+          <p:nvPr/>
+        </p:nvSpPr>
+        <p:spPr>
+          <a:xfrm>
+            <a:off x="1413509" y="5504212"/>
+            <a:ext cx="9389365" cy="369332"/>
+          </a:xfrm>
+          <a:prstGeom prst="rect">
+            <a:avLst/>
+          </a:prstGeom>
+        </p:spPr>
+        <p:txBody>
+          <a:bodyPr wrap="none">
+            <a:spAutoFit/>
+          </a:bodyPr>
+          <a:lstStyle/>
+          <a:p>
+            <a:r>
+              <a:rPr lang="uk-UA" b="1" dirty="0">
+                <a:latin typeface="Cambria" panose="02040503050406030204" pitchFamily="18" charset="0"/>
+                <a:ea typeface="Cambria" panose="02040503050406030204" pitchFamily="18" charset="0"/>
+              </a:rPr>
+              <a:t>Рисунок 10.</a:t>
+            </a:r>
+            <a:r>
+              <a:rPr lang="uk-UA" dirty="0">
+                <a:latin typeface="Cambria" panose="02040503050406030204" pitchFamily="18" charset="0"/>
+                <a:ea typeface="Cambria" panose="02040503050406030204" pitchFamily="18" charset="0"/>
+              </a:rPr>
+              <a:t> Аналіз результатів навчання алгоритмом зворотного поширення помилки</a:t>
+            </a:r>
+          </a:p>
+        </p:txBody>
+      </p:sp>
     </p:spTree>
     <p:extLst>
       <p:ext uri="{BB962C8B-B14F-4D97-AF65-F5344CB8AC3E}">
@@ -4318,47 +4362,12 @@
           <a:lstStyle/>
           <a:p>
             <a:r>
-              <a:rPr lang="uk-UA" dirty="0"/>
+              <a:rPr lang="uk-UA" dirty="0">
+                <a:latin typeface="Cambria" panose="02040503050406030204" pitchFamily="18" charset="0"/>
+                <a:ea typeface="Cambria" panose="02040503050406030204" pitchFamily="18" charset="0"/>
+              </a:rPr>
               <a:t>АНАЛІЗ РЕЗУЛЬТАТІВ</a:t>
             </a:r>
-          </a:p>
-        </p:txBody>
-      </p:sp>
-      <p:sp>
-        <p:nvSpPr>
-          <p:cNvPr id="3" name="Місце для вмісту 2">
-            <a:extLst>
-              <a:ext uri="{FF2B5EF4-FFF2-40B4-BE49-F238E27FC236}">
-                <a16:creationId xmlns:a16="http://schemas.microsoft.com/office/drawing/2014/main" id="{14048ACB-110A-4D3C-926C-D3D073DA16CD}"/>
-              </a:ext>
-            </a:extLst>
-          </p:cNvPr>
-          <p:cNvSpPr>
-            <a:spLocks noGrp="1"/>
-          </p:cNvSpPr>
-          <p:nvPr>
-            <p:ph idx="1"/>
-          </p:nvPr>
-        </p:nvSpPr>
-        <p:spPr/>
-        <p:txBody>
-          <a:bodyPr/>
-          <a:lstStyle/>
-          <a:p>
-            <a:pPr marL="0" indent="0">
-              <a:buNone/>
-            </a:pPr>
-            <a:r>
-              <a:rPr lang="uk-UA" dirty="0">
-                <a:latin typeface="Times New Roman" panose="02020603050405020304" pitchFamily="18" charset="0"/>
-                <a:ea typeface="Times New Roman" panose="02020603050405020304" pitchFamily="18" charset="0"/>
-              </a:rPr>
-              <a:t>Генетичний алгоритм</a:t>
-            </a:r>
-            <a:endParaRPr lang="uk-UA" dirty="0"/>
-          </a:p>
-          <a:p>
-            <a:endParaRPr lang="uk-UA" dirty="0"/>
           </a:p>
         </p:txBody>
       </p:sp>
@@ -4470,6 +4479,50 @@
           </a:prstGeom>
         </p:spPr>
       </p:pic>
+      <p:sp>
+        <p:nvSpPr>
+          <p:cNvPr id="7" name="Прямокутник 6">
+            <a:extLst>
+              <a:ext uri="{FF2B5EF4-FFF2-40B4-BE49-F238E27FC236}">
+                <a16:creationId xmlns:a16="http://schemas.microsoft.com/office/drawing/2014/main" id="{239A0C29-226D-4D12-9D0F-7FCC1500E795}"/>
+              </a:ext>
+            </a:extLst>
+          </p:cNvPr>
+          <p:cNvSpPr/>
+          <p:nvPr/>
+        </p:nvSpPr>
+        <p:spPr>
+          <a:xfrm>
+            <a:off x="2251139" y="5630372"/>
+            <a:ext cx="7714106" cy="369332"/>
+          </a:xfrm>
+          <a:prstGeom prst="rect">
+            <a:avLst/>
+          </a:prstGeom>
+        </p:spPr>
+        <p:txBody>
+          <a:bodyPr wrap="square">
+            <a:spAutoFit/>
+          </a:bodyPr>
+          <a:lstStyle/>
+          <a:p>
+            <a:r>
+              <a:rPr lang="uk-UA" b="1" dirty="0">
+                <a:latin typeface="Cambria" panose="02040503050406030204" pitchFamily="18" charset="0"/>
+                <a:ea typeface="Cambria" panose="02040503050406030204" pitchFamily="18" charset="0"/>
+              </a:rPr>
+              <a:t>Рисунок 11.</a:t>
+            </a:r>
+            <a:r>
+              <a:rPr lang="uk-UA" dirty="0">
+                <a:latin typeface="Cambria" panose="02040503050406030204" pitchFamily="18" charset="0"/>
+                <a:ea typeface="Cambria" panose="02040503050406030204" pitchFamily="18" charset="0"/>
+              </a:rPr>
+              <a:t> Аналіз результатів навчання генетичним алгоритмом</a:t>
+            </a:r>
+          </a:p>
+        </p:txBody>
+      </p:sp>
     </p:spTree>
     <p:extLst>
       <p:ext uri="{BB962C8B-B14F-4D97-AF65-F5344CB8AC3E}">
@@ -4524,7 +4577,10 @@
           <a:lstStyle/>
           <a:p>
             <a:r>
-              <a:rPr lang="uk-UA" sz="4000" dirty="0"/>
+              <a:rPr lang="uk-UA" sz="4000" dirty="0">
+                <a:latin typeface="Cambria" panose="02040503050406030204" pitchFamily="18" charset="0"/>
+                <a:ea typeface="Cambria" panose="02040503050406030204" pitchFamily="18" charset="0"/>
+              </a:rPr>
               <a:t>ВИСНОВКИ</a:t>
             </a:r>
           </a:p>
@@ -4562,8 +4618,11 @@
               <a:buNone/>
             </a:pPr>
             <a:r>
-              <a:rPr lang="uk-UA" dirty="0"/>
-              <a:t>Сформульовано математичну постановку задачі прогнозування руйнування елементів конструкцій через ріст втомних тріщин;</a:t>
+              <a:rPr lang="uk-UA" dirty="0">
+                <a:latin typeface="Cambria" panose="02040503050406030204" pitchFamily="18" charset="0"/>
+                <a:ea typeface="Cambria" panose="02040503050406030204" pitchFamily="18" charset="0"/>
+              </a:rPr>
+              <a:t>Сформульовано математичну постановку задачі прогнозування руйнування елементів конструкцій через ріст втомних тріщин.</a:t>
             </a:r>
           </a:p>
           <a:p>
@@ -4571,37 +4630,50 @@
               <a:buNone/>
             </a:pPr>
             <a:r>
-              <a:rPr lang="uk-UA" dirty="0"/>
+              <a:rPr lang="uk-UA" dirty="0">
+                <a:latin typeface="Cambria" panose="02040503050406030204" pitchFamily="18" charset="0"/>
+                <a:ea typeface="Cambria" panose="02040503050406030204" pitchFamily="18" charset="0"/>
+              </a:rPr>
               <a:t>Розглянуто</a:t>
             </a:r>
             <a:r>
-              <a:rPr lang="ru-RU" dirty="0"/>
+              <a:rPr lang="ru-RU" dirty="0">
+                <a:latin typeface="Cambria" panose="02040503050406030204" pitchFamily="18" charset="0"/>
+                <a:ea typeface="Cambria" panose="02040503050406030204" pitchFamily="18" charset="0"/>
+              </a:rPr>
               <a:t> </a:t>
             </a:r>
             <a:r>
-              <a:rPr lang="uk-UA" dirty="0"/>
+              <a:rPr lang="uk-UA" dirty="0">
+                <a:latin typeface="Cambria" panose="02040503050406030204" pitchFamily="18" charset="0"/>
+                <a:ea typeface="Cambria" panose="02040503050406030204" pitchFamily="18" charset="0"/>
+              </a:rPr>
               <a:t>теоретичні принципи й методи</a:t>
             </a:r>
             <a:r>
-              <a:rPr lang="ru-RU" dirty="0"/>
+              <a:rPr lang="ru-RU" dirty="0">
+                <a:latin typeface="Cambria" panose="02040503050406030204" pitchFamily="18" charset="0"/>
+                <a:ea typeface="Cambria" panose="02040503050406030204" pitchFamily="18" charset="0"/>
+              </a:rPr>
               <a:t> </a:t>
             </a:r>
             <a:r>
-              <a:rPr lang="uk-UA" dirty="0"/>
-              <a:t>машинного навчання, різні його види</a:t>
-            </a:r>
-            <a:r>
-              <a:rPr lang="en-US" dirty="0"/>
-              <a:t>;</a:t>
-            </a:r>
-            <a:endParaRPr lang="uk-UA" dirty="0"/>
+              <a:rPr lang="uk-UA" dirty="0">
+                <a:latin typeface="Cambria" panose="02040503050406030204" pitchFamily="18" charset="0"/>
+                <a:ea typeface="Cambria" panose="02040503050406030204" pitchFamily="18" charset="0"/>
+              </a:rPr>
+              <a:t>машинного навчання, різні його види.</a:t>
+            </a:r>
           </a:p>
           <a:p>
             <a:pPr marL="0" indent="0">
               <a:buNone/>
             </a:pPr>
             <a:r>
-              <a:rPr lang="uk-UA" dirty="0"/>
+              <a:rPr lang="uk-UA" dirty="0">
+                <a:latin typeface="Cambria" panose="02040503050406030204" pitchFamily="18" charset="0"/>
+                <a:ea typeface="Cambria" panose="02040503050406030204" pitchFamily="18" charset="0"/>
+              </a:rPr>
               <a:t>Описано теоретичні принципи побудови та роботи нейронних мереж, описано алгоритми навчання: зворотного поширення помилки, генетичний.</a:t>
             </a:r>
           </a:p>
@@ -4610,8 +4682,11 @@
               <a:buNone/>
             </a:pPr>
             <a:r>
-              <a:rPr lang="uk-UA" dirty="0"/>
-              <a:t>Розглянуто принципи появи втомних тріщин, моделі задачі про швидкість росту втомних тріщин;</a:t>
+              <a:rPr lang="uk-UA" dirty="0">
+                <a:latin typeface="Cambria" panose="02040503050406030204" pitchFamily="18" charset="0"/>
+                <a:ea typeface="Cambria" panose="02040503050406030204" pitchFamily="18" charset="0"/>
+              </a:rPr>
+              <a:t>Розглянуто принципи появи втомних тріщин, моделі задачі про швидкість росту втомних тріщин.</a:t>
             </a:r>
           </a:p>
           <a:p>
@@ -4619,8 +4694,11 @@
               <a:buNone/>
             </a:pPr>
             <a:r>
-              <a:rPr lang="uk-UA" dirty="0"/>
-              <a:t>Створено та протестовано програмний код розв’язання задачі за допомогою нейронної мережі;</a:t>
+              <a:rPr lang="uk-UA" dirty="0">
+                <a:latin typeface="Cambria" panose="02040503050406030204" pitchFamily="18" charset="0"/>
+                <a:ea typeface="Cambria" panose="02040503050406030204" pitchFamily="18" charset="0"/>
+              </a:rPr>
+              <a:t>Створено та протестовано програмний код розв’язання задачі за допомогою нейронної мережі.</a:t>
             </a:r>
           </a:p>
           <a:p>
@@ -4628,8 +4706,11 @@
               <a:buNone/>
             </a:pPr>
             <a:r>
-              <a:rPr lang="uk-UA" dirty="0"/>
-              <a:t>Порівняно алгоритми зворотного поширення помилки та генетичний, визначено перевагу першого у швидкості навчання та збіжності до оптимального результату.</a:t>
+              <a:rPr lang="uk-UA" dirty="0">
+                <a:latin typeface="Cambria" panose="02040503050406030204" pitchFamily="18" charset="0"/>
+                <a:ea typeface="Cambria" panose="02040503050406030204" pitchFamily="18" charset="0"/>
+              </a:rPr>
+              <a:t>Порівняння алгоритмів зворотного поширення помилки та генетичного вказує на перевагу першого у швидкості навчання та збіжності до оптимального результату.</a:t>
             </a:r>
           </a:p>
         </p:txBody>
@@ -4694,7 +4775,10 @@
           <a:p>
             <a:pPr algn="ctr"/>
             <a:r>
-              <a:rPr lang="uk-UA" sz="4000" dirty="0"/>
+              <a:rPr lang="uk-UA" sz="4000" dirty="0">
+                <a:latin typeface="Cambria" panose="02040503050406030204" pitchFamily="18" charset="0"/>
+                <a:ea typeface="Cambria" panose="02040503050406030204" pitchFamily="18" charset="0"/>
+              </a:rPr>
               <a:t>ДЯКУЮ ЗА УВАГУ</a:t>
             </a:r>
           </a:p>
@@ -4759,7 +4843,10 @@
           <a:lstStyle/>
           <a:p>
             <a:r>
-              <a:rPr lang="uk-UA" sz="4000" dirty="0"/>
+              <a:rPr lang="uk-UA" sz="4000" dirty="0">
+                <a:latin typeface="Cambria" panose="02040503050406030204" pitchFamily="18" charset="0"/>
+                <a:ea typeface="Cambria" panose="02040503050406030204" pitchFamily="18" charset="0"/>
+              </a:rPr>
               <a:t>ВСТУП</a:t>
             </a:r>
           </a:p>
@@ -4783,7 +4870,7 @@
         </p:nvSpPr>
         <p:spPr>
           <a:xfrm>
-            <a:off x="304800" y="1404538"/>
+            <a:off x="245533" y="1404538"/>
             <a:ext cx="11125200" cy="5029200"/>
           </a:xfrm>
         </p:spPr>
@@ -4797,12 +4884,18 @@
               <a:buNone/>
             </a:pPr>
             <a:r>
-              <a:rPr lang="uk-UA" b="1" dirty="0"/>
+              <a:rPr lang="uk-UA" b="1" dirty="0">
+                <a:latin typeface="Cambria" panose="02040503050406030204" pitchFamily="18" charset="0"/>
+                <a:ea typeface="Cambria" panose="02040503050406030204" pitchFamily="18" charset="0"/>
+              </a:rPr>
               <a:t>Об’єкт дослідження:</a:t>
             </a:r>
             <a:r>
-              <a:rPr lang="uk-UA" dirty="0"/>
-              <a:t> методи машинного навчання як інструменти для прогнозування швидкості росту втомних тріщин;</a:t>
+              <a:rPr lang="uk-UA" dirty="0">
+                <a:latin typeface="Cambria" panose="02040503050406030204" pitchFamily="18" charset="0"/>
+                <a:ea typeface="Cambria" panose="02040503050406030204" pitchFamily="18" charset="0"/>
+              </a:rPr>
+              <a:t> методи машинного навчання як інструменти для прогнозування швидкості росту втомних тріщин.</a:t>
             </a:r>
           </a:p>
           <a:p>
@@ -4810,20 +4903,32 @@
               <a:buNone/>
             </a:pPr>
             <a:r>
-              <a:rPr lang="uk-UA" b="1" dirty="0"/>
+              <a:rPr lang="uk-UA" b="1" dirty="0">
+                <a:latin typeface="Cambria" panose="02040503050406030204" pitchFamily="18" charset="0"/>
+                <a:ea typeface="Cambria" panose="02040503050406030204" pitchFamily="18" charset="0"/>
+              </a:rPr>
               <a:t>Предметами</a:t>
             </a:r>
             <a:r>
-              <a:rPr lang="ru-RU" b="1" dirty="0"/>
+              <a:rPr lang="ru-RU" b="1" dirty="0">
+                <a:latin typeface="Cambria" panose="02040503050406030204" pitchFamily="18" charset="0"/>
+                <a:ea typeface="Cambria" panose="02040503050406030204" pitchFamily="18" charset="0"/>
+              </a:rPr>
               <a:t> </a:t>
             </a:r>
             <a:r>
-              <a:rPr lang="uk-UA" b="1" dirty="0"/>
+              <a:rPr lang="uk-UA" b="1" dirty="0">
+                <a:latin typeface="Cambria" panose="02040503050406030204" pitchFamily="18" charset="0"/>
+                <a:ea typeface="Cambria" panose="02040503050406030204" pitchFamily="18" charset="0"/>
+              </a:rPr>
               <a:t>дослідження </a:t>
             </a:r>
             <a:r>
-              <a:rPr lang="uk-UA" dirty="0"/>
-              <a:t>є моделі опорних елементів конструкцій із втомними тріщинами;</a:t>
+              <a:rPr lang="uk-UA" dirty="0">
+                <a:latin typeface="Cambria" panose="02040503050406030204" pitchFamily="18" charset="0"/>
+                <a:ea typeface="Cambria" panose="02040503050406030204" pitchFamily="18" charset="0"/>
+              </a:rPr>
+              <a:t>є моделі опорних елементів конструкцій із втомними тріщинами.</a:t>
             </a:r>
           </a:p>
           <a:p>
@@ -4831,12 +4936,18 @@
               <a:buNone/>
             </a:pPr>
             <a:r>
-              <a:rPr lang="uk-UA" b="1" dirty="0"/>
+              <a:rPr lang="uk-UA" b="1" dirty="0">
+                <a:latin typeface="Cambria" panose="02040503050406030204" pitchFamily="18" charset="0"/>
+                <a:ea typeface="Cambria" panose="02040503050406030204" pitchFamily="18" charset="0"/>
+              </a:rPr>
               <a:t>Метою дослідження </a:t>
             </a:r>
             <a:r>
-              <a:rPr lang="uk-UA" dirty="0"/>
-              <a:t>є оцінка міцності та залишкової довговічності елементів конструкцій методами машинного навчання;</a:t>
+              <a:rPr lang="uk-UA" dirty="0">
+                <a:latin typeface="Cambria" panose="02040503050406030204" pitchFamily="18" charset="0"/>
+                <a:ea typeface="Cambria" panose="02040503050406030204" pitchFamily="18" charset="0"/>
+              </a:rPr>
+              <a:t>є оцінка міцності та залишкової довговічності елементів конструкцій методами машинного навчання.</a:t>
             </a:r>
           </a:p>
           <a:p>
@@ -4844,25 +4955,37 @@
               <a:buNone/>
             </a:pPr>
             <a:r>
-              <a:rPr lang="uk-UA" b="1" dirty="0"/>
+              <a:rPr lang="uk-UA" b="1" dirty="0">
+                <a:latin typeface="Cambria" panose="02040503050406030204" pitchFamily="18" charset="0"/>
+                <a:ea typeface="Cambria" panose="02040503050406030204" pitchFamily="18" charset="0"/>
+              </a:rPr>
               <a:t>Завдання:</a:t>
             </a:r>
           </a:p>
           <a:p>
             <a:r>
-              <a:rPr lang="uk-UA" dirty="0"/>
+              <a:rPr lang="uk-UA" dirty="0">
+                <a:latin typeface="Cambria" panose="02040503050406030204" pitchFamily="18" charset="0"/>
+                <a:ea typeface="Cambria" panose="02040503050406030204" pitchFamily="18" charset="0"/>
+              </a:rPr>
               <a:t>Аналітичний огляд методів машинного навчання;</a:t>
             </a:r>
           </a:p>
           <a:p>
             <a:r>
-              <a:rPr lang="uk-UA" dirty="0"/>
-              <a:t>Створення програмного забезпечення для створення та навчання нейронної мережі, визначення її оптимальної архітектури, тестування;</a:t>
-            </a:r>
-          </a:p>
-          <a:p>
-            <a:r>
-              <a:rPr lang="uk-UA" dirty="0"/>
+              <a:rPr lang="uk-UA" dirty="0">
+                <a:latin typeface="Cambria" panose="02040503050406030204" pitchFamily="18" charset="0"/>
+                <a:ea typeface="Cambria" panose="02040503050406030204" pitchFamily="18" charset="0"/>
+              </a:rPr>
+              <a:t>Розробка програмного забезпечення для побудови та навчання нейронної мережі, визначення її оптимальної архітектури, тестування;</a:t>
+            </a:r>
+          </a:p>
+          <a:p>
+            <a:r>
+              <a:rPr lang="uk-UA" dirty="0">
+                <a:latin typeface="Cambria" panose="02040503050406030204" pitchFamily="18" charset="0"/>
+                <a:ea typeface="Cambria" panose="02040503050406030204" pitchFamily="18" charset="0"/>
+              </a:rPr>
               <a:t>Прогнозування швидкості росту втомних тріщин елементів конструкцій із алюмінієвого сплаву 2024-T351.</a:t>
             </a:r>
           </a:p>
@@ -4871,26 +4994,41 @@
               <a:buNone/>
             </a:pPr>
             <a:r>
-              <a:rPr lang="uk-UA" b="1" dirty="0"/>
+              <a:rPr lang="uk-UA" b="1" dirty="0">
+                <a:latin typeface="Cambria" panose="02040503050406030204" pitchFamily="18" charset="0"/>
+                <a:ea typeface="Cambria" panose="02040503050406030204" pitchFamily="18" charset="0"/>
+              </a:rPr>
               <a:t>Методи дослідження:</a:t>
             </a:r>
             <a:r>
-              <a:rPr lang="uk-UA" dirty="0"/>
+              <a:rPr lang="uk-UA" dirty="0">
+                <a:latin typeface="Cambria" panose="02040503050406030204" pitchFamily="18" charset="0"/>
+                <a:ea typeface="Cambria" panose="02040503050406030204" pitchFamily="18" charset="0"/>
+              </a:rPr>
               <a:t> нейронні мережі як інструменти для прогнозування швидкості росту втомних тріщин. Програма, написана мовою </a:t>
             </a:r>
             <a:r>
-              <a:rPr lang="en-US" dirty="0"/>
+              <a:rPr lang="en-US" dirty="0">
+                <a:latin typeface="Cambria" panose="02040503050406030204" pitchFamily="18" charset="0"/>
+                <a:ea typeface="Cambria" panose="02040503050406030204" pitchFamily="18" charset="0"/>
+              </a:rPr>
               <a:t>Python.</a:t>
             </a:r>
           </a:p>
           <a:p>
-            <a:endParaRPr lang="uk-UA" dirty="0"/>
+            <a:endParaRPr lang="uk-UA" dirty="0">
+              <a:latin typeface="Cambria" panose="02040503050406030204" pitchFamily="18" charset="0"/>
+              <a:ea typeface="Cambria" panose="02040503050406030204" pitchFamily="18" charset="0"/>
+            </a:endParaRPr>
           </a:p>
           <a:p>
             <a:pPr marL="0" indent="0">
               <a:buNone/>
             </a:pPr>
-            <a:endParaRPr lang="uk-UA" dirty="0"/>
+            <a:endParaRPr lang="uk-UA" dirty="0">
+              <a:latin typeface="Cambria" panose="02040503050406030204" pitchFamily="18" charset="0"/>
+              <a:ea typeface="Cambria" panose="02040503050406030204" pitchFamily="18" charset="0"/>
+            </a:endParaRPr>
           </a:p>
         </p:txBody>
       </p:sp>
@@ -4983,20 +5121,28 @@
             <p:ph type="title"/>
           </p:nvPr>
         </p:nvSpPr>
-        <p:spPr/>
+        <p:spPr>
+          <a:xfrm>
+            <a:off x="1249680" y="86674"/>
+            <a:ext cx="9692640" cy="1325562"/>
+          </a:xfrm>
+        </p:spPr>
         <p:txBody>
           <a:bodyPr/>
           <a:lstStyle/>
           <a:p>
             <a:r>
-              <a:rPr lang="uk-UA" dirty="0"/>
+              <a:rPr lang="uk-UA" dirty="0">
+                <a:latin typeface="Cambria" panose="02040503050406030204" pitchFamily="18" charset="0"/>
+                <a:ea typeface="Cambria" panose="02040503050406030204" pitchFamily="18" charset="0"/>
+              </a:rPr>
               <a:t>ПОСТАНОВКА ЗАДАЧІ</a:t>
             </a:r>
           </a:p>
         </p:txBody>
       </p:sp>
-      <mc:AlternateContent xmlns:mc="http://schemas.openxmlformats.org/markup-compatibility/2006" xmlns:a14="http://schemas.microsoft.com/office/drawing/2010/main">
-        <mc:Choice Requires="a14">
+      <mc:AlternateContent xmlns:mc="http://schemas.openxmlformats.org/markup-compatibility/2006">
+        <mc:Choice xmlns:a14="http://schemas.microsoft.com/office/drawing/2010/main" Requires="a14">
           <p:sp>
             <p:nvSpPr>
               <p:cNvPr id="3" name="Місце для вмісту 2">
@@ -5015,8 +5161,8 @@
             </p:nvSpPr>
             <p:spPr>
               <a:xfrm>
-                <a:off x="322071" y="1761066"/>
-                <a:ext cx="8595360" cy="4351337"/>
+                <a:off x="0" y="1553834"/>
+                <a:ext cx="6481916" cy="5158211"/>
               </a:xfrm>
             </p:spPr>
             <p:txBody>
@@ -5025,7 +5171,7 @@
               </a:bodyPr>
               <a:lstStyle/>
               <a:p>
-                <a:pPr marL="0" indent="0">
+                <a:pPr marL="0" indent="0" algn="ctr">
                   <a:lnSpc>
                     <a:spcPct val="100000"/>
                   </a:lnSpc>
@@ -5038,12 +5184,11 @@
                   <a:buNone/>
                 </a:pPr>
                 <a:r>
-                  <a:rPr lang="uk-UA" b="1" dirty="0">
-                    <a:latin typeface="Times New Roman" panose="02020603050405020304" pitchFamily="18" charset="0"/>
-                    <a:ea typeface="Calibri" panose="020F0502020204030204" pitchFamily="34" charset="0"/>
-                    <a:cs typeface="Calibri" panose="020F0502020204030204" pitchFamily="34" charset="0"/>
+                  <a:rPr lang="uk-UA" dirty="0">
+                    <a:latin typeface="Cambria" panose="02040503050406030204" pitchFamily="18" charset="0"/>
+                    <a:ea typeface="Cambria" panose="02040503050406030204" pitchFamily="18" charset="0"/>
                   </a:rPr>
-                  <a:t>Прогнозування росту втомних тріщин</a:t>
+                  <a:t>Прогнозування швидкості росту втомних тріщин на вхідних даних</a:t>
                 </a:r>
               </a:p>
               <a:p>
@@ -5059,19 +5204,16 @@
                   </a:spcAft>
                   <a:buNone/>
                 </a:pPr>
-                <a:r>
-                  <a:rPr lang="uk-UA" dirty="0">
-                    <a:latin typeface="Times New Roman" panose="02020603050405020304" pitchFamily="18" charset="0"/>
-                    <a:ea typeface="Calibri" panose="020F0502020204030204" pitchFamily="34" charset="0"/>
-                    <a:cs typeface="Calibri" panose="020F0502020204030204" pitchFamily="34" charset="0"/>
-                  </a:rPr>
-                  <a:t>Експериментальні дані:</a:t>
-                </a:r>
+                <a:endParaRPr lang="uk-UA" dirty="0">
+                  <a:latin typeface="Cambria" panose="02040503050406030204" pitchFamily="18" charset="0"/>
+                  <a:ea typeface="Cambria" panose="02040503050406030204" pitchFamily="18" charset="0"/>
+                  <a:cs typeface="Calibri" panose="020F0502020204030204" pitchFamily="34" charset="0"/>
+                </a:endParaRPr>
               </a:p>
               <a:p>
                 <a:pPr marL="0" indent="0">
                   <a:lnSpc>
-                    <a:spcPct val="100000"/>
+                    <a:spcPct val="150000"/>
                   </a:lnSpc>
                   <a:spcBef>
                     <a:spcPts val="0"/>
@@ -5083,15 +5225,339 @@
                 </a:pPr>
                 <a:r>
                   <a:rPr lang="uk-UA" dirty="0">
-                    <a:latin typeface="Times New Roman" panose="02020603050405020304" pitchFamily="18" charset="0"/>
-                    <a:ea typeface="Calibri" panose="020F0502020204030204" pitchFamily="34" charset="0"/>
+                    <a:latin typeface="Cambria" panose="02040503050406030204" pitchFamily="18" charset="0"/>
+                    <a:ea typeface="Cambria" panose="02040503050406030204" pitchFamily="18" charset="0"/>
                     <a:cs typeface="Calibri" panose="020F0502020204030204" pitchFamily="34" charset="0"/>
                   </a:rPr>
-                  <a:t>Швидкість росту втомної тріщини</a:t>
+                  <a:t>Вибірка, що відображає залежність швидкості росту втомної тріщини від </a:t>
                 </a:r>
-                <a:endParaRPr lang="uk-UA" dirty="0">
-                  <a:latin typeface="Cambria Math" panose="02040503050406030204" pitchFamily="18" charset="0"/>
+                <a:r>
+                  <a:rPr lang="uk-UA" dirty="0">
+                    <a:latin typeface="Cambria" panose="02040503050406030204" pitchFamily="18" charset="0"/>
+                    <a:ea typeface="Cambria" panose="02040503050406030204" pitchFamily="18" charset="0"/>
+                  </a:rPr>
+                  <a:t>пр</a:t>
+                </a:r>
+                <a:r>
+                  <a:rPr lang="uk-UA" dirty="0">
+                    <a:latin typeface="Cambria" panose="02040503050406030204" pitchFamily="18" charset="0"/>
+                    <a:ea typeface="Cambria" panose="02040503050406030204" pitchFamily="18" charset="0"/>
+                    <a:cs typeface="Calibri" panose="020F0502020204030204" pitchFamily="34" charset="0"/>
+                  </a:rPr>
+                  <a:t>оміжку значень </a:t>
+                </a:r>
+                <a:r>
+                  <a:rPr lang="uk-UA" dirty="0">
+                    <a:latin typeface="Cambria" panose="02040503050406030204" pitchFamily="18" charset="0"/>
+                    <a:ea typeface="Cambria" panose="02040503050406030204" pitchFamily="18" charset="0"/>
+                  </a:rPr>
+                  <a:t>коефіцієнту інтенсивності напружень</a:t>
+                </a:r>
+                <a:r>
+                  <a:rPr lang="ru-RU" dirty="0">
+                    <a:latin typeface="Cambria" panose="02040503050406030204" pitchFamily="18" charset="0"/>
+                    <a:ea typeface="Cambria" panose="02040503050406030204" pitchFamily="18" charset="0"/>
+                  </a:rPr>
+                  <a:t> </a:t>
+                </a:r>
+                <a14:m>
+                  <m:oMath xmlns:m="http://schemas.openxmlformats.org/officeDocument/2006/math">
+                    <m:r>
+                      <m:rPr>
+                        <m:sty m:val="p"/>
+                      </m:rPr>
+                      <a:rPr lang="uk-UA">
+                        <a:latin typeface="Cambria Math" panose="02040503050406030204" pitchFamily="18" charset="0"/>
+                      </a:rPr>
+                      <m:t>Δ</m:t>
+                    </m:r>
+                    <m:r>
+                      <a:rPr lang="uk-UA" i="1">
+                        <a:latin typeface="Cambria Math" panose="02040503050406030204" pitchFamily="18" charset="0"/>
+                      </a:rPr>
+                      <m:t>𝐾</m:t>
+                    </m:r>
+                    <m:r>
+                      <a:rPr lang="uk-UA" i="1">
+                        <a:latin typeface="Cambria Math" panose="02040503050406030204" pitchFamily="18" charset="0"/>
+                      </a:rPr>
+                      <m:t>=</m:t>
+                    </m:r>
+                    <m:sSub>
+                      <m:sSubPr>
+                        <m:ctrlPr>
+                          <a:rPr lang="ru-UA" i="1">
+                            <a:latin typeface="Cambria Math" panose="02040503050406030204" pitchFamily="18" charset="0"/>
+                          </a:rPr>
+                        </m:ctrlPr>
+                      </m:sSubPr>
+                      <m:e>
+                        <m:r>
+                          <a:rPr lang="uk-UA" i="1">
+                            <a:latin typeface="Cambria Math" panose="02040503050406030204" pitchFamily="18" charset="0"/>
+                          </a:rPr>
+                          <m:t>𝐾</m:t>
+                        </m:r>
+                      </m:e>
+                      <m:sub>
+                        <m:r>
+                          <a:rPr lang="uk-UA" i="1">
+                            <a:latin typeface="Cambria Math" panose="02040503050406030204" pitchFamily="18" charset="0"/>
+                          </a:rPr>
+                          <m:t>𝑚𝑎𝑥</m:t>
+                        </m:r>
+                      </m:sub>
+                    </m:sSub>
+                    <m:r>
+                      <a:rPr lang="uk-UA" i="1">
+                        <a:latin typeface="Cambria Math" panose="02040503050406030204" pitchFamily="18" charset="0"/>
+                      </a:rPr>
+                      <m:t>−</m:t>
+                    </m:r>
+                    <m:sSub>
+                      <m:sSubPr>
+                        <m:ctrlPr>
+                          <a:rPr lang="ru-UA" i="1">
+                            <a:latin typeface="Cambria Math" panose="02040503050406030204" pitchFamily="18" charset="0"/>
+                          </a:rPr>
+                        </m:ctrlPr>
+                      </m:sSubPr>
+                      <m:e>
+                        <m:r>
+                          <a:rPr lang="uk-UA" i="1">
+                            <a:latin typeface="Cambria Math" panose="02040503050406030204" pitchFamily="18" charset="0"/>
+                          </a:rPr>
+                          <m:t>𝐾</m:t>
+                        </m:r>
+                      </m:e>
+                      <m:sub>
+                        <m:r>
+                          <a:rPr lang="uk-UA" i="1">
+                            <a:latin typeface="Cambria Math" panose="02040503050406030204" pitchFamily="18" charset="0"/>
+                          </a:rPr>
+                          <m:t>𝑚𝑖𝑛</m:t>
+                        </m:r>
+                      </m:sub>
+                    </m:sSub>
+                    <m:r>
+                      <a:rPr lang="uk-UA" b="0" i="1" smtClean="0">
+                        <a:latin typeface="Cambria Math" panose="02040503050406030204" pitchFamily="18" charset="0"/>
+                      </a:rPr>
+                      <m:t>,  </m:t>
+                    </m:r>
+                    <m:r>
+                      <a:rPr lang="en-US" i="1">
+                        <a:latin typeface="Cambria Math" panose="02040503050406030204" pitchFamily="18" charset="0"/>
+                        <a:ea typeface="Times New Roman" panose="02020603050405020304" pitchFamily="18" charset="0"/>
+                        <a:cs typeface="Times New Roman" panose="02020603050405020304" pitchFamily="18" charset="0"/>
+                      </a:rPr>
+                      <m:t>𝐾</m:t>
+                    </m:r>
+                    <m:r>
+                      <a:rPr lang="en-US" i="1">
+                        <a:latin typeface="Cambria Math" panose="02040503050406030204" pitchFamily="18" charset="0"/>
+                        <a:ea typeface="Times New Roman" panose="02020603050405020304" pitchFamily="18" charset="0"/>
+                        <a:cs typeface="Times New Roman" panose="02020603050405020304" pitchFamily="18" charset="0"/>
+                      </a:rPr>
+                      <m:t>=</m:t>
+                    </m:r>
+                    <m:r>
+                      <m:rPr>
+                        <m:sty m:val="p"/>
+                      </m:rPr>
+                      <a:rPr lang="en-US">
+                        <a:latin typeface="Cambria Math" panose="02040503050406030204" pitchFamily="18" charset="0"/>
+                        <a:ea typeface="Times New Roman" panose="02020603050405020304" pitchFamily="18" charset="0"/>
+                        <a:cs typeface="Times New Roman" panose="02020603050405020304" pitchFamily="18" charset="0"/>
+                      </a:rPr>
+                      <m:t>σ</m:t>
+                    </m:r>
+                    <m:rad>
+                      <m:radPr>
+                        <m:degHide m:val="on"/>
+                        <m:ctrlPr>
+                          <a:rPr lang="ru-UA" i="1">
+                            <a:latin typeface="Cambria Math" panose="02040503050406030204" pitchFamily="18" charset="0"/>
+                            <a:ea typeface="Times New Roman" panose="02020603050405020304" pitchFamily="18" charset="0"/>
+                            <a:cs typeface="Times New Roman" panose="02020603050405020304" pitchFamily="18" charset="0"/>
+                          </a:rPr>
+                        </m:ctrlPr>
+                      </m:radPr>
+                      <m:deg/>
+                      <m:e>
+                        <m:r>
+                          <m:rPr>
+                            <m:sty m:val="p"/>
+                          </m:rPr>
+                          <a:rPr lang="en-US">
+                            <a:latin typeface="Cambria Math" panose="02040503050406030204" pitchFamily="18" charset="0"/>
+                            <a:ea typeface="Times New Roman" panose="02020603050405020304" pitchFamily="18" charset="0"/>
+                            <a:cs typeface="Times New Roman" panose="02020603050405020304" pitchFamily="18" charset="0"/>
+                          </a:rPr>
+                          <m:t>π</m:t>
+                        </m:r>
+                        <m:r>
+                          <a:rPr lang="en-US" i="1">
+                            <a:latin typeface="Cambria Math" panose="02040503050406030204" pitchFamily="18" charset="0"/>
+                            <a:ea typeface="Times New Roman" panose="02020603050405020304" pitchFamily="18" charset="0"/>
+                            <a:cs typeface="Times New Roman" panose="02020603050405020304" pitchFamily="18" charset="0"/>
+                          </a:rPr>
+                          <m:t>𝑎</m:t>
+                        </m:r>
+                      </m:e>
+                    </m:rad>
+                    <m:r>
+                      <a:rPr lang="en-US" i="1">
+                        <a:latin typeface="Cambria Math" panose="02040503050406030204" pitchFamily="18" charset="0"/>
+                        <a:ea typeface="Times New Roman" panose="02020603050405020304" pitchFamily="18" charset="0"/>
+                        <a:cs typeface="Times New Roman" panose="02020603050405020304" pitchFamily="18" charset="0"/>
+                      </a:rPr>
+                      <m:t>𝑌</m:t>
+                    </m:r>
+                    <m:r>
+                      <a:rPr lang="en-US" i="1">
+                        <a:latin typeface="Cambria Math" panose="02040503050406030204" pitchFamily="18" charset="0"/>
+                        <a:ea typeface="Times New Roman" panose="02020603050405020304" pitchFamily="18" charset="0"/>
+                        <a:cs typeface="Times New Roman" panose="02020603050405020304" pitchFamily="18" charset="0"/>
+                      </a:rPr>
+                      <m:t>,</m:t>
+                    </m:r>
+                  </m:oMath>
+                </a14:m>
+                <a:endParaRPr lang="ru-UA" dirty="0">
+                  <a:latin typeface="Cambria" panose="02040503050406030204" pitchFamily="18" charset="0"/>
+                  <a:ea typeface="Cambria" panose="02040503050406030204" pitchFamily="18" charset="0"/>
+                  <a:cs typeface="Calibri" panose="020F0502020204030204" pitchFamily="34" charset="0"/>
                 </a:endParaRPr>
+              </a:p>
+              <a:p>
+                <a:pPr marL="0" indent="0">
+                  <a:lnSpc>
+                    <a:spcPct val="150000"/>
+                  </a:lnSpc>
+                  <a:spcBef>
+                    <a:spcPts val="0"/>
+                  </a:spcBef>
+                  <a:spcAft>
+                    <a:spcPts val="0"/>
+                  </a:spcAft>
+                  <a:buNone/>
+                </a:pPr>
+                <a14:m>
+                  <m:oMath xmlns:m="http://schemas.openxmlformats.org/officeDocument/2006/math">
+                    <m:r>
+                      <a:rPr lang="uk-UA" b="0" i="1" smtClean="0">
+                        <a:latin typeface="Cambria Math" panose="02040503050406030204" pitchFamily="18" charset="0"/>
+                      </a:rPr>
+                      <m:t>та в</m:t>
+                    </m:r>
+                  </m:oMath>
+                </a14:m>
+                <a:r>
+                  <a:rPr lang="uk-UA" dirty="0">
+                    <a:latin typeface="Cambria" panose="02040503050406030204" pitchFamily="18" charset="0"/>
+                    <a:ea typeface="Cambria" panose="02040503050406030204" pitchFamily="18" charset="0"/>
+                  </a:rPr>
+                  <a:t>еличини циклічних навантажень</a:t>
+                </a:r>
+                <a14:m>
+                  <m:oMath xmlns:m="http://schemas.openxmlformats.org/officeDocument/2006/math">
+                    <m:r>
+                      <a:rPr lang="uk-UA" b="0" i="0" smtClean="0">
+                        <a:latin typeface="Cambria Math" panose="02040503050406030204" pitchFamily="18" charset="0"/>
+                      </a:rPr>
+                      <m:t> </m:t>
+                    </m:r>
+                    <m:r>
+                      <a:rPr lang="en-US" i="1">
+                        <a:latin typeface="Cambria Math" panose="02040503050406030204" pitchFamily="18" charset="0"/>
+                      </a:rPr>
+                      <m:t>𝑅</m:t>
+                    </m:r>
+                    <m:r>
+                      <a:rPr lang="uk-UA" i="1">
+                        <a:latin typeface="Cambria Math" panose="02040503050406030204" pitchFamily="18" charset="0"/>
+                      </a:rPr>
+                      <m:t>=</m:t>
+                    </m:r>
+                    <m:f>
+                      <m:fPr>
+                        <m:ctrlPr>
+                          <a:rPr lang="ru-UA" i="1">
+                            <a:latin typeface="Cambria Math" panose="02040503050406030204" pitchFamily="18" charset="0"/>
+                          </a:rPr>
+                        </m:ctrlPr>
+                      </m:fPr>
+                      <m:num>
+                        <m:sSub>
+                          <m:sSubPr>
+                            <m:ctrlPr>
+                              <a:rPr lang="ru-UA" i="1">
+                                <a:latin typeface="Cambria Math" panose="02040503050406030204" pitchFamily="18" charset="0"/>
+                              </a:rPr>
+                            </m:ctrlPr>
+                          </m:sSubPr>
+                          <m:e>
+                            <m:r>
+                              <m:rPr>
+                                <m:sty m:val="p"/>
+                              </m:rPr>
+                              <a:rPr lang="en-US">
+                                <a:latin typeface="Cambria Math" panose="02040503050406030204" pitchFamily="18" charset="0"/>
+                              </a:rPr>
+                              <m:t>σ</m:t>
+                            </m:r>
+                          </m:e>
+                          <m:sub>
+                            <m:r>
+                              <a:rPr lang="en-US" i="1">
+                                <a:latin typeface="Cambria Math" panose="02040503050406030204" pitchFamily="18" charset="0"/>
+                              </a:rPr>
+                              <m:t>𝑚𝑖𝑛</m:t>
+                            </m:r>
+                          </m:sub>
+                        </m:sSub>
+                      </m:num>
+                      <m:den>
+                        <m:sSub>
+                          <m:sSubPr>
+                            <m:ctrlPr>
+                              <a:rPr lang="ru-UA" i="1">
+                                <a:latin typeface="Cambria Math" panose="02040503050406030204" pitchFamily="18" charset="0"/>
+                              </a:rPr>
+                            </m:ctrlPr>
+                          </m:sSubPr>
+                          <m:e>
+                            <m:r>
+                              <m:rPr>
+                                <m:sty m:val="p"/>
+                              </m:rPr>
+                              <a:rPr lang="en-US">
+                                <a:latin typeface="Cambria Math" panose="02040503050406030204" pitchFamily="18" charset="0"/>
+                              </a:rPr>
+                              <m:t>σ</m:t>
+                            </m:r>
+                          </m:e>
+                          <m:sub>
+                            <m:r>
+                              <a:rPr lang="en-US" i="1">
+                                <a:latin typeface="Cambria Math" panose="02040503050406030204" pitchFamily="18" charset="0"/>
+                              </a:rPr>
+                              <m:t>𝑚𝑎𝑥</m:t>
+                            </m:r>
+                          </m:sub>
+                        </m:sSub>
+                      </m:den>
+                    </m:f>
+                  </m:oMath>
+                </a14:m>
+                <a:r>
+                  <a:rPr lang="uk-UA" dirty="0">
+                    <a:latin typeface="Cambria" panose="02040503050406030204" pitchFamily="18" charset="0"/>
+                    <a:ea typeface="Cambria" panose="02040503050406030204" pitchFamily="18" charset="0"/>
+                  </a:rPr>
+                  <a:t>:</a:t>
+                </a:r>
               </a:p>
               <a:p>
                 <a:pPr marL="0" indent="0">
@@ -5194,78 +5660,17 @@
                         </m:e>
                       </m:d>
                       <m:r>
-                        <a:rPr lang="uk-UA">
+                        <a:rPr lang="uk-UA" b="0" i="0" smtClean="0">
                           <a:latin typeface="Cambria Math" panose="02040503050406030204" pitchFamily="18" charset="0"/>
                         </a:rPr>
-                        <m:t>,</m:t>
+                        <m:t>.</m:t>
                       </m:r>
                     </m:oMath>
                   </m:oMathPara>
                 </a14:m>
-                <a:br>
-                  <a:rPr lang="uk-UA" dirty="0">
-                    <a:latin typeface="Times New Roman" panose="02020603050405020304" pitchFamily="18" charset="0"/>
-                    <a:ea typeface="Times New Roman" panose="02020603050405020304" pitchFamily="18" charset="0"/>
-                    <a:cs typeface="Calibri" panose="020F0502020204030204" pitchFamily="34" charset="0"/>
-                  </a:rPr>
-                </a:br>
-                <a14:m>
-                  <m:oMath xmlns:m="http://schemas.openxmlformats.org/officeDocument/2006/math">
-                    <m:r>
-                      <a:rPr lang="uk-UA" i="1">
-                        <a:latin typeface="Cambria Math" panose="02040503050406030204" pitchFamily="18" charset="0"/>
-                        <a:ea typeface="Times New Roman" panose="02020603050405020304" pitchFamily="18" charset="0"/>
-                        <a:cs typeface="Calibri" panose="020F0502020204030204" pitchFamily="34" charset="0"/>
-                      </a:rPr>
-                      <m:t>𝑎</m:t>
-                    </m:r>
-                  </m:oMath>
-                </a14:m>
-                <a:r>
-                  <a:rPr lang="uk-UA" dirty="0">
-                    <a:latin typeface="Times New Roman" panose="02020603050405020304" pitchFamily="18" charset="0"/>
-                    <a:ea typeface="Times New Roman" panose="02020603050405020304" pitchFamily="18" charset="0"/>
-                    <a:cs typeface="Calibri" panose="020F0502020204030204" pitchFamily="34" charset="0"/>
-                  </a:rPr>
-                  <a:t> – довжина тріщини, </a:t>
-                </a:r>
-                <a14:m>
-                  <m:oMath xmlns:m="http://schemas.openxmlformats.org/officeDocument/2006/math">
-                    <m:r>
-                      <a:rPr lang="uk-UA" i="1">
-                        <a:latin typeface="Cambria Math" panose="02040503050406030204" pitchFamily="18" charset="0"/>
-                        <a:ea typeface="Times New Roman" panose="02020603050405020304" pitchFamily="18" charset="0"/>
-                        <a:cs typeface="Calibri" panose="020F0502020204030204" pitchFamily="34" charset="0"/>
-                      </a:rPr>
-                      <m:t>𝑁</m:t>
-                    </m:r>
-                  </m:oMath>
-                </a14:m>
-                <a:r>
-                  <a:rPr lang="uk-UA" dirty="0">
-                    <a:latin typeface="Times New Roman" panose="02020603050405020304" pitchFamily="18" charset="0"/>
-                    <a:ea typeface="Times New Roman" panose="02020603050405020304" pitchFamily="18" charset="0"/>
-                    <a:cs typeface="Calibri" panose="020F0502020204030204" pitchFamily="34" charset="0"/>
-                  </a:rPr>
-                  <a:t> – кількість циклів навантаження</a:t>
-                </a:r>
-              </a:p>
-              <a:p>
-                <a:pPr marL="0" indent="0">
-                  <a:lnSpc>
-                    <a:spcPct val="100000"/>
-                  </a:lnSpc>
-                  <a:spcBef>
-                    <a:spcPts val="0"/>
-                  </a:spcBef>
-                  <a:spcAft>
-                    <a:spcPts val="0"/>
-                  </a:spcAft>
-                  <a:buNone/>
-                </a:pPr>
                 <a:endParaRPr lang="uk-UA" dirty="0">
-                  <a:latin typeface="Times New Roman" panose="02020603050405020304" pitchFamily="18" charset="0"/>
-                  <a:ea typeface="Times New Roman" panose="02020603050405020304" pitchFamily="18" charset="0"/>
+                  <a:latin typeface="Cambria" panose="02040503050406030204" pitchFamily="18" charset="0"/>
+                  <a:ea typeface="Cambria" panose="02040503050406030204" pitchFamily="18" charset="0"/>
                   <a:cs typeface="Calibri" panose="020F0502020204030204" pitchFamily="34" charset="0"/>
                 </a:endParaRPr>
               </a:p>
@@ -5282,124 +5687,9 @@
                   </a:spcAft>
                   <a:buNone/>
                 </a:pPr>
-                <a:r>
-                  <a:rPr lang="uk-UA" dirty="0">
-                    <a:latin typeface="Times New Roman" panose="02020603050405020304" pitchFamily="18" charset="0"/>
-                    <a:ea typeface="Calibri" panose="020F0502020204030204" pitchFamily="34" charset="0"/>
-                  </a:rPr>
-                  <a:t>П</a:t>
-                </a:r>
-                <a:r>
-                  <a:rPr lang="uk-UA" dirty="0">
-                    <a:latin typeface="Times New Roman" panose="02020603050405020304" pitchFamily="18" charset="0"/>
-                    <a:ea typeface="Calibri" panose="020F0502020204030204" pitchFamily="34" charset="0"/>
-                    <a:cs typeface="Calibri" panose="020F0502020204030204" pitchFamily="34" charset="0"/>
-                  </a:rPr>
-                  <a:t>роміжок значень </a:t>
-                </a:r>
-                <a:r>
-                  <a:rPr lang="uk-UA" dirty="0">
-                    <a:latin typeface="Times New Roman" panose="02020603050405020304" pitchFamily="18" charset="0"/>
-                    <a:ea typeface="Calibri" panose="020F0502020204030204" pitchFamily="34" charset="0"/>
-                  </a:rPr>
-                  <a:t>коефіцієнту інтенсивності напружень</a:t>
-                </a:r>
-                <a:r>
-                  <a:rPr lang="ru-RU" dirty="0">
-                    <a:latin typeface="Cambria Math" panose="02040503050406030204" pitchFamily="18" charset="0"/>
-                  </a:rPr>
-                  <a:t> </a:t>
-                </a:r>
-                <a14:m>
-                  <m:oMath xmlns:m="http://schemas.openxmlformats.org/officeDocument/2006/math">
-                    <m:r>
-                      <m:rPr>
-                        <m:sty m:val="p"/>
-                      </m:rPr>
-                      <a:rPr lang="uk-UA">
-                        <a:latin typeface="Cambria Math" panose="02040503050406030204" pitchFamily="18" charset="0"/>
-                      </a:rPr>
-                      <m:t>Δ</m:t>
-                    </m:r>
-                    <m:r>
-                      <a:rPr lang="uk-UA" i="1">
-                        <a:latin typeface="Cambria Math" panose="02040503050406030204" pitchFamily="18" charset="0"/>
-                      </a:rPr>
-                      <m:t>𝐾</m:t>
-                    </m:r>
-                    <m:r>
-                      <a:rPr lang="uk-UA" i="1">
-                        <a:latin typeface="Cambria Math" panose="02040503050406030204" pitchFamily="18" charset="0"/>
-                      </a:rPr>
-                      <m:t>=</m:t>
-                    </m:r>
-                    <m:sSub>
-                      <m:sSubPr>
-                        <m:ctrlPr>
-                          <a:rPr lang="ru-UA" i="1">
-                            <a:latin typeface="Cambria Math" panose="02040503050406030204" pitchFamily="18" charset="0"/>
-                          </a:rPr>
-                        </m:ctrlPr>
-                      </m:sSubPr>
-                      <m:e>
-                        <m:r>
-                          <a:rPr lang="uk-UA" i="1">
-                            <a:latin typeface="Cambria Math" panose="02040503050406030204" pitchFamily="18" charset="0"/>
-                          </a:rPr>
-                          <m:t>𝐾</m:t>
-                        </m:r>
-                      </m:e>
-                      <m:sub>
-                        <m:r>
-                          <a:rPr lang="uk-UA" i="1">
-                            <a:latin typeface="Cambria Math" panose="02040503050406030204" pitchFamily="18" charset="0"/>
-                          </a:rPr>
-                          <m:t>𝑚𝑎𝑥</m:t>
-                        </m:r>
-                      </m:sub>
-                    </m:sSub>
-                    <m:r>
-                      <a:rPr lang="uk-UA" i="1">
-                        <a:latin typeface="Cambria Math" panose="02040503050406030204" pitchFamily="18" charset="0"/>
-                      </a:rPr>
-                      <m:t>−</m:t>
-                    </m:r>
-                    <m:sSub>
-                      <m:sSubPr>
-                        <m:ctrlPr>
-                          <a:rPr lang="ru-UA" i="1">
-                            <a:latin typeface="Cambria Math" panose="02040503050406030204" pitchFamily="18" charset="0"/>
-                          </a:rPr>
-                        </m:ctrlPr>
-                      </m:sSubPr>
-                      <m:e>
-                        <m:r>
-                          <a:rPr lang="uk-UA" i="1">
-                            <a:latin typeface="Cambria Math" panose="02040503050406030204" pitchFamily="18" charset="0"/>
-                          </a:rPr>
-                          <m:t>𝐾</m:t>
-                        </m:r>
-                      </m:e>
-                      <m:sub>
-                        <m:r>
-                          <a:rPr lang="uk-UA" i="1">
-                            <a:latin typeface="Cambria Math" panose="02040503050406030204" pitchFamily="18" charset="0"/>
-                          </a:rPr>
-                          <m:t>𝑚𝑖𝑛</m:t>
-                        </m:r>
-                      </m:sub>
-                    </m:sSub>
-                    <m:r>
-                      <a:rPr lang="uk-UA" b="0" i="1" smtClean="0">
-                        <a:latin typeface="Cambria Math" panose="02040503050406030204" pitchFamily="18" charset="0"/>
-                      </a:rPr>
-                      <m:t>. </m:t>
-                    </m:r>
-                  </m:oMath>
-                </a14:m>
                 <a:endParaRPr lang="uk-UA" dirty="0">
-                  <a:latin typeface="Times New Roman" panose="02020603050405020304" pitchFamily="18" charset="0"/>
-                  <a:ea typeface="Calibri" panose="020F0502020204030204" pitchFamily="34" charset="0"/>
+                  <a:latin typeface="Cambria" panose="02040503050406030204" pitchFamily="18" charset="0"/>
+                  <a:ea typeface="Cambria" panose="02040503050406030204" pitchFamily="18" charset="0"/>
                 </a:endParaRPr>
               </a:p>
               <a:p>
@@ -5416,89 +5706,42 @@
                   <a:buNone/>
                 </a:pPr>
                 <a:r>
-                  <a:rPr lang="uk-UA" dirty="0">
-                    <a:latin typeface="Times New Roman" panose="02020603050405020304" pitchFamily="18" charset="0"/>
-                    <a:ea typeface="Calibri" panose="020F0502020204030204" pitchFamily="34" charset="0"/>
-                  </a:rPr>
-                  <a:t>Величина циклічних навантажень</a:t>
-                </a:r>
-                <a14:m>
-                  <m:oMath xmlns:m="http://schemas.openxmlformats.org/officeDocument/2006/math">
-                    <m:r>
-                      <a:rPr lang="uk-UA">
-                        <a:latin typeface="Cambria Math" panose="02040503050406030204" pitchFamily="18" charset="0"/>
-                      </a:rPr>
-                      <m:t> </m:t>
-                    </m:r>
-                    <m:r>
-                      <a:rPr lang="en-US" i="1">
-                        <a:latin typeface="Cambria Math" panose="02040503050406030204" pitchFamily="18" charset="0"/>
-                      </a:rPr>
-                      <m:t>𝑅</m:t>
-                    </m:r>
-                  </m:oMath>
-                </a14:m>
-                <a:endParaRPr lang="uk-UA" dirty="0"/>
-              </a:p>
-              <a:p>
-                <a:pPr marL="0" indent="0">
-                  <a:lnSpc>
-                    <a:spcPct val="100000"/>
-                  </a:lnSpc>
-                  <a:spcBef>
-                    <a:spcPts val="0"/>
-                  </a:spcBef>
-                  <a:spcAft>
-                    <a:spcPts val="0"/>
-                  </a:spcAft>
-                  <a:buNone/>
-                </a:pPr>
-                <a:endParaRPr lang="uk-UA" dirty="0"/>
-              </a:p>
-              <a:p>
-                <a:pPr marL="0" indent="0">
-                  <a:lnSpc>
-                    <a:spcPct val="100000"/>
-                  </a:lnSpc>
-                  <a:spcBef>
-                    <a:spcPts val="0"/>
-                  </a:spcBef>
-                  <a:spcAft>
-                    <a:spcPts val="0"/>
-                  </a:spcAft>
-                  <a:buNone/>
-                </a:pPr>
-                <a:r>
                   <a:rPr lang="uk-UA" b="1" dirty="0">
-                    <a:latin typeface="Times New Roman" panose="02020603050405020304" pitchFamily="18" charset="0"/>
-                    <a:ea typeface="Calibri" panose="020F0502020204030204" pitchFamily="34" charset="0"/>
+                    <a:latin typeface="Cambria" panose="02040503050406030204" pitchFamily="18" charset="0"/>
+                    <a:ea typeface="Cambria" panose="02040503050406030204" pitchFamily="18" charset="0"/>
                   </a:rPr>
                   <a:t>Задача </a:t>
                 </a:r>
                 <a:r>
                   <a:rPr lang="uk-UA" dirty="0">
-                    <a:latin typeface="Times New Roman" panose="02020603050405020304" pitchFamily="18" charset="0"/>
-                    <a:ea typeface="Times New Roman" panose="02020603050405020304" pitchFamily="18" charset="0"/>
+                    <a:latin typeface="Cambria" panose="02040503050406030204" pitchFamily="18" charset="0"/>
+                    <a:ea typeface="Cambria" panose="02040503050406030204" pitchFamily="18" charset="0"/>
                     <a:cs typeface="Calibri" panose="020F0502020204030204" pitchFamily="34" charset="0"/>
                   </a:rPr>
                   <a:t>–</a:t>
                 </a:r>
                 <a:r>
                   <a:rPr lang="uk-UA" dirty="0">
-                    <a:latin typeface="Times New Roman" panose="02020603050405020304" pitchFamily="18" charset="0"/>
-                    <a:ea typeface="Calibri" panose="020F0502020204030204" pitchFamily="34" charset="0"/>
+                    <a:latin typeface="Cambria" panose="02040503050406030204" pitchFamily="18" charset="0"/>
+                    <a:ea typeface="Cambria" panose="02040503050406030204" pitchFamily="18" charset="0"/>
                   </a:rPr>
-                  <a:t> створити та визначити ефективність роботи нейронної мережі на вхідній вибірці даних, порівняти між собою два алгоритми навчання, що застосовуються в нейронних мережах, – зворотного поширення помилки та генетичний.</a:t>
+                  <a:t> побудувати нейронну мережі, визначити її ефективність роботи на вхідній вибірці даних, порівняти два алгоритми навчання, що застосовуються до нейронних мереж, – зворотного поширення помилки та генетичний.</a:t>
                 </a:r>
-                <a:endParaRPr lang="en-US" dirty="0"/>
+                <a:endParaRPr lang="en-US" dirty="0">
+                  <a:latin typeface="Cambria" panose="02040503050406030204" pitchFamily="18" charset="0"/>
+                  <a:ea typeface="Cambria" panose="02040503050406030204" pitchFamily="18" charset="0"/>
+                </a:endParaRPr>
               </a:p>
               <a:p>
-                <a:endParaRPr lang="uk-UA" dirty="0"/>
+                <a:endParaRPr lang="uk-UA" dirty="0">
+                  <a:latin typeface="Cambria" panose="02040503050406030204" pitchFamily="18" charset="0"/>
+                  <a:ea typeface="Cambria" panose="02040503050406030204" pitchFamily="18" charset="0"/>
+                </a:endParaRPr>
               </a:p>
             </p:txBody>
           </p:sp>
         </mc:Choice>
-        <mc:Fallback xmlns="">
+        <mc:Fallback>
           <p:sp>
             <p:nvSpPr>
               <p:cNvPr id="3" name="Місце для вмісту 2">
@@ -5517,13 +5760,13 @@
             </p:nvSpPr>
             <p:spPr>
               <a:xfrm>
-                <a:off x="322071" y="1761066"/>
-                <a:ext cx="8595360" cy="4351337"/>
+                <a:off x="0" y="1553834"/>
+                <a:ext cx="6481916" cy="5158211"/>
               </a:xfrm>
               <a:blipFill>
                 <a:blip r:embed="rId2"/>
                 <a:stretch>
-                  <a:fillRect l="-638" t="-840"/>
+                  <a:fillRect l="-753" t="-827" r="-470"/>
                 </a:stretch>
               </a:blipFill>
             </p:spPr>
@@ -5569,8 +5812,8 @@
         </p:blipFill>
         <p:spPr bwMode="auto">
           <a:xfrm>
-            <a:off x="8730191" y="4545896"/>
-            <a:ext cx="3461809" cy="2303637"/>
+            <a:off x="7818796" y="3868264"/>
+            <a:ext cx="3505200" cy="2332511"/>
           </a:xfrm>
           <a:prstGeom prst="rect">
             <a:avLst/>
@@ -5611,8 +5854,8 @@
         </p:blipFill>
         <p:spPr bwMode="auto">
           <a:xfrm>
-            <a:off x="8120985" y="2988733"/>
-            <a:ext cx="4071015" cy="1557163"/>
+            <a:off x="6400800" y="2014746"/>
+            <a:ext cx="4871577" cy="1863378"/>
           </a:xfrm>
           <a:prstGeom prst="rect">
             <a:avLst/>
@@ -5620,6 +5863,51 @@
           <a:noFill/>
         </p:spPr>
       </p:pic>
+      <p:sp>
+        <p:nvSpPr>
+          <p:cNvPr id="6" name="TextBox 5">
+            <a:extLst>
+              <a:ext uri="{FF2B5EF4-FFF2-40B4-BE49-F238E27FC236}">
+                <a16:creationId xmlns:a16="http://schemas.microsoft.com/office/drawing/2014/main" id="{E2AA8669-74A8-4C20-8502-D00036791F4B}"/>
+              </a:ext>
+            </a:extLst>
+          </p:cNvPr>
+          <p:cNvSpPr txBox="1"/>
+          <p:nvPr/>
+        </p:nvSpPr>
+        <p:spPr>
+          <a:xfrm>
+            <a:off x="7159000" y="6401994"/>
+            <a:ext cx="4231671" cy="369332"/>
+          </a:xfrm>
+          <a:prstGeom prst="rect">
+            <a:avLst/>
+          </a:prstGeom>
+          <a:noFill/>
+        </p:spPr>
+        <p:txBody>
+          <a:bodyPr wrap="none" rtlCol="0">
+            <a:spAutoFit/>
+          </a:bodyPr>
+          <a:lstStyle/>
+          <a:p>
+            <a:r>
+              <a:rPr lang="uk-UA" b="1" dirty="0">
+                <a:latin typeface="Cambria" panose="02040503050406030204" pitchFamily="18" charset="0"/>
+                <a:ea typeface="Cambria" panose="02040503050406030204" pitchFamily="18" charset="0"/>
+              </a:rPr>
+              <a:t>Рисунок 1. </a:t>
+            </a:r>
+            <a:r>
+              <a:rPr lang="uk-UA" dirty="0">
+                <a:latin typeface="Cambria" panose="02040503050406030204" pitchFamily="18" charset="0"/>
+                <a:ea typeface="Cambria" panose="02040503050406030204" pitchFamily="18" charset="0"/>
+              </a:rPr>
+              <a:t>Приклади втомних тріщин</a:t>
+            </a:r>
+          </a:p>
+        </p:txBody>
+      </p:sp>
     </p:spTree>
     <p:extLst>
       <p:ext uri="{BB962C8B-B14F-4D97-AF65-F5344CB8AC3E}">
@@ -5630,72 +5918,6 @@
   <p:clrMapOvr>
     <a:masterClrMapping/>
   </p:clrMapOvr>
-  <p:timing>
-    <p:tnLst>
-      <p:par>
-        <p:cTn id="1" dur="indefinite" restart="never" nodeType="tmRoot">
-          <p:childTnLst>
-            <p:seq concurrent="1" nextAc="seek">
-              <p:cTn id="2" dur="indefinite" nodeType="mainSeq">
-                <p:childTnLst>
-                  <p:par>
-                    <p:cTn id="3" fill="hold">
-                      <p:stCondLst>
-                        <p:cond delay="indefinite"/>
-                      </p:stCondLst>
-                      <p:childTnLst>
-                        <p:par>
-                          <p:cTn id="4" fill="hold">
-                            <p:stCondLst>
-                              <p:cond delay="0"/>
-                            </p:stCondLst>
-                            <p:childTnLst>
-                              <p:par>
-                                <p:cTn id="5" presetID="6" presetClass="emph" presetSubtype="0" fill="hold" nodeType="clickEffect">
-                                  <p:stCondLst>
-                                    <p:cond delay="0"/>
-                                  </p:stCondLst>
-                                  <p:childTnLst>
-                                    <p:animScale>
-                                      <p:cBhvr>
-                                        <p:cTn id="6" dur="2000" fill="hold"/>
-                                        <p:tgtEl>
-                                          <p:spTgt spid="5"/>
-                                        </p:tgtEl>
-                                      </p:cBhvr>
-                                      <p:by x="400000" y="400000"/>
-                                    </p:animScale>
-                                  </p:childTnLst>
-                                </p:cTn>
-                              </p:par>
-                            </p:childTnLst>
-                          </p:cTn>
-                        </p:par>
-                      </p:childTnLst>
-                    </p:cTn>
-                  </p:par>
-                </p:childTnLst>
-              </p:cTn>
-              <p:prevCondLst>
-                <p:cond evt="onPrev" delay="0">
-                  <p:tgtEl>
-                    <p:sldTgt/>
-                  </p:tgtEl>
-                </p:cond>
-              </p:prevCondLst>
-              <p:nextCondLst>
-                <p:cond evt="onNext" delay="0">
-                  <p:tgtEl>
-                    <p:sldTgt/>
-                  </p:tgtEl>
-                </p:cond>
-              </p:nextCondLst>
-            </p:seq>
-          </p:childTnLst>
-        </p:cTn>
-      </p:par>
-    </p:tnLst>
-  </p:timing>
 </p:sld>
 </file>
 
@@ -5716,116 +5938,12 @@
           <a:chExt cx="0" cy="0"/>
         </a:xfrm>
       </p:grpSpPr>
-      <p:sp>
-        <p:nvSpPr>
-          <p:cNvPr id="2" name="Заголовок 1">
+      <p:pic>
+        <p:nvPicPr>
+          <p:cNvPr id="6" name="Рисунок 5">
             <a:extLst>
               <a:ext uri="{FF2B5EF4-FFF2-40B4-BE49-F238E27FC236}">
-                <a16:creationId xmlns:a16="http://schemas.microsoft.com/office/drawing/2014/main" id="{3C23F8E9-6D94-4FDD-BBAA-C7FFB9B097BD}"/>
-              </a:ext>
-            </a:extLst>
-          </p:cNvPr>
-          <p:cNvSpPr>
-            <a:spLocks noGrp="1"/>
-          </p:cNvSpPr>
-          <p:nvPr>
-            <p:ph type="title"/>
-          </p:nvPr>
-        </p:nvSpPr>
-        <p:spPr/>
-        <p:txBody>
-          <a:bodyPr>
-            <a:normAutofit/>
-          </a:bodyPr>
-          <a:lstStyle/>
-          <a:p>
-            <a:r>
-              <a:rPr lang="uk-UA" sz="4000" dirty="0"/>
-              <a:t>МАШИННЕ НАВЧАННЯ</a:t>
-            </a:r>
-          </a:p>
-        </p:txBody>
-      </p:sp>
-      <p:sp>
-        <p:nvSpPr>
-          <p:cNvPr id="3" name="Місце для вмісту 2">
-            <a:extLst>
-              <a:ext uri="{FF2B5EF4-FFF2-40B4-BE49-F238E27FC236}">
-                <a16:creationId xmlns:a16="http://schemas.microsoft.com/office/drawing/2014/main" id="{C90A4EF7-D36F-4E0E-BC92-B6BE386D663D}"/>
-              </a:ext>
-            </a:extLst>
-          </p:cNvPr>
-          <p:cNvSpPr>
-            <a:spLocks noGrp="1"/>
-          </p:cNvSpPr>
-          <p:nvPr>
-            <p:ph idx="1"/>
-          </p:nvPr>
-        </p:nvSpPr>
-        <p:spPr/>
-        <p:txBody>
-          <a:bodyPr>
-            <a:normAutofit/>
-          </a:bodyPr>
-          <a:lstStyle/>
-          <a:p>
-            <a:pPr marL="0" indent="0">
-              <a:buNone/>
-            </a:pPr>
-            <a:r>
-              <a:rPr lang="uk-UA" dirty="0"/>
-              <a:t>Машинне навчання – галузь штучного інтелекту, мета якої – розробка методів, що втілюють різноманітні форми навчання, особливо механізми, що утворюють знання на прикладах або даних;</a:t>
-            </a:r>
-          </a:p>
-          <a:p>
-            <a:pPr marL="0" indent="0">
-              <a:buNone/>
-            </a:pPr>
-            <a:r>
-              <a:rPr lang="uk-UA" dirty="0"/>
-              <a:t>Моделі:</a:t>
-            </a:r>
-          </a:p>
-          <a:p>
-            <a:r>
-              <a:rPr lang="uk-UA" dirty="0"/>
-              <a:t>дерева ухвалення рішень;</a:t>
-            </a:r>
-          </a:p>
-          <a:p>
-            <a:r>
-              <a:rPr lang="uk-UA" dirty="0"/>
-              <a:t>метод опорних векторів;</a:t>
-            </a:r>
-          </a:p>
-          <a:p>
-            <a:r>
-              <a:rPr lang="uk-UA" dirty="0"/>
-              <a:t>метод </a:t>
-            </a:r>
-            <a:r>
-              <a:rPr lang="en-US" dirty="0"/>
-              <a:t>k-</a:t>
-            </a:r>
-            <a:r>
-              <a:rPr lang="uk-UA" dirty="0"/>
-              <a:t>найближчих сусідів;</a:t>
-            </a:r>
-          </a:p>
-          <a:p>
-            <a:r>
-              <a:rPr lang="uk-UA" dirty="0"/>
-              <a:t>нейронні мережі.</a:t>
-            </a:r>
-          </a:p>
-        </p:txBody>
-      </p:sp>
-      <p:pic>
-        <p:nvPicPr>
-          <p:cNvPr id="5" name="Рисунок 4">
-            <a:extLst>
-              <a:ext uri="{FF2B5EF4-FFF2-40B4-BE49-F238E27FC236}">
-                <a16:creationId xmlns:a16="http://schemas.microsoft.com/office/drawing/2014/main" id="{9203FE67-303E-4A96-93CE-42FBF2519688}"/>
+                <a16:creationId xmlns:a16="http://schemas.microsoft.com/office/drawing/2014/main" id="{3E64D54E-8B87-41AD-8D12-59E4A74C64D0}"/>
               </a:ext>
             </a:extLst>
           </p:cNvPr>
@@ -5848,14 +5966,366 @@
         </p:blipFill>
         <p:spPr>
           <a:xfrm>
-            <a:off x="2802501" y="4968495"/>
-            <a:ext cx="8127627" cy="1755184"/>
+            <a:off x="4318407" y="2955523"/>
+            <a:ext cx="6945099" cy="1670426"/>
           </a:xfrm>
           <a:prstGeom prst="rect">
             <a:avLst/>
           </a:prstGeom>
         </p:spPr>
       </p:pic>
+      <p:sp>
+        <p:nvSpPr>
+          <p:cNvPr id="2" name="Заголовок 1">
+            <a:extLst>
+              <a:ext uri="{FF2B5EF4-FFF2-40B4-BE49-F238E27FC236}">
+                <a16:creationId xmlns:a16="http://schemas.microsoft.com/office/drawing/2014/main" id="{3C23F8E9-6D94-4FDD-BBAA-C7FFB9B097BD}"/>
+              </a:ext>
+            </a:extLst>
+          </p:cNvPr>
+          <p:cNvSpPr>
+            <a:spLocks noGrp="1"/>
+          </p:cNvSpPr>
+          <p:nvPr>
+            <p:ph type="title"/>
+          </p:nvPr>
+        </p:nvSpPr>
+        <p:spPr/>
+        <p:txBody>
+          <a:bodyPr>
+            <a:normAutofit/>
+          </a:bodyPr>
+          <a:lstStyle/>
+          <a:p>
+            <a:r>
+              <a:rPr lang="uk-UA" sz="4000" dirty="0">
+                <a:latin typeface="Cambria" panose="02040503050406030204" pitchFamily="18" charset="0"/>
+                <a:ea typeface="Cambria" panose="02040503050406030204" pitchFamily="18" charset="0"/>
+              </a:rPr>
+              <a:t>МАШИННЕ НАВЧАННЯ</a:t>
+            </a:r>
+          </a:p>
+        </p:txBody>
+      </p:sp>
+      <mc:AlternateContent xmlns:mc="http://schemas.openxmlformats.org/markup-compatibility/2006">
+        <mc:Choice xmlns:a14="http://schemas.microsoft.com/office/drawing/2010/main" Requires="a14">
+          <p:sp>
+            <p:nvSpPr>
+              <p:cNvPr id="3" name="Місце для вмісту 2">
+                <a:extLst>
+                  <a:ext uri="{FF2B5EF4-FFF2-40B4-BE49-F238E27FC236}">
+                    <a16:creationId xmlns:a16="http://schemas.microsoft.com/office/drawing/2014/main" id="{C90A4EF7-D36F-4E0E-BC92-B6BE386D663D}"/>
+                  </a:ext>
+                </a:extLst>
+              </p:cNvPr>
+              <p:cNvSpPr>
+                <a:spLocks noGrp="1"/>
+              </p:cNvSpPr>
+              <p:nvPr>
+                <p:ph idx="1"/>
+              </p:nvPr>
+            </p:nvSpPr>
+            <p:spPr>
+              <a:xfrm>
+                <a:off x="155742" y="1746380"/>
+                <a:ext cx="5940258" cy="5197345"/>
+              </a:xfrm>
+            </p:spPr>
+            <p:txBody>
+              <a:bodyPr>
+                <a:normAutofit/>
+              </a:bodyPr>
+              <a:lstStyle/>
+              <a:p>
+                <a:pPr marL="0" indent="0">
+                  <a:buNone/>
+                </a:pPr>
+                <a:r>
+                  <a:rPr lang="uk-UA" dirty="0">
+                    <a:latin typeface="Cambria" panose="02040503050406030204" pitchFamily="18" charset="0"/>
+                    <a:ea typeface="Cambria" panose="02040503050406030204" pitchFamily="18" charset="0"/>
+                  </a:rPr>
+                  <a:t>Машинне навчання – галузь штучного інтелекту, що займається розробкою методів, які втілюють різноманітні форми навчання, особливо механізми, що утворюють знання, навчаючись на прикладах або даних.</a:t>
+                </a:r>
+              </a:p>
+              <a:p>
+                <a:pPr marL="0" indent="0">
+                  <a:buNone/>
+                </a:pPr>
+                <a:endParaRPr lang="uk-UA" dirty="0">
+                  <a:latin typeface="Cambria" panose="02040503050406030204" pitchFamily="18" charset="0"/>
+                  <a:ea typeface="Cambria" panose="02040503050406030204" pitchFamily="18" charset="0"/>
+                </a:endParaRPr>
+              </a:p>
+              <a:p>
+                <a:pPr marL="0" indent="0">
+                  <a:buNone/>
+                </a:pPr>
+                <a:endParaRPr lang="uk-UA" dirty="0">
+                  <a:latin typeface="Cambria" panose="02040503050406030204" pitchFamily="18" charset="0"/>
+                  <a:ea typeface="Cambria" panose="02040503050406030204" pitchFamily="18" charset="0"/>
+                </a:endParaRPr>
+              </a:p>
+              <a:p>
+                <a:pPr marL="0" indent="0">
+                  <a:buNone/>
+                </a:pPr>
+                <a:r>
+                  <a:rPr lang="uk-UA" dirty="0">
+                    <a:latin typeface="Cambria" panose="02040503050406030204" pitchFamily="18" charset="0"/>
+                    <a:ea typeface="Cambria" panose="02040503050406030204" pitchFamily="18" charset="0"/>
+                  </a:rPr>
+                  <a:t>Моделі:</a:t>
+                </a:r>
+              </a:p>
+              <a:p>
+                <a:r>
+                  <a:rPr lang="uk-UA" dirty="0">
+                    <a:latin typeface="Cambria" panose="02040503050406030204" pitchFamily="18" charset="0"/>
+                    <a:ea typeface="Cambria" panose="02040503050406030204" pitchFamily="18" charset="0"/>
+                  </a:rPr>
+                  <a:t>дерева ухвалення рішень;</a:t>
+                </a:r>
+              </a:p>
+              <a:p>
+                <a:r>
+                  <a:rPr lang="uk-UA" dirty="0">
+                    <a:latin typeface="Cambria" panose="02040503050406030204" pitchFamily="18" charset="0"/>
+                    <a:ea typeface="Cambria" panose="02040503050406030204" pitchFamily="18" charset="0"/>
+                  </a:rPr>
+                  <a:t>метод </a:t>
+                </a:r>
+                <a:r>
+                  <a:rPr lang="en-US" dirty="0">
+                    <a:latin typeface="Cambria" panose="02040503050406030204" pitchFamily="18" charset="0"/>
+                    <a:ea typeface="Cambria" panose="02040503050406030204" pitchFamily="18" charset="0"/>
+                  </a:rPr>
+                  <a:t>k-</a:t>
+                </a:r>
+                <a:r>
+                  <a:rPr lang="uk-UA" dirty="0">
+                    <a:latin typeface="Cambria" panose="02040503050406030204" pitchFamily="18" charset="0"/>
+                    <a:ea typeface="Cambria" panose="02040503050406030204" pitchFamily="18" charset="0"/>
+                  </a:rPr>
+                  <a:t>найближчих сусідів; </a:t>
+                </a:r>
+              </a:p>
+              <a:p>
+                <a:r>
+                  <a:rPr lang="uk-UA" dirty="0">
+                    <a:latin typeface="Cambria" panose="02040503050406030204" pitchFamily="18" charset="0"/>
+                    <a:ea typeface="Cambria" panose="02040503050406030204" pitchFamily="18" charset="0"/>
+                  </a:rPr>
+                  <a:t>метод опорних векторів: </a:t>
+                </a:r>
+                <a14:m>
+                  <m:oMath xmlns:m="http://schemas.openxmlformats.org/officeDocument/2006/math">
+                    <m:r>
+                      <a:rPr lang="uk-UA" i="1">
+                        <a:latin typeface="Cambria Math" panose="02040503050406030204" pitchFamily="18" charset="0"/>
+                        <a:ea typeface="Calibri" panose="020F0502020204030204" pitchFamily="34" charset="0"/>
+                        <a:cs typeface="Times New Roman" panose="02020603050405020304" pitchFamily="18" charset="0"/>
+                      </a:rPr>
+                      <m:t>𝑦</m:t>
+                    </m:r>
+                    <m:d>
+                      <m:dPr>
+                        <m:ctrlPr>
+                          <a:rPr lang="uk-UA" i="1">
+                            <a:latin typeface="Cambria Math" panose="02040503050406030204" pitchFamily="18" charset="0"/>
+                            <a:cs typeface="Times New Roman" panose="02020603050405020304" pitchFamily="18" charset="0"/>
+                          </a:rPr>
+                        </m:ctrlPr>
+                      </m:dPr>
+                      <m:e>
+                        <m:r>
+                          <a:rPr lang="uk-UA" i="1">
+                            <a:latin typeface="Cambria Math" panose="02040503050406030204" pitchFamily="18" charset="0"/>
+                            <a:ea typeface="Calibri" panose="020F0502020204030204" pitchFamily="34" charset="0"/>
+                            <a:cs typeface="Times New Roman" panose="02020603050405020304" pitchFamily="18" charset="0"/>
+                          </a:rPr>
+                          <m:t>𝑥</m:t>
+                        </m:r>
+                      </m:e>
+                    </m:d>
+                    <m:r>
+                      <a:rPr lang="uk-UA" i="1">
+                        <a:latin typeface="Cambria Math" panose="02040503050406030204" pitchFamily="18" charset="0"/>
+                        <a:ea typeface="Calibri" panose="020F0502020204030204" pitchFamily="34" charset="0"/>
+                        <a:cs typeface="Times New Roman" panose="02020603050405020304" pitchFamily="18" charset="0"/>
+                      </a:rPr>
+                      <m:t>=</m:t>
+                    </m:r>
+                    <m:sSup>
+                      <m:sSupPr>
+                        <m:ctrlPr>
+                          <a:rPr lang="uk-UA" i="1">
+                            <a:latin typeface="Cambria Math" panose="02040503050406030204" pitchFamily="18" charset="0"/>
+                            <a:cs typeface="Times New Roman" panose="02020603050405020304" pitchFamily="18" charset="0"/>
+                          </a:rPr>
+                        </m:ctrlPr>
+                      </m:sSupPr>
+                      <m:e>
+                        <m:r>
+                          <a:rPr lang="uk-UA" i="1">
+                            <a:latin typeface="Cambria Math" panose="02040503050406030204" pitchFamily="18" charset="0"/>
+                            <a:ea typeface="Calibri" panose="020F0502020204030204" pitchFamily="34" charset="0"/>
+                            <a:cs typeface="Times New Roman" panose="02020603050405020304" pitchFamily="18" charset="0"/>
+                          </a:rPr>
+                          <m:t>𝑤</m:t>
+                        </m:r>
+                      </m:e>
+                      <m:sup>
+                        <m:r>
+                          <a:rPr lang="uk-UA" i="1">
+                            <a:latin typeface="Cambria Math" panose="02040503050406030204" pitchFamily="18" charset="0"/>
+                            <a:ea typeface="Calibri" panose="020F0502020204030204" pitchFamily="34" charset="0"/>
+                            <a:cs typeface="Times New Roman" panose="02020603050405020304" pitchFamily="18" charset="0"/>
+                          </a:rPr>
+                          <m:t>𝑦</m:t>
+                        </m:r>
+                      </m:sup>
+                    </m:sSup>
+                    <m:r>
+                      <a:rPr lang="uk-UA" i="1">
+                        <a:latin typeface="Cambria Math" panose="02040503050406030204" pitchFamily="18" charset="0"/>
+                        <a:ea typeface="Calibri" panose="020F0502020204030204" pitchFamily="34" charset="0"/>
+                        <a:cs typeface="Times New Roman" panose="02020603050405020304" pitchFamily="18" charset="0"/>
+                      </a:rPr>
+                      <m:t>𝑥</m:t>
+                    </m:r>
+                    <m:r>
+                      <a:rPr lang="uk-UA" i="1">
+                        <a:latin typeface="Cambria Math" panose="02040503050406030204" pitchFamily="18" charset="0"/>
+                        <a:ea typeface="Calibri" panose="020F0502020204030204" pitchFamily="34" charset="0"/>
+                        <a:cs typeface="Times New Roman" panose="02020603050405020304" pitchFamily="18" charset="0"/>
+                      </a:rPr>
+                      <m:t>+</m:t>
+                    </m:r>
+                    <m:r>
+                      <a:rPr lang="uk-UA" i="1">
+                        <a:latin typeface="Cambria Math" panose="02040503050406030204" pitchFamily="18" charset="0"/>
+                        <a:ea typeface="Calibri" panose="020F0502020204030204" pitchFamily="34" charset="0"/>
+                        <a:cs typeface="Times New Roman" panose="02020603050405020304" pitchFamily="18" charset="0"/>
+                      </a:rPr>
+                      <m:t>𝑏</m:t>
+                    </m:r>
+                    <m:r>
+                      <a:rPr lang="uk-UA" b="0" i="0" smtClean="0">
+                        <a:latin typeface="Cambria Math" panose="02040503050406030204" pitchFamily="18" charset="0"/>
+                        <a:ea typeface="Calibri" panose="020F0502020204030204" pitchFamily="34" charset="0"/>
+                        <a:cs typeface="Times New Roman" panose="02020603050405020304" pitchFamily="18" charset="0"/>
+                      </a:rPr>
+                      <m:t>;</m:t>
+                    </m:r>
+                  </m:oMath>
+                </a14:m>
+                <a:endParaRPr lang="uk-UA" dirty="0">
+                  <a:latin typeface="Cambria" panose="02040503050406030204" pitchFamily="18" charset="0"/>
+                  <a:ea typeface="Cambria" panose="02040503050406030204" pitchFamily="18" charset="0"/>
+                </a:endParaRPr>
+              </a:p>
+              <a:p>
+                <a:r>
+                  <a:rPr lang="uk-UA" dirty="0">
+                    <a:latin typeface="Cambria" panose="02040503050406030204" pitchFamily="18" charset="0"/>
+                    <a:ea typeface="Cambria" panose="02040503050406030204" pitchFamily="18" charset="0"/>
+                  </a:rPr>
+                  <a:t>нейронні мережі.</a:t>
+                </a:r>
+              </a:p>
+            </p:txBody>
+          </p:sp>
+        </mc:Choice>
+        <mc:Fallback>
+          <p:sp>
+            <p:nvSpPr>
+              <p:cNvPr id="3" name="Місце для вмісту 2">
+                <a:extLst>
+                  <a:ext uri="{FF2B5EF4-FFF2-40B4-BE49-F238E27FC236}">
+                    <a16:creationId xmlns:a16="http://schemas.microsoft.com/office/drawing/2014/main" id="{C90A4EF7-D36F-4E0E-BC92-B6BE386D663D}"/>
+                  </a:ext>
+                </a:extLst>
+              </p:cNvPr>
+              <p:cNvSpPr>
+                <a:spLocks noGrp="1" noRot="1" noChangeAspect="1" noMove="1" noResize="1" noEditPoints="1" noAdjustHandles="1" noChangeArrowheads="1" noChangeShapeType="1" noTextEdit="1"/>
+              </p:cNvSpPr>
+              <p:nvPr>
+                <p:ph idx="1"/>
+              </p:nvPr>
+            </p:nvSpPr>
+            <p:spPr>
+              <a:xfrm>
+                <a:off x="155742" y="1746380"/>
+                <a:ext cx="5940258" cy="5197345"/>
+              </a:xfrm>
+              <a:blipFill>
+                <a:blip r:embed="rId3"/>
+                <a:stretch>
+                  <a:fillRect l="-924" t="-938"/>
+                </a:stretch>
+              </a:blipFill>
+            </p:spPr>
+            <p:txBody>
+              <a:bodyPr/>
+              <a:lstStyle/>
+              <a:p>
+                <a:r>
+                  <a:rPr lang="uk-UA">
+                    <a:noFill/>
+                  </a:rPr>
+                  <a:t> </a:t>
+                </a:r>
+              </a:p>
+            </p:txBody>
+          </p:sp>
+        </mc:Fallback>
+      </mc:AlternateContent>
+      <p:sp>
+        <p:nvSpPr>
+          <p:cNvPr id="9" name="TextBox 8">
+            <a:extLst>
+              <a:ext uri="{FF2B5EF4-FFF2-40B4-BE49-F238E27FC236}">
+                <a16:creationId xmlns:a16="http://schemas.microsoft.com/office/drawing/2014/main" id="{1E6161FA-7452-45A6-B973-2AEFEEE5F24C}"/>
+              </a:ext>
+            </a:extLst>
+          </p:cNvPr>
+          <p:cNvSpPr txBox="1"/>
+          <p:nvPr/>
+        </p:nvSpPr>
+        <p:spPr>
+          <a:xfrm>
+            <a:off x="5834136" y="4681007"/>
+            <a:ext cx="5120376" cy="369332"/>
+          </a:xfrm>
+          <a:prstGeom prst="rect">
+            <a:avLst/>
+          </a:prstGeom>
+          <a:noFill/>
+        </p:spPr>
+        <p:txBody>
+          <a:bodyPr wrap="none" rtlCol="0">
+            <a:spAutoFit/>
+          </a:bodyPr>
+          <a:lstStyle/>
+          <a:p>
+            <a:r>
+              <a:rPr lang="uk-UA" b="1" dirty="0">
+                <a:latin typeface="Cambria" panose="02040503050406030204" pitchFamily="18" charset="0"/>
+                <a:ea typeface="Cambria" panose="02040503050406030204" pitchFamily="18" charset="0"/>
+              </a:rPr>
+              <a:t>Рисунок 2. </a:t>
+            </a:r>
+            <a:r>
+              <a:rPr lang="uk-UA" dirty="0">
+                <a:latin typeface="Cambria" panose="02040503050406030204" pitchFamily="18" charset="0"/>
+                <a:ea typeface="Cambria" panose="02040503050406030204" pitchFamily="18" charset="0"/>
+              </a:rPr>
+              <a:t>Види методів машинного навчання</a:t>
+            </a:r>
+          </a:p>
+        </p:txBody>
+      </p:sp>
     </p:spTree>
     <p:extLst>
       <p:ext uri="{BB962C8B-B14F-4D97-AF65-F5344CB8AC3E}">
@@ -5886,106 +6356,12 @@
           <a:chExt cx="0" cy="0"/>
         </a:xfrm>
       </p:grpSpPr>
-      <p:sp>
-        <p:nvSpPr>
-          <p:cNvPr id="2" name="Заголовок 1">
+      <p:pic>
+        <p:nvPicPr>
+          <p:cNvPr id="22" name="Рисунок 21">
             <a:extLst>
               <a:ext uri="{FF2B5EF4-FFF2-40B4-BE49-F238E27FC236}">
-                <a16:creationId xmlns:a16="http://schemas.microsoft.com/office/drawing/2014/main" id="{C8C72238-7E18-46B2-8261-8A873090D946}"/>
-              </a:ext>
-            </a:extLst>
-          </p:cNvPr>
-          <p:cNvSpPr>
-            <a:spLocks noGrp="1"/>
-          </p:cNvSpPr>
-          <p:nvPr>
-            <p:ph type="title"/>
-          </p:nvPr>
-        </p:nvSpPr>
-        <p:spPr>
-          <a:xfrm>
-            <a:off x="1249680" y="-29271"/>
-            <a:ext cx="9692640" cy="1325562"/>
-          </a:xfrm>
-        </p:spPr>
-        <p:txBody>
-          <a:bodyPr>
-            <a:normAutofit/>
-          </a:bodyPr>
-          <a:lstStyle/>
-          <a:p>
-            <a:r>
-              <a:rPr lang="uk-UA" sz="4000" dirty="0"/>
-              <a:t>НЕЙРОННІ МЕРЕЖІ</a:t>
-            </a:r>
-          </a:p>
-        </p:txBody>
-      </p:sp>
-      <p:sp>
-        <p:nvSpPr>
-          <p:cNvPr id="3" name="Місце для вмісту 2">
-            <a:extLst>
-              <a:ext uri="{FF2B5EF4-FFF2-40B4-BE49-F238E27FC236}">
-                <a16:creationId xmlns:a16="http://schemas.microsoft.com/office/drawing/2014/main" id="{2CFFFB0A-7D8F-4993-BFDB-859726BAE156}"/>
-              </a:ext>
-            </a:extLst>
-          </p:cNvPr>
-          <p:cNvSpPr>
-            <a:spLocks noGrp="1"/>
-          </p:cNvSpPr>
-          <p:nvPr>
-            <p:ph idx="1"/>
-          </p:nvPr>
-        </p:nvSpPr>
-        <p:spPr>
-          <a:xfrm>
-            <a:off x="1249680" y="1355558"/>
-            <a:ext cx="8595360" cy="5502442"/>
-          </a:xfrm>
-        </p:spPr>
-        <p:txBody>
-          <a:bodyPr/>
-          <a:lstStyle/>
-          <a:p>
-            <a:pPr marL="0" indent="0">
-              <a:buNone/>
-            </a:pPr>
-            <a:r>
-              <a:rPr lang="uk-UA" dirty="0"/>
-              <a:t>Нелінійні математичні засоби, що симулюють обробку інформації людським мозком;</a:t>
-            </a:r>
-          </a:p>
-          <a:p>
-            <a:pPr marL="0" indent="0">
-              <a:buNone/>
-            </a:pPr>
-            <a:r>
-              <a:rPr lang="uk-UA" dirty="0"/>
-              <a:t>Штучний нейрон – простий об’єкт, спроможний здійснювати лінійну афінну трансформацію за допомогою функції передачі;</a:t>
-            </a:r>
-          </a:p>
-          <a:p>
-            <a:pPr marL="0" indent="0">
-              <a:buNone/>
-            </a:pPr>
-            <a:r>
-              <a:rPr lang="uk-UA" dirty="0"/>
-              <a:t>Нелінійність забезпечують функції активації.</a:t>
-            </a:r>
-            <a:endParaRPr lang="uk-UA" dirty="0">
-              <a:solidFill>
-                <a:srgbClr val="FF0000"/>
-              </a:solidFill>
-            </a:endParaRPr>
-          </a:p>
-        </p:txBody>
-      </p:sp>
-      <p:pic>
-        <p:nvPicPr>
-          <p:cNvPr id="7" name="Рисунок 6">
-            <a:extLst>
-              <a:ext uri="{FF2B5EF4-FFF2-40B4-BE49-F238E27FC236}">
-                <a16:creationId xmlns:a16="http://schemas.microsoft.com/office/drawing/2014/main" id="{8EBB42AD-36DF-4D3D-94DF-549CD37D0BEF}"/>
+                <a16:creationId xmlns:a16="http://schemas.microsoft.com/office/drawing/2014/main" id="{17D5F097-9CF1-4ACD-8AF9-FA06D23B6BBA}"/>
               </a:ext>
             </a:extLst>
           </p:cNvPr>
@@ -6008,14 +6384,122 @@
         </p:blipFill>
         <p:spPr>
           <a:xfrm>
-            <a:off x="532766" y="3421700"/>
-            <a:ext cx="3652861" cy="3253535"/>
+            <a:off x="363417" y="3533560"/>
+            <a:ext cx="4512773" cy="2893997"/>
           </a:xfrm>
           <a:prstGeom prst="rect">
             <a:avLst/>
           </a:prstGeom>
         </p:spPr>
       </p:pic>
+      <p:sp>
+        <p:nvSpPr>
+          <p:cNvPr id="2" name="Заголовок 1">
+            <a:extLst>
+              <a:ext uri="{FF2B5EF4-FFF2-40B4-BE49-F238E27FC236}">
+                <a16:creationId xmlns:a16="http://schemas.microsoft.com/office/drawing/2014/main" id="{C8C72238-7E18-46B2-8261-8A873090D946}"/>
+              </a:ext>
+            </a:extLst>
+          </p:cNvPr>
+          <p:cNvSpPr>
+            <a:spLocks noGrp="1"/>
+          </p:cNvSpPr>
+          <p:nvPr>
+            <p:ph type="title"/>
+          </p:nvPr>
+        </p:nvSpPr>
+        <p:spPr>
+          <a:xfrm>
+            <a:off x="1249680" y="-29271"/>
+            <a:ext cx="9692640" cy="1325562"/>
+          </a:xfrm>
+        </p:spPr>
+        <p:txBody>
+          <a:bodyPr>
+            <a:normAutofit/>
+          </a:bodyPr>
+          <a:lstStyle/>
+          <a:p>
+            <a:r>
+              <a:rPr lang="uk-UA" sz="4000" dirty="0">
+                <a:latin typeface="Cambria" panose="02040503050406030204" pitchFamily="18" charset="0"/>
+                <a:ea typeface="Cambria" panose="02040503050406030204" pitchFamily="18" charset="0"/>
+              </a:rPr>
+              <a:t>НЕЙРОННІ МЕРЕЖІ</a:t>
+            </a:r>
+          </a:p>
+        </p:txBody>
+      </p:sp>
+      <p:sp>
+        <p:nvSpPr>
+          <p:cNvPr id="3" name="Місце для вмісту 2">
+            <a:extLst>
+              <a:ext uri="{FF2B5EF4-FFF2-40B4-BE49-F238E27FC236}">
+                <a16:creationId xmlns:a16="http://schemas.microsoft.com/office/drawing/2014/main" id="{2CFFFB0A-7D8F-4993-BFDB-859726BAE156}"/>
+              </a:ext>
+            </a:extLst>
+          </p:cNvPr>
+          <p:cNvSpPr>
+            <a:spLocks noGrp="1"/>
+          </p:cNvSpPr>
+          <p:nvPr>
+            <p:ph idx="1"/>
+          </p:nvPr>
+        </p:nvSpPr>
+        <p:spPr>
+          <a:xfrm>
+            <a:off x="1249680" y="1355558"/>
+            <a:ext cx="8595360" cy="5502442"/>
+          </a:xfrm>
+        </p:spPr>
+        <p:txBody>
+          <a:bodyPr/>
+          <a:lstStyle/>
+          <a:p>
+            <a:pPr marL="0" indent="0">
+              <a:buNone/>
+            </a:pPr>
+            <a:r>
+              <a:rPr lang="uk-UA" dirty="0">
+                <a:latin typeface="Cambria" panose="02040503050406030204" pitchFamily="18" charset="0"/>
+                <a:ea typeface="Cambria" panose="02040503050406030204" pitchFamily="18" charset="0"/>
+              </a:rPr>
+              <a:t>Нейронні мережі – нелінійні математичні засоби, що симулюють обробку інформації людським мозком та процеси навчання, що відбуваються в ньому.</a:t>
+            </a:r>
+          </a:p>
+          <a:p>
+            <a:pPr marL="0" indent="0">
+              <a:buNone/>
+            </a:pPr>
+            <a:r>
+              <a:rPr lang="uk-UA" dirty="0">
+                <a:latin typeface="Cambria" panose="02040503050406030204" pitchFamily="18" charset="0"/>
+                <a:ea typeface="Cambria" panose="02040503050406030204" pitchFamily="18" charset="0"/>
+              </a:rPr>
+              <a:t>Штучний нейрон – простий об’єкт, спроможний здійснювати лінійну афінну трансформацію за допомогою функції передачі.</a:t>
+            </a:r>
+          </a:p>
+          <a:p>
+            <a:pPr marL="0" indent="0">
+              <a:buNone/>
+            </a:pPr>
+            <a:r>
+              <a:rPr lang="uk-UA" dirty="0">
+                <a:latin typeface="Cambria" panose="02040503050406030204" pitchFamily="18" charset="0"/>
+                <a:ea typeface="Cambria" panose="02040503050406030204" pitchFamily="18" charset="0"/>
+              </a:rPr>
+              <a:t>Нелінійність забезпечують функції активації.</a:t>
+            </a:r>
+            <a:endParaRPr lang="uk-UA" dirty="0">
+              <a:solidFill>
+                <a:srgbClr val="FF0000"/>
+              </a:solidFill>
+              <a:latin typeface="Cambria" panose="02040503050406030204" pitchFamily="18" charset="0"/>
+              <a:ea typeface="Cambria" panose="02040503050406030204" pitchFamily="18" charset="0"/>
+            </a:endParaRPr>
+          </a:p>
+        </p:txBody>
+      </p:sp>
       <p:pic>
         <p:nvPicPr>
           <p:cNvPr id="14" name="Рисунок 13">
@@ -6044,7 +6528,7 @@
         </p:blipFill>
         <p:spPr>
           <a:xfrm>
-            <a:off x="6628674" y="3302267"/>
+            <a:off x="7057299" y="3302267"/>
             <a:ext cx="1625874" cy="1160674"/>
           </a:xfrm>
           <a:prstGeom prst="rect">
@@ -6080,8 +6564,8 @@
         </p:blipFill>
         <p:spPr>
           <a:xfrm>
-            <a:off x="4902541" y="4576240"/>
-            <a:ext cx="3051808" cy="2172540"/>
+            <a:off x="6875273" y="4503808"/>
+            <a:ext cx="2636319" cy="1876759"/>
           </a:xfrm>
           <a:prstGeom prst="rect">
             <a:avLst/>
@@ -6116,7 +6600,7 @@
         </p:blipFill>
         <p:spPr>
           <a:xfrm>
-            <a:off x="4718301" y="3577804"/>
+            <a:off x="5146926" y="3577804"/>
             <a:ext cx="1377699" cy="710185"/>
           </a:xfrm>
           <a:prstGeom prst="rect">
@@ -6152,7 +6636,7 @@
         </p:blipFill>
         <p:spPr>
           <a:xfrm>
-            <a:off x="8787222" y="3137380"/>
+            <a:off x="9215847" y="3137380"/>
             <a:ext cx="1768187" cy="1336244"/>
           </a:xfrm>
           <a:prstGeom prst="rect">
@@ -6160,6 +6644,236 @@
           </a:prstGeom>
         </p:spPr>
       </p:pic>
+      <p:sp>
+        <p:nvSpPr>
+          <p:cNvPr id="23" name="TextBox 22">
+            <a:extLst>
+              <a:ext uri="{FF2B5EF4-FFF2-40B4-BE49-F238E27FC236}">
+                <a16:creationId xmlns:a16="http://schemas.microsoft.com/office/drawing/2014/main" id="{18C3EF2B-BF00-44B2-AD51-63587CD1F0DC}"/>
+              </a:ext>
+            </a:extLst>
+          </p:cNvPr>
+          <p:cNvSpPr txBox="1"/>
+          <p:nvPr/>
+        </p:nvSpPr>
+        <p:spPr>
+          <a:xfrm>
+            <a:off x="157743" y="6416226"/>
+            <a:ext cx="5190460" cy="369332"/>
+          </a:xfrm>
+          <a:prstGeom prst="rect">
+            <a:avLst/>
+          </a:prstGeom>
+          <a:noFill/>
+        </p:spPr>
+        <p:txBody>
+          <a:bodyPr wrap="none" rtlCol="0">
+            <a:spAutoFit/>
+          </a:bodyPr>
+          <a:lstStyle/>
+          <a:p>
+            <a:r>
+              <a:rPr lang="uk-UA" b="1" dirty="0">
+                <a:latin typeface="Cambria" panose="02040503050406030204" pitchFamily="18" charset="0"/>
+                <a:ea typeface="Cambria" panose="02040503050406030204" pitchFamily="18" charset="0"/>
+              </a:rPr>
+              <a:t>Рисунок 3. </a:t>
+            </a:r>
+            <a:r>
+              <a:rPr lang="uk-UA" dirty="0">
+                <a:latin typeface="Cambria" panose="02040503050406030204" pitchFamily="18" charset="0"/>
+                <a:ea typeface="Cambria" panose="02040503050406030204" pitchFamily="18" charset="0"/>
+              </a:rPr>
+              <a:t>Принцип робити штучного нейрона</a:t>
+            </a:r>
+          </a:p>
+        </p:txBody>
+      </p:sp>
+      <p:sp>
+        <p:nvSpPr>
+          <p:cNvPr id="24" name="TextBox 23">
+            <a:extLst>
+              <a:ext uri="{FF2B5EF4-FFF2-40B4-BE49-F238E27FC236}">
+                <a16:creationId xmlns:a16="http://schemas.microsoft.com/office/drawing/2014/main" id="{FACF2DE7-3710-42A7-BD03-F34696440F4D}"/>
+              </a:ext>
+            </a:extLst>
+          </p:cNvPr>
+          <p:cNvSpPr txBox="1"/>
+          <p:nvPr/>
+        </p:nvSpPr>
+        <p:spPr>
+          <a:xfrm>
+            <a:off x="6524625" y="6427557"/>
+            <a:ext cx="3873176" cy="369332"/>
+          </a:xfrm>
+          <a:prstGeom prst="rect">
+            <a:avLst/>
+          </a:prstGeom>
+          <a:noFill/>
+        </p:spPr>
+        <p:txBody>
+          <a:bodyPr wrap="none" rtlCol="0">
+            <a:spAutoFit/>
+          </a:bodyPr>
+          <a:lstStyle/>
+          <a:p>
+            <a:r>
+              <a:rPr lang="uk-UA" b="1" dirty="0">
+                <a:latin typeface="Cambria" panose="02040503050406030204" pitchFamily="18" charset="0"/>
+                <a:ea typeface="Cambria" panose="02040503050406030204" pitchFamily="18" charset="0"/>
+              </a:rPr>
+              <a:t>Рисунок 4</a:t>
+            </a:r>
+            <a:r>
+              <a:rPr lang="uk-UA" dirty="0">
+                <a:latin typeface="Cambria" panose="02040503050406030204" pitchFamily="18" charset="0"/>
+                <a:ea typeface="Cambria" panose="02040503050406030204" pitchFamily="18" charset="0"/>
+              </a:rPr>
+              <a:t>. Види нейронних мереж</a:t>
+            </a:r>
+          </a:p>
+        </p:txBody>
+      </p:sp>
+      <p:sp>
+        <p:nvSpPr>
+          <p:cNvPr id="25" name="TextBox 24">
+            <a:extLst>
+              <a:ext uri="{FF2B5EF4-FFF2-40B4-BE49-F238E27FC236}">
+                <a16:creationId xmlns:a16="http://schemas.microsoft.com/office/drawing/2014/main" id="{B142EF13-733F-4F49-80DF-96F30D3DBCA5}"/>
+              </a:ext>
+            </a:extLst>
+          </p:cNvPr>
+          <p:cNvSpPr txBox="1"/>
+          <p:nvPr/>
+        </p:nvSpPr>
+        <p:spPr>
+          <a:xfrm>
+            <a:off x="5839700" y="4093609"/>
+            <a:ext cx="351378" cy="369332"/>
+          </a:xfrm>
+          <a:prstGeom prst="rect">
+            <a:avLst/>
+          </a:prstGeom>
+          <a:noFill/>
+        </p:spPr>
+        <p:txBody>
+          <a:bodyPr wrap="none" rtlCol="0">
+            <a:spAutoFit/>
+          </a:bodyPr>
+          <a:lstStyle/>
+          <a:p>
+            <a:r>
+              <a:rPr lang="uk-UA" dirty="0"/>
+              <a:t>А</a:t>
+            </a:r>
+          </a:p>
+        </p:txBody>
+      </p:sp>
+      <p:sp>
+        <p:nvSpPr>
+          <p:cNvPr id="26" name="TextBox 25">
+            <a:extLst>
+              <a:ext uri="{FF2B5EF4-FFF2-40B4-BE49-F238E27FC236}">
+                <a16:creationId xmlns:a16="http://schemas.microsoft.com/office/drawing/2014/main" id="{D35BD64D-3C92-4ECE-8857-D12F0D0297B8}"/>
+              </a:ext>
+            </a:extLst>
+          </p:cNvPr>
+          <p:cNvSpPr txBox="1"/>
+          <p:nvPr/>
+        </p:nvSpPr>
+        <p:spPr>
+          <a:xfrm>
+            <a:off x="8330590" y="4015143"/>
+            <a:ext cx="349776" cy="369332"/>
+          </a:xfrm>
+          <a:prstGeom prst="rect">
+            <a:avLst/>
+          </a:prstGeom>
+          <a:noFill/>
+        </p:spPr>
+        <p:txBody>
+          <a:bodyPr wrap="none" rtlCol="0">
+            <a:spAutoFit/>
+          </a:bodyPr>
+          <a:lstStyle/>
+          <a:p>
+            <a:r>
+              <a:rPr lang="uk-UA" dirty="0"/>
+              <a:t>Б</a:t>
+            </a:r>
+          </a:p>
+        </p:txBody>
+      </p:sp>
+      <p:sp>
+        <p:nvSpPr>
+          <p:cNvPr id="27" name="TextBox 26">
+            <a:extLst>
+              <a:ext uri="{FF2B5EF4-FFF2-40B4-BE49-F238E27FC236}">
+                <a16:creationId xmlns:a16="http://schemas.microsoft.com/office/drawing/2014/main" id="{B05E36DD-8760-4537-BA8D-A118CEBC52DA}"/>
+              </a:ext>
+            </a:extLst>
+          </p:cNvPr>
+          <p:cNvSpPr txBox="1"/>
+          <p:nvPr/>
+        </p:nvSpPr>
+        <p:spPr>
+          <a:xfrm>
+            <a:off x="10818862" y="4016386"/>
+            <a:ext cx="351378" cy="369332"/>
+          </a:xfrm>
+          <a:prstGeom prst="rect">
+            <a:avLst/>
+          </a:prstGeom>
+          <a:noFill/>
+        </p:spPr>
+        <p:txBody>
+          <a:bodyPr wrap="none" rtlCol="0">
+            <a:spAutoFit/>
+          </a:bodyPr>
+          <a:lstStyle/>
+          <a:p>
+            <a:r>
+              <a:rPr lang="uk-UA" dirty="0"/>
+              <a:t>В</a:t>
+            </a:r>
+          </a:p>
+        </p:txBody>
+      </p:sp>
+      <p:sp>
+        <p:nvSpPr>
+          <p:cNvPr id="28" name="TextBox 27">
+            <a:extLst>
+              <a:ext uri="{FF2B5EF4-FFF2-40B4-BE49-F238E27FC236}">
+                <a16:creationId xmlns:a16="http://schemas.microsoft.com/office/drawing/2014/main" id="{57218409-C014-4295-B190-E8037A65A884}"/>
+              </a:ext>
+            </a:extLst>
+          </p:cNvPr>
+          <p:cNvSpPr txBox="1"/>
+          <p:nvPr/>
+        </p:nvSpPr>
+        <p:spPr>
+          <a:xfrm>
+            <a:off x="9052180" y="5997114"/>
+            <a:ext cx="327334" cy="369332"/>
+          </a:xfrm>
+          <a:prstGeom prst="rect">
+            <a:avLst/>
+          </a:prstGeom>
+          <a:noFill/>
+        </p:spPr>
+        <p:txBody>
+          <a:bodyPr wrap="none" rtlCol="0">
+            <a:spAutoFit/>
+          </a:bodyPr>
+          <a:lstStyle/>
+          <a:p>
+            <a:r>
+              <a:rPr lang="uk-UA" dirty="0"/>
+              <a:t>Г</a:t>
+            </a:r>
+          </a:p>
+        </p:txBody>
+      </p:sp>
     </p:spTree>
     <p:extLst>
       <p:ext uri="{BB962C8B-B14F-4D97-AF65-F5344CB8AC3E}">
@@ -6206,13 +6920,21 @@
             <p:ph type="title"/>
           </p:nvPr>
         </p:nvSpPr>
-        <p:spPr/>
+        <p:spPr>
+          <a:xfrm>
+            <a:off x="1261872" y="15082"/>
+            <a:ext cx="9692640" cy="1325562"/>
+          </a:xfrm>
+        </p:spPr>
         <p:txBody>
           <a:bodyPr/>
           <a:lstStyle/>
           <a:p>
             <a:r>
-              <a:rPr lang="uk-UA" dirty="0"/>
+              <a:rPr lang="uk-UA" dirty="0">
+                <a:latin typeface="Cambria" panose="02040503050406030204" pitchFamily="18" charset="0"/>
+                <a:ea typeface="Cambria" panose="02040503050406030204" pitchFamily="18" charset="0"/>
+              </a:rPr>
               <a:t>ФУНКЦІЇ АКТИВАЦІЇ</a:t>
             </a:r>
           </a:p>
@@ -6234,7 +6956,12 @@
             <p:ph idx="1"/>
           </p:nvPr>
         </p:nvSpPr>
-        <p:spPr/>
+        <p:spPr>
+          <a:xfrm>
+            <a:off x="1261872" y="1533547"/>
+            <a:ext cx="10469040" cy="5517356"/>
+          </a:xfrm>
+        </p:spPr>
         <p:txBody>
           <a:bodyPr/>
           <a:lstStyle/>
@@ -6243,8 +6970,11 @@
               <a:buNone/>
             </a:pPr>
             <a:r>
-              <a:rPr lang="uk-UA" dirty="0"/>
-              <a:t>Існують три види функцій активації;</a:t>
+              <a:rPr lang="uk-UA" dirty="0">
+                <a:latin typeface="Cambria" panose="02040503050406030204" pitchFamily="18" charset="0"/>
+                <a:ea typeface="Cambria" panose="02040503050406030204" pitchFamily="18" charset="0"/>
+              </a:rPr>
+              <a:t>Необхідні для застосування нейронних мереж до визначення нелінійних </a:t>
             </a:r>
           </a:p>
           <a:p>
@@ -6252,30 +6982,74 @@
               <a:buNone/>
             </a:pPr>
             <a:r>
-              <a:rPr lang="uk-UA" dirty="0"/>
-              <a:t>Основні нелінійні функції – </a:t>
-            </a:r>
-            <a:r>
-              <a:rPr lang="en-US" dirty="0" err="1"/>
-              <a:t>ReLU</a:t>
-            </a:r>
-            <a:r>
-              <a:rPr lang="en-US" dirty="0"/>
-              <a:t> </a:t>
-            </a:r>
-            <a:r>
-              <a:rPr lang="uk-UA" dirty="0"/>
-              <a:t>(та деякі модифікації), логістична, гіперболічний тангенс.</a:t>
+              <a:rPr lang="uk-UA" dirty="0">
+                <a:latin typeface="Cambria" panose="02040503050406030204" pitchFamily="18" charset="0"/>
+                <a:ea typeface="Cambria" panose="02040503050406030204" pitchFamily="18" charset="0"/>
+              </a:rPr>
+              <a:t>функціональних </a:t>
+            </a:r>
+            <a:r>
+              <a:rPr lang="uk-UA" dirty="0" err="1">
+                <a:latin typeface="Cambria" panose="02040503050406030204" pitchFamily="18" charset="0"/>
+                <a:ea typeface="Cambria" panose="02040503050406030204" pitchFamily="18" charset="0"/>
+              </a:rPr>
+              <a:t>залежностей</a:t>
+            </a:r>
+            <a:r>
+              <a:rPr lang="uk-UA" dirty="0">
+                <a:latin typeface="Cambria" panose="02040503050406030204" pitchFamily="18" charset="0"/>
+                <a:ea typeface="Cambria" panose="02040503050406030204" pitchFamily="18" charset="0"/>
+              </a:rPr>
+              <a:t>.</a:t>
+            </a:r>
+          </a:p>
+          <a:p>
+            <a:pPr marL="0" indent="0">
+              <a:buNone/>
+            </a:pPr>
+            <a:r>
+              <a:rPr lang="uk-UA" dirty="0">
+                <a:latin typeface="Cambria" panose="02040503050406030204" pitchFamily="18" charset="0"/>
+                <a:ea typeface="Cambria" panose="02040503050406030204" pitchFamily="18" charset="0"/>
+              </a:rPr>
+              <a:t>Існують три види функцій активації:</a:t>
+            </a:r>
+          </a:p>
+          <a:p>
+            <a:r>
+              <a:rPr lang="uk-UA" dirty="0">
+                <a:latin typeface="Cambria" panose="02040503050406030204" pitchFamily="18" charset="0"/>
+                <a:ea typeface="Cambria" panose="02040503050406030204" pitchFamily="18" charset="0"/>
+              </a:rPr>
+              <a:t>Бінарна крокова;</a:t>
+            </a:r>
+          </a:p>
+          <a:p>
+            <a:r>
+              <a:rPr lang="uk-UA" dirty="0">
+                <a:latin typeface="Cambria" panose="02040503050406030204" pitchFamily="18" charset="0"/>
+                <a:ea typeface="Cambria" panose="02040503050406030204" pitchFamily="18" charset="0"/>
+              </a:rPr>
+              <a:t>Лінійна;</a:t>
+            </a:r>
+          </a:p>
+          <a:p>
+            <a:r>
+              <a:rPr lang="uk-UA" dirty="0">
+                <a:latin typeface="Cambria" panose="02040503050406030204" pitchFamily="18" charset="0"/>
+                <a:ea typeface="Cambria" panose="02040503050406030204" pitchFamily="18" charset="0"/>
+              </a:rPr>
+              <a:t>Нелінійні.</a:t>
             </a:r>
           </a:p>
         </p:txBody>
       </p:sp>
       <p:pic>
         <p:nvPicPr>
-          <p:cNvPr id="4" name="Рисунок 3">
+          <p:cNvPr id="6" name="Рисунок 5">
             <a:extLst>
               <a:ext uri="{FF2B5EF4-FFF2-40B4-BE49-F238E27FC236}">
-                <a16:creationId xmlns:a16="http://schemas.microsoft.com/office/drawing/2014/main" id="{23BAA750-4E53-4D75-BC3C-E33AADD4B28B}"/>
+                <a16:creationId xmlns:a16="http://schemas.microsoft.com/office/drawing/2014/main" id="{972280A3-7299-4561-9E0A-0F86BB7B300C}"/>
               </a:ext>
             </a:extLst>
           </p:cNvPr>
@@ -6298,14 +7072,59 @@
         </p:blipFill>
         <p:spPr>
           <a:xfrm>
-            <a:off x="2222473" y="3026447"/>
-            <a:ext cx="6664853" cy="3831553"/>
+            <a:off x="5129393" y="2815783"/>
+            <a:ext cx="5825119" cy="3439481"/>
           </a:xfrm>
           <a:prstGeom prst="rect">
             <a:avLst/>
           </a:prstGeom>
         </p:spPr>
       </p:pic>
+      <p:sp>
+        <p:nvSpPr>
+          <p:cNvPr id="7" name="TextBox 6">
+            <a:extLst>
+              <a:ext uri="{FF2B5EF4-FFF2-40B4-BE49-F238E27FC236}">
+                <a16:creationId xmlns:a16="http://schemas.microsoft.com/office/drawing/2014/main" id="{330D65F6-B347-4AFF-8BD1-9291ADDE7128}"/>
+              </a:ext>
+            </a:extLst>
+          </p:cNvPr>
+          <p:cNvSpPr txBox="1"/>
+          <p:nvPr/>
+        </p:nvSpPr>
+        <p:spPr>
+          <a:xfrm>
+            <a:off x="6139619" y="6263501"/>
+            <a:ext cx="3902030" cy="369332"/>
+          </a:xfrm>
+          <a:prstGeom prst="rect">
+            <a:avLst/>
+          </a:prstGeom>
+          <a:noFill/>
+        </p:spPr>
+        <p:txBody>
+          <a:bodyPr wrap="none" rtlCol="0">
+            <a:spAutoFit/>
+          </a:bodyPr>
+          <a:lstStyle/>
+          <a:p>
+            <a:r>
+              <a:rPr lang="uk-UA" b="1" dirty="0">
+                <a:latin typeface="Cambria" panose="02040503050406030204" pitchFamily="18" charset="0"/>
+                <a:ea typeface="Cambria" panose="02040503050406030204" pitchFamily="18" charset="0"/>
+              </a:rPr>
+              <a:t>Рисунок 5. </a:t>
+            </a:r>
+            <a:r>
+              <a:rPr lang="uk-UA" dirty="0">
+                <a:latin typeface="Cambria" panose="02040503050406030204" pitchFamily="18" charset="0"/>
+                <a:ea typeface="Cambria" panose="02040503050406030204" pitchFamily="18" charset="0"/>
+              </a:rPr>
+              <a:t>Види функцій активації</a:t>
+            </a:r>
+          </a:p>
+        </p:txBody>
+      </p:sp>
     </p:spTree>
     <p:extLst>
       <p:ext uri="{BB962C8B-B14F-4D97-AF65-F5344CB8AC3E}">
@@ -6336,116 +7155,12 @@
           <a:chExt cx="0" cy="0"/>
         </a:xfrm>
       </p:grpSpPr>
-      <p:sp>
-        <p:nvSpPr>
-          <p:cNvPr id="2" name="Заголовок 1">
+      <p:pic>
+        <p:nvPicPr>
+          <p:cNvPr id="8" name="Рисунок 7">
             <a:extLst>
               <a:ext uri="{FF2B5EF4-FFF2-40B4-BE49-F238E27FC236}">
-                <a16:creationId xmlns:a16="http://schemas.microsoft.com/office/drawing/2014/main" id="{B36FE581-E802-4286-B6A5-1C3A399AC9DB}"/>
-              </a:ext>
-            </a:extLst>
-          </p:cNvPr>
-          <p:cNvSpPr>
-            <a:spLocks noGrp="1"/>
-          </p:cNvSpPr>
-          <p:nvPr>
-            <p:ph type="title"/>
-          </p:nvPr>
-        </p:nvSpPr>
-        <p:spPr/>
-        <p:txBody>
-          <a:bodyPr/>
-          <a:lstStyle/>
-          <a:p>
-            <a:r>
-              <a:rPr lang="uk-UA" dirty="0"/>
-              <a:t>НАВЧАННЯ НЕЙРОННИХ МЕРЕЖ</a:t>
-            </a:r>
-          </a:p>
-        </p:txBody>
-      </p:sp>
-      <p:sp>
-        <p:nvSpPr>
-          <p:cNvPr id="3" name="Місце для вмісту 2">
-            <a:extLst>
-              <a:ext uri="{FF2B5EF4-FFF2-40B4-BE49-F238E27FC236}">
-                <a16:creationId xmlns:a16="http://schemas.microsoft.com/office/drawing/2014/main" id="{0587FE89-5A93-4D5C-890C-E03AD1B87362}"/>
-              </a:ext>
-            </a:extLst>
-          </p:cNvPr>
-          <p:cNvSpPr>
-            <a:spLocks noGrp="1"/>
-          </p:cNvSpPr>
-          <p:nvPr>
-            <p:ph idx="1"/>
-          </p:nvPr>
-        </p:nvSpPr>
-        <p:spPr>
-          <a:xfrm>
-            <a:off x="572061" y="1900890"/>
-            <a:ext cx="8595360" cy="4351337"/>
-          </a:xfrm>
-        </p:spPr>
-        <p:txBody>
-          <a:bodyPr/>
-          <a:lstStyle/>
-          <a:p>
-            <a:pPr marL="0" indent="0">
-              <a:buNone/>
-            </a:pPr>
-            <a:r>
-              <a:rPr lang="uk-UA" dirty="0"/>
-              <a:t>Навчання – мінімізація функції помилки;</a:t>
-            </a:r>
-          </a:p>
-          <a:p>
-            <a:pPr marL="0" indent="0">
-              <a:buNone/>
-            </a:pPr>
-            <a:r>
-              <a:rPr lang="uk-UA" dirty="0"/>
-              <a:t>Алгоритм зворотного поширення помилки (градієнтного спуску) – зміна ваг зв’язків і зміщень нейронів за узагальненим дельта-правилом;</a:t>
-            </a:r>
-          </a:p>
-          <a:p>
-            <a:pPr marL="0" indent="0">
-              <a:buNone/>
-            </a:pPr>
-            <a:r>
-              <a:rPr lang="uk-UA" dirty="0"/>
-              <a:t>Види навчання на вибірках даних:</a:t>
-            </a:r>
-          </a:p>
-          <a:p>
-            <a:r>
-              <a:rPr lang="uk-UA" dirty="0"/>
-              <a:t>Дозоване;</a:t>
-            </a:r>
-          </a:p>
-          <a:p>
-            <a:r>
-              <a:rPr lang="uk-UA" dirty="0"/>
-              <a:t>Онлайн;</a:t>
-            </a:r>
-          </a:p>
-          <a:p>
-            <a:r>
-              <a:rPr lang="uk-UA" dirty="0" err="1"/>
-              <a:t>Мінідозоване</a:t>
-            </a:r>
-            <a:r>
-              <a:rPr lang="uk-UA" dirty="0"/>
-              <a:t>.</a:t>
-            </a:r>
-          </a:p>
-        </p:txBody>
-      </p:sp>
-      <p:pic>
-        <p:nvPicPr>
-          <p:cNvPr id="4" name="Рисунок 3">
-            <a:extLst>
-              <a:ext uri="{FF2B5EF4-FFF2-40B4-BE49-F238E27FC236}">
-                <a16:creationId xmlns:a16="http://schemas.microsoft.com/office/drawing/2014/main" id="{8034E579-E8CA-45F4-B7B0-C9E688B5956E}"/>
+                <a16:creationId xmlns:a16="http://schemas.microsoft.com/office/drawing/2014/main" id="{318D552B-FCB6-4722-B5FC-20553EB9F094}"/>
               </a:ext>
             </a:extLst>
           </p:cNvPr>
@@ -6468,14 +7183,183 @@
         </p:blipFill>
         <p:spPr>
           <a:xfrm>
-            <a:off x="2922010" y="4273070"/>
-            <a:ext cx="9269990" cy="2595039"/>
+            <a:off x="2072595" y="3800475"/>
+            <a:ext cx="9214530" cy="2586990"/>
           </a:xfrm>
           <a:prstGeom prst="rect">
             <a:avLst/>
           </a:prstGeom>
         </p:spPr>
       </p:pic>
+      <p:sp>
+        <p:nvSpPr>
+          <p:cNvPr id="2" name="Заголовок 1">
+            <a:extLst>
+              <a:ext uri="{FF2B5EF4-FFF2-40B4-BE49-F238E27FC236}">
+                <a16:creationId xmlns:a16="http://schemas.microsoft.com/office/drawing/2014/main" id="{B36FE581-E802-4286-B6A5-1C3A399AC9DB}"/>
+              </a:ext>
+            </a:extLst>
+          </p:cNvPr>
+          <p:cNvSpPr>
+            <a:spLocks noGrp="1"/>
+          </p:cNvSpPr>
+          <p:nvPr>
+            <p:ph type="title"/>
+          </p:nvPr>
+        </p:nvSpPr>
+        <p:spPr/>
+        <p:txBody>
+          <a:bodyPr/>
+          <a:lstStyle/>
+          <a:p>
+            <a:r>
+              <a:rPr lang="uk-UA" dirty="0">
+                <a:latin typeface="Cambria" panose="02040503050406030204" pitchFamily="18" charset="0"/>
+                <a:ea typeface="Cambria" panose="02040503050406030204" pitchFamily="18" charset="0"/>
+              </a:rPr>
+              <a:t>НАВЧАННЯ НЕЙРОННИХ МЕРЕЖ</a:t>
+            </a:r>
+          </a:p>
+        </p:txBody>
+      </p:sp>
+      <p:sp>
+        <p:nvSpPr>
+          <p:cNvPr id="3" name="Місце для вмісту 2">
+            <a:extLst>
+              <a:ext uri="{FF2B5EF4-FFF2-40B4-BE49-F238E27FC236}">
+                <a16:creationId xmlns:a16="http://schemas.microsoft.com/office/drawing/2014/main" id="{0587FE89-5A93-4D5C-890C-E03AD1B87362}"/>
+              </a:ext>
+            </a:extLst>
+          </p:cNvPr>
+          <p:cNvSpPr>
+            <a:spLocks noGrp="1"/>
+          </p:cNvSpPr>
+          <p:nvPr>
+            <p:ph idx="1"/>
+          </p:nvPr>
+        </p:nvSpPr>
+        <p:spPr>
+          <a:xfrm>
+            <a:off x="733985" y="1751211"/>
+            <a:ext cx="6640207" cy="4351337"/>
+          </a:xfrm>
+        </p:spPr>
+        <p:txBody>
+          <a:bodyPr/>
+          <a:lstStyle/>
+          <a:p>
+            <a:pPr marL="0" indent="0">
+              <a:buNone/>
+            </a:pPr>
+            <a:r>
+              <a:rPr lang="uk-UA" dirty="0">
+                <a:latin typeface="Cambria" panose="02040503050406030204" pitchFamily="18" charset="0"/>
+                <a:ea typeface="Cambria" panose="02040503050406030204" pitchFamily="18" charset="0"/>
+              </a:rPr>
+              <a:t>Навчання – мінімізація функції помилки</a:t>
+            </a:r>
+            <a:r>
+              <a:rPr lang="en-US" dirty="0">
+                <a:latin typeface="Cambria" panose="02040503050406030204" pitchFamily="18" charset="0"/>
+                <a:ea typeface="Cambria" panose="02040503050406030204" pitchFamily="18" charset="0"/>
+              </a:rPr>
+              <a:t>.</a:t>
+            </a:r>
+            <a:endParaRPr lang="uk-UA" dirty="0">
+              <a:latin typeface="Cambria" panose="02040503050406030204" pitchFamily="18" charset="0"/>
+              <a:ea typeface="Cambria" panose="02040503050406030204" pitchFamily="18" charset="0"/>
+            </a:endParaRPr>
+          </a:p>
+          <a:p>
+            <a:pPr marL="0" indent="0">
+              <a:buNone/>
+            </a:pPr>
+            <a:r>
+              <a:rPr lang="uk-UA" dirty="0">
+                <a:latin typeface="Cambria" panose="02040503050406030204" pitchFamily="18" charset="0"/>
+                <a:ea typeface="Cambria" panose="02040503050406030204" pitchFamily="18" charset="0"/>
+              </a:rPr>
+              <a:t>Алгоритм зворотного поширення помилки (градієнтного спуску) – зміна ваг зв’язків і зміщень нейронів за узагальненим дельта-правилом</a:t>
+            </a:r>
+            <a:r>
+              <a:rPr lang="en-US" dirty="0">
+                <a:latin typeface="Cambria" panose="02040503050406030204" pitchFamily="18" charset="0"/>
+                <a:ea typeface="Cambria" panose="02040503050406030204" pitchFamily="18" charset="0"/>
+              </a:rPr>
+              <a:t>.</a:t>
+            </a:r>
+            <a:endParaRPr lang="uk-UA" dirty="0">
+              <a:latin typeface="Cambria" panose="02040503050406030204" pitchFamily="18" charset="0"/>
+              <a:ea typeface="Cambria" panose="02040503050406030204" pitchFamily="18" charset="0"/>
+            </a:endParaRPr>
+          </a:p>
+          <a:p>
+            <a:pPr marL="0" indent="0">
+              <a:buNone/>
+            </a:pPr>
+            <a:r>
+              <a:rPr lang="uk-UA" dirty="0">
+                <a:latin typeface="Cambria" panose="02040503050406030204" pitchFamily="18" charset="0"/>
+                <a:ea typeface="Cambria" panose="02040503050406030204" pitchFamily="18" charset="0"/>
+              </a:rPr>
+              <a:t>Види навчання на вибірках даних:</a:t>
+            </a:r>
+          </a:p>
+          <a:p>
+            <a:r>
+              <a:rPr lang="uk-UA" dirty="0">
+                <a:latin typeface="Cambria" panose="02040503050406030204" pitchFamily="18" charset="0"/>
+                <a:ea typeface="Cambria" panose="02040503050406030204" pitchFamily="18" charset="0"/>
+              </a:rPr>
+              <a:t>Дозоване;</a:t>
+            </a:r>
+            <a:endParaRPr lang="en-US" dirty="0">
+              <a:latin typeface="Cambria" panose="02040503050406030204" pitchFamily="18" charset="0"/>
+              <a:ea typeface="Cambria" panose="02040503050406030204" pitchFamily="18" charset="0"/>
+            </a:endParaRPr>
+          </a:p>
+          <a:p>
+            <a:r>
+              <a:rPr lang="uk-UA" dirty="0" err="1">
+                <a:latin typeface="Cambria" panose="02040503050406030204" pitchFamily="18" charset="0"/>
+                <a:ea typeface="Cambria" panose="02040503050406030204" pitchFamily="18" charset="0"/>
+              </a:rPr>
+              <a:t>Мінідозоване</a:t>
+            </a:r>
+            <a:r>
+              <a:rPr lang="en-US" dirty="0">
+                <a:latin typeface="Cambria" panose="02040503050406030204" pitchFamily="18" charset="0"/>
+                <a:ea typeface="Cambria" panose="02040503050406030204" pitchFamily="18" charset="0"/>
+              </a:rPr>
+              <a:t>;</a:t>
+            </a:r>
+            <a:endParaRPr lang="uk-UA" dirty="0">
+              <a:latin typeface="Cambria" panose="02040503050406030204" pitchFamily="18" charset="0"/>
+              <a:ea typeface="Cambria" panose="02040503050406030204" pitchFamily="18" charset="0"/>
+            </a:endParaRPr>
+          </a:p>
+          <a:p>
+            <a:r>
+              <a:rPr lang="uk-UA" dirty="0">
+                <a:latin typeface="Cambria" panose="02040503050406030204" pitchFamily="18" charset="0"/>
+                <a:ea typeface="Cambria" panose="02040503050406030204" pitchFamily="18" charset="0"/>
+              </a:rPr>
+              <a:t>Онлайн</a:t>
+            </a:r>
+            <a:r>
+              <a:rPr lang="en-US" dirty="0">
+                <a:latin typeface="Cambria" panose="02040503050406030204" pitchFamily="18" charset="0"/>
+                <a:ea typeface="Cambria" panose="02040503050406030204" pitchFamily="18" charset="0"/>
+              </a:rPr>
+              <a:t>.</a:t>
+            </a:r>
+            <a:endParaRPr lang="uk-UA" dirty="0">
+              <a:latin typeface="Cambria" panose="02040503050406030204" pitchFamily="18" charset="0"/>
+              <a:ea typeface="Cambria" panose="02040503050406030204" pitchFamily="18" charset="0"/>
+            </a:endParaRPr>
+          </a:p>
+        </p:txBody>
+      </p:sp>
       <p:pic>
         <p:nvPicPr>
           <p:cNvPr id="5" name="Рисунок 4">
@@ -6498,7 +7382,7 @@
         </p:blipFill>
         <p:spPr>
           <a:xfrm>
-            <a:off x="8999862" y="2460343"/>
+            <a:off x="7712144" y="2025359"/>
             <a:ext cx="1714739" cy="457264"/>
           </a:xfrm>
           <a:prstGeom prst="rect">
@@ -6528,7 +7412,7 @@
         </p:blipFill>
         <p:spPr>
           <a:xfrm>
-            <a:off x="8999862" y="2917607"/>
+            <a:off x="7712144" y="2482623"/>
             <a:ext cx="2162061" cy="586441"/>
           </a:xfrm>
           <a:prstGeom prst="rect">
@@ -6536,6 +7420,86 @@
           </a:prstGeom>
         </p:spPr>
       </p:pic>
+      <p:sp>
+        <p:nvSpPr>
+          <p:cNvPr id="10" name="TextBox 9">
+            <a:extLst>
+              <a:ext uri="{FF2B5EF4-FFF2-40B4-BE49-F238E27FC236}">
+                <a16:creationId xmlns:a16="http://schemas.microsoft.com/office/drawing/2014/main" id="{28601CFF-E689-44D6-91FA-96AB352A3CFD}"/>
+              </a:ext>
+            </a:extLst>
+          </p:cNvPr>
+          <p:cNvSpPr txBox="1"/>
+          <p:nvPr/>
+        </p:nvSpPr>
+        <p:spPr>
+          <a:xfrm>
+            <a:off x="4286250" y="6429137"/>
+            <a:ext cx="3849131" cy="369332"/>
+          </a:xfrm>
+          <a:prstGeom prst="rect">
+            <a:avLst/>
+          </a:prstGeom>
+          <a:noFill/>
+        </p:spPr>
+        <p:txBody>
+          <a:bodyPr wrap="none" rtlCol="0">
+            <a:spAutoFit/>
+          </a:bodyPr>
+          <a:lstStyle/>
+          <a:p>
+            <a:r>
+              <a:rPr lang="uk-UA" b="1" dirty="0">
+                <a:latin typeface="Cambria" panose="02040503050406030204" pitchFamily="18" charset="0"/>
+                <a:ea typeface="Cambria" panose="02040503050406030204" pitchFamily="18" charset="0"/>
+              </a:rPr>
+              <a:t>Рисунок 6</a:t>
+            </a:r>
+            <a:r>
+              <a:rPr lang="uk-UA" dirty="0">
+                <a:latin typeface="Cambria" panose="02040503050406030204" pitchFamily="18" charset="0"/>
+                <a:ea typeface="Cambria" panose="02040503050406030204" pitchFamily="18" charset="0"/>
+              </a:rPr>
+              <a:t>. Види функцій помилки</a:t>
+            </a:r>
+          </a:p>
+        </p:txBody>
+      </p:sp>
+      <p:sp>
+        <p:nvSpPr>
+          <p:cNvPr id="11" name="TextBox 10">
+            <a:extLst>
+              <a:ext uri="{FF2B5EF4-FFF2-40B4-BE49-F238E27FC236}">
+                <a16:creationId xmlns:a16="http://schemas.microsoft.com/office/drawing/2014/main" id="{8647CCF6-0E66-4DC6-A8B9-AFCE6219CFCF}"/>
+              </a:ext>
+            </a:extLst>
+          </p:cNvPr>
+          <p:cNvSpPr txBox="1"/>
+          <p:nvPr/>
+        </p:nvSpPr>
+        <p:spPr>
+          <a:xfrm>
+            <a:off x="9949590" y="2316217"/>
+            <a:ext cx="466794" cy="369332"/>
+          </a:xfrm>
+          <a:prstGeom prst="rect">
+            <a:avLst/>
+          </a:prstGeom>
+          <a:noFill/>
+        </p:spPr>
+        <p:txBody>
+          <a:bodyPr wrap="none" rtlCol="0">
+            <a:spAutoFit/>
+          </a:bodyPr>
+          <a:lstStyle/>
+          <a:p>
+            <a:r>
+              <a:rPr lang="uk-UA" dirty="0"/>
+              <a:t>(1)</a:t>
+            </a:r>
+          </a:p>
+        </p:txBody>
+      </p:sp>
     </p:spTree>
     <p:extLst>
       <p:ext uri="{BB962C8B-B14F-4D97-AF65-F5344CB8AC3E}">
@@ -6595,7 +7559,10 @@
           <a:lstStyle/>
           <a:p>
             <a:r>
-              <a:rPr lang="uk-UA" sz="4000" dirty="0"/>
+              <a:rPr lang="uk-UA" sz="4000" dirty="0">
+                <a:latin typeface="Cambria" panose="02040503050406030204" pitchFamily="18" charset="0"/>
+                <a:ea typeface="Cambria" panose="02040503050406030204" pitchFamily="18" charset="0"/>
+              </a:rPr>
               <a:t>ЕВОЛЮЦІЙНІ НЕЙРОННІ МЕРЕЖІ</a:t>
             </a:r>
           </a:p>
@@ -6631,45 +7598,137 @@
               <a:buNone/>
             </a:pPr>
             <a:r>
-              <a:rPr lang="uk-UA" dirty="0"/>
-              <a:t>Еволюційні алгоритми – стохастичні методи оптимізації, що діють за принципами еволюції у природі;</a:t>
-            </a:r>
+              <a:rPr lang="uk-UA" dirty="0">
+                <a:latin typeface="Cambria" panose="02040503050406030204" pitchFamily="18" charset="0"/>
+                <a:ea typeface="Cambria" panose="02040503050406030204" pitchFamily="18" charset="0"/>
+              </a:rPr>
+              <a:t>Еволюційні алгоритми – стохастичні методи оптимізації, що діють за принципами еволюції у природі</a:t>
+            </a:r>
+            <a:r>
+              <a:rPr lang="en-US" dirty="0">
+                <a:latin typeface="Cambria" panose="02040503050406030204" pitchFamily="18" charset="0"/>
+                <a:ea typeface="Cambria" panose="02040503050406030204" pitchFamily="18" charset="0"/>
+              </a:rPr>
+              <a:t>.</a:t>
+            </a:r>
+            <a:endParaRPr lang="uk-UA" dirty="0">
+              <a:latin typeface="Cambria" panose="02040503050406030204" pitchFamily="18" charset="0"/>
+              <a:ea typeface="Cambria" panose="02040503050406030204" pitchFamily="18" charset="0"/>
+            </a:endParaRPr>
           </a:p>
           <a:p>
             <a:pPr marL="0" indent="0">
               <a:buNone/>
             </a:pPr>
             <a:r>
-              <a:rPr lang="uk-UA" dirty="0"/>
-              <a:t>Генетичний алгоритм – симуляція дарвінівської еволюції;</a:t>
-            </a:r>
-          </a:p>
-          <a:p>
-            <a:r>
-              <a:rPr lang="uk-UA" dirty="0"/>
-              <a:t>Популяція хромосом, кожна з яких – потенційний розв’язок задачі;</a:t>
-            </a:r>
-          </a:p>
-          <a:p>
-            <a:r>
-              <a:rPr lang="uk-UA" dirty="0"/>
+              <a:rPr lang="uk-UA" dirty="0">
+                <a:latin typeface="Cambria" panose="02040503050406030204" pitchFamily="18" charset="0"/>
+                <a:ea typeface="Cambria" panose="02040503050406030204" pitchFamily="18" charset="0"/>
+              </a:rPr>
+              <a:t>Генетичний алгоритм – симуляція дарвінівської еволюції</a:t>
+            </a:r>
+            <a:r>
+              <a:rPr lang="en-US" dirty="0">
+                <a:latin typeface="Cambria" panose="02040503050406030204" pitchFamily="18" charset="0"/>
+                <a:ea typeface="Cambria" panose="02040503050406030204" pitchFamily="18" charset="0"/>
+              </a:rPr>
+              <a:t>.</a:t>
+            </a:r>
+            <a:endParaRPr lang="uk-UA" dirty="0">
+              <a:latin typeface="Cambria" panose="02040503050406030204" pitchFamily="18" charset="0"/>
+              <a:ea typeface="Cambria" panose="02040503050406030204" pitchFamily="18" charset="0"/>
+            </a:endParaRPr>
+          </a:p>
+          <a:p>
+            <a:r>
+              <a:rPr lang="uk-UA" dirty="0">
+                <a:latin typeface="Cambria" panose="02040503050406030204" pitchFamily="18" charset="0"/>
+                <a:ea typeface="Cambria" panose="02040503050406030204" pitchFamily="18" charset="0"/>
+              </a:rPr>
+              <a:t>Популяція хромосом, кожна з яких – потенційний розв’язок задачі</a:t>
+            </a:r>
+            <a:r>
+              <a:rPr lang="en-US" dirty="0">
+                <a:latin typeface="Cambria" panose="02040503050406030204" pitchFamily="18" charset="0"/>
+                <a:ea typeface="Cambria" panose="02040503050406030204" pitchFamily="18" charset="0"/>
+              </a:rPr>
+              <a:t>.</a:t>
+            </a:r>
+            <a:endParaRPr lang="uk-UA" dirty="0">
+              <a:latin typeface="Cambria" panose="02040503050406030204" pitchFamily="18" charset="0"/>
+              <a:ea typeface="Cambria" panose="02040503050406030204" pitchFamily="18" charset="0"/>
+            </a:endParaRPr>
+          </a:p>
+          <a:p>
+            <a:r>
+              <a:rPr lang="uk-UA" dirty="0">
+                <a:latin typeface="Cambria" panose="02040503050406030204" pitchFamily="18" charset="0"/>
+                <a:ea typeface="Cambria" panose="02040503050406030204" pitchFamily="18" charset="0"/>
+              </a:rPr>
               <a:t>Схрещування – обмін генами між особинами-батьками, утворення особин-нащадків.</a:t>
             </a:r>
           </a:p>
           <a:p>
             <a:r>
-              <a:rPr lang="uk-UA" dirty="0"/>
+              <a:rPr lang="uk-UA" dirty="0">
+                <a:latin typeface="Cambria" panose="02040503050406030204" pitchFamily="18" charset="0"/>
+                <a:ea typeface="Cambria" panose="02040503050406030204" pitchFamily="18" charset="0"/>
+              </a:rPr>
               <a:t>Мутація – випадкова зміна значень певних генів, дозволяє ввести новий матеріал у популяцію.</a:t>
+            </a:r>
+          </a:p>
+        </p:txBody>
+      </p:sp>
+      <p:sp>
+        <p:nvSpPr>
+          <p:cNvPr id="4" name="Прямокутник 3">
+            <a:extLst>
+              <a:ext uri="{FF2B5EF4-FFF2-40B4-BE49-F238E27FC236}">
+                <a16:creationId xmlns:a16="http://schemas.microsoft.com/office/drawing/2014/main" id="{424136CC-408F-4A09-B243-C145F7D729C8}"/>
+              </a:ext>
+            </a:extLst>
+          </p:cNvPr>
+          <p:cNvSpPr/>
+          <p:nvPr/>
+        </p:nvSpPr>
+        <p:spPr>
+          <a:xfrm>
+            <a:off x="3361809" y="6424250"/>
+            <a:ext cx="4818948" cy="369332"/>
+          </a:xfrm>
+          <a:prstGeom prst="rect">
+            <a:avLst/>
+          </a:prstGeom>
+        </p:spPr>
+        <p:txBody>
+          <a:bodyPr wrap="none">
+            <a:spAutoFit/>
+          </a:bodyPr>
+          <a:lstStyle/>
+          <a:p>
+            <a:r>
+              <a:rPr lang="uk-UA" b="1" dirty="0">
+                <a:latin typeface="Cambria" panose="02040503050406030204" pitchFamily="18" charset="0"/>
+                <a:ea typeface="Cambria" panose="02040503050406030204" pitchFamily="18" charset="0"/>
+              </a:rPr>
+              <a:t>Рисунок 7</a:t>
+            </a:r>
+            <a:r>
+              <a:rPr lang="uk-UA" dirty="0">
+                <a:latin typeface="Cambria" panose="02040503050406030204" pitchFamily="18" charset="0"/>
+                <a:ea typeface="Cambria" panose="02040503050406030204" pitchFamily="18" charset="0"/>
+              </a:rPr>
+              <a:t>. Рівні еволюції нейронних мереж</a:t>
             </a:r>
           </a:p>
         </p:txBody>
       </p:sp>
       <p:pic>
         <p:nvPicPr>
-          <p:cNvPr id="5" name="Рисунок 4">
+          <p:cNvPr id="7" name="Рисунок 6">
             <a:extLst>
               <a:ext uri="{FF2B5EF4-FFF2-40B4-BE49-F238E27FC236}">
-                <a16:creationId xmlns:a16="http://schemas.microsoft.com/office/drawing/2014/main" id="{D1DA0C36-EEE3-4290-BE94-57CBC494429E}"/>
+                <a16:creationId xmlns:a16="http://schemas.microsoft.com/office/drawing/2014/main" id="{6DF38870-AADB-46CF-BA83-0679949A2ABA}"/>
               </a:ext>
             </a:extLst>
           </p:cNvPr>
@@ -6692,8 +7751,8 @@
         </p:blipFill>
         <p:spPr>
           <a:xfrm>
-            <a:off x="2469987" y="4793738"/>
-            <a:ext cx="7252025" cy="1566095"/>
+            <a:off x="2581275" y="4774616"/>
+            <a:ext cx="6671320" cy="1529090"/>
           </a:xfrm>
           <a:prstGeom prst="rect">
             <a:avLst/>
@@ -6738,151 +7797,6 @@
           <a:chExt cx="0" cy="0"/>
         </a:xfrm>
       </p:grpSpPr>
-      <p:sp>
-        <p:nvSpPr>
-          <p:cNvPr id="2" name="Заголовок 1">
-            <a:extLst>
-              <a:ext uri="{FF2B5EF4-FFF2-40B4-BE49-F238E27FC236}">
-                <a16:creationId xmlns:a16="http://schemas.microsoft.com/office/drawing/2014/main" id="{17BB3036-A331-42A5-8124-11D84EA85ED8}"/>
-              </a:ext>
-            </a:extLst>
-          </p:cNvPr>
-          <p:cNvSpPr>
-            <a:spLocks noGrp="1"/>
-          </p:cNvSpPr>
-          <p:nvPr>
-            <p:ph type="title"/>
-          </p:nvPr>
-        </p:nvSpPr>
-        <p:spPr/>
-        <p:txBody>
-          <a:bodyPr>
-            <a:normAutofit/>
-          </a:bodyPr>
-          <a:lstStyle/>
-          <a:p>
-            <a:r>
-              <a:rPr lang="uk-UA" dirty="0"/>
-              <a:t>ПРИКЛАДНА ЗАДАЧА</a:t>
-            </a:r>
-          </a:p>
-        </p:txBody>
-      </p:sp>
-      <p:sp>
-        <p:nvSpPr>
-          <p:cNvPr id="3" name="Місце для вмісту 2">
-            <a:extLst>
-              <a:ext uri="{FF2B5EF4-FFF2-40B4-BE49-F238E27FC236}">
-                <a16:creationId xmlns:a16="http://schemas.microsoft.com/office/drawing/2014/main" id="{0DF8A4FD-A801-49D2-8DC0-C3571765587F}"/>
-              </a:ext>
-            </a:extLst>
-          </p:cNvPr>
-          <p:cNvSpPr>
-            <a:spLocks noGrp="1"/>
-          </p:cNvSpPr>
-          <p:nvPr>
-            <p:ph idx="1"/>
-          </p:nvPr>
-        </p:nvSpPr>
-        <p:spPr>
-          <a:xfrm>
-            <a:off x="1261872" y="1933575"/>
-            <a:ext cx="9781997" cy="4246562"/>
-          </a:xfrm>
-        </p:spPr>
-        <p:txBody>
-          <a:bodyPr>
-            <a:normAutofit/>
-          </a:bodyPr>
-          <a:lstStyle/>
-          <a:p>
-            <a:pPr marL="0" indent="0">
-              <a:buNone/>
-            </a:pPr>
-            <a:r>
-              <a:rPr lang="uk-UA" dirty="0"/>
-              <a:t>Задача про визначення швидкості росту втомних тріщин;</a:t>
-            </a:r>
-          </a:p>
-          <a:p>
-            <a:pPr marL="0" indent="0">
-              <a:buNone/>
-            </a:pPr>
-            <a:r>
-              <a:rPr lang="uk-UA" dirty="0"/>
-              <a:t>Причини появи та росту втомних тріщин – невеликі дефекти чи тріщини, наявні з самого початку чи такі, що з’явились у процесі роботи;</a:t>
-            </a:r>
-          </a:p>
-          <a:p>
-            <a:pPr marL="0" indent="0">
-              <a:buNone/>
-            </a:pPr>
-            <a:r>
-              <a:rPr lang="uk-UA" dirty="0"/>
-              <a:t>Виникнення стається через </a:t>
-            </a:r>
-            <a:r>
-              <a:rPr lang="uk-UA" dirty="0" err="1"/>
-              <a:t>узаємне</a:t>
-            </a:r>
-            <a:r>
-              <a:rPr lang="uk-UA" dirty="0"/>
-              <a:t> зміщення берегів тріщини;</a:t>
-            </a:r>
-          </a:p>
-          <a:p>
-            <a:pPr marL="0" indent="0">
-              <a:buNone/>
-            </a:pPr>
-            <a:r>
-              <a:rPr lang="uk-UA" dirty="0"/>
-              <a:t>Моделі задачі:</a:t>
-            </a:r>
-          </a:p>
-          <a:p>
-            <a:r>
-              <a:rPr lang="uk-UA" dirty="0"/>
-              <a:t>Закон </a:t>
-            </a:r>
-            <a:r>
-              <a:rPr lang="uk-UA" dirty="0" err="1"/>
-              <a:t>Періса</a:t>
-            </a:r>
-            <a:r>
-              <a:rPr lang="uk-UA" dirty="0"/>
-              <a:t>;</a:t>
-            </a:r>
-          </a:p>
-          <a:p>
-            <a:r>
-              <a:rPr lang="uk-UA" dirty="0"/>
-              <a:t>Закон </a:t>
-            </a:r>
-            <a:r>
-              <a:rPr lang="uk-UA" dirty="0" err="1"/>
-              <a:t>Вокера</a:t>
-            </a:r>
-            <a:r>
-              <a:rPr lang="uk-UA" dirty="0"/>
-              <a:t>;</a:t>
-            </a:r>
-          </a:p>
-          <a:p>
-            <a:r>
-              <a:rPr lang="uk-UA" dirty="0"/>
-              <a:t>Модель </a:t>
-            </a:r>
-            <a:r>
-              <a:rPr lang="uk-UA" dirty="0" err="1"/>
-              <a:t>Формана</a:t>
-            </a:r>
-            <a:r>
-              <a:rPr lang="uk-UA" dirty="0"/>
-              <a:t>.</a:t>
-            </a:r>
-          </a:p>
-        </p:txBody>
-      </p:sp>
       <p:pic>
         <p:nvPicPr>
           <p:cNvPr id="6" name="Рисунок 5">
@@ -6904,8 +7818,8 @@
         </p:blipFill>
         <p:spPr bwMode="auto">
           <a:xfrm>
-            <a:off x="5203634" y="3664568"/>
-            <a:ext cx="5840235" cy="3113420"/>
+            <a:off x="5908484" y="3152775"/>
+            <a:ext cx="5374227" cy="2864992"/>
           </a:xfrm>
           <a:prstGeom prst="rect">
             <a:avLst/>
@@ -6917,6 +7831,865 @@
           </a:extLst>
         </p:spPr>
       </p:pic>
+      <p:sp>
+        <p:nvSpPr>
+          <p:cNvPr id="2" name="Заголовок 1">
+            <a:extLst>
+              <a:ext uri="{FF2B5EF4-FFF2-40B4-BE49-F238E27FC236}">
+                <a16:creationId xmlns:a16="http://schemas.microsoft.com/office/drawing/2014/main" id="{17BB3036-A331-42A5-8124-11D84EA85ED8}"/>
+              </a:ext>
+            </a:extLst>
+          </p:cNvPr>
+          <p:cNvSpPr>
+            <a:spLocks noGrp="1"/>
+          </p:cNvSpPr>
+          <p:nvPr>
+            <p:ph type="title"/>
+          </p:nvPr>
+        </p:nvSpPr>
+        <p:spPr/>
+        <p:txBody>
+          <a:bodyPr>
+            <a:normAutofit/>
+          </a:bodyPr>
+          <a:lstStyle/>
+          <a:p>
+            <a:r>
+              <a:rPr lang="uk-UA" dirty="0">
+                <a:latin typeface="Cambria" panose="02040503050406030204" pitchFamily="18" charset="0"/>
+                <a:ea typeface="Cambria" panose="02040503050406030204" pitchFamily="18" charset="0"/>
+              </a:rPr>
+              <a:t>ПРИКЛАДНА ЗАДАЧА</a:t>
+            </a:r>
+          </a:p>
+        </p:txBody>
+      </p:sp>
+      <mc:AlternateContent xmlns:mc="http://schemas.openxmlformats.org/markup-compatibility/2006">
+        <mc:Choice xmlns:a14="http://schemas.microsoft.com/office/drawing/2010/main" Requires="a14">
+          <p:sp>
+            <p:nvSpPr>
+              <p:cNvPr id="3" name="Місце для вмісту 2">
+                <a:extLst>
+                  <a:ext uri="{FF2B5EF4-FFF2-40B4-BE49-F238E27FC236}">
+                    <a16:creationId xmlns:a16="http://schemas.microsoft.com/office/drawing/2014/main" id="{0DF8A4FD-A801-49D2-8DC0-C3571765587F}"/>
+                  </a:ext>
+                </a:extLst>
+              </p:cNvPr>
+              <p:cNvSpPr>
+                <a:spLocks noGrp="1"/>
+              </p:cNvSpPr>
+              <p:nvPr>
+                <p:ph idx="1"/>
+              </p:nvPr>
+            </p:nvSpPr>
+            <p:spPr>
+              <a:xfrm>
+                <a:off x="312635" y="1812226"/>
+                <a:ext cx="9212365" cy="4246562"/>
+              </a:xfrm>
+            </p:spPr>
+            <p:txBody>
+              <a:bodyPr>
+                <a:normAutofit/>
+              </a:bodyPr>
+              <a:lstStyle/>
+              <a:p>
+                <a:pPr marL="0" indent="0" algn="ctr">
+                  <a:buNone/>
+                </a:pPr>
+                <a:r>
+                  <a:rPr lang="uk-UA" dirty="0">
+                    <a:latin typeface="Cambria" panose="02040503050406030204" pitchFamily="18" charset="0"/>
+                    <a:ea typeface="Cambria" panose="02040503050406030204" pitchFamily="18" charset="0"/>
+                  </a:rPr>
+                  <a:t>Задача про визначення швидкості росту втомних тріщин</a:t>
+                </a:r>
+              </a:p>
+              <a:p>
+                <a:pPr marL="0" indent="0">
+                  <a:buNone/>
+                </a:pPr>
+                <a:r>
+                  <a:rPr lang="uk-UA" dirty="0">
+                    <a:latin typeface="Cambria" panose="02040503050406030204" pitchFamily="18" charset="0"/>
+                    <a:ea typeface="Cambria" panose="02040503050406030204" pitchFamily="18" charset="0"/>
+                  </a:rPr>
+                  <a:t>Причини появи та росту втомних тріщин – невеликі дефекти чи тріщини, наявні з самого початку чи такі, що з’явились у процесі роботи.</a:t>
+                </a:r>
+              </a:p>
+              <a:p>
+                <a:pPr marL="0" indent="0">
+                  <a:buNone/>
+                </a:pPr>
+                <a:r>
+                  <a:rPr lang="uk-UA" dirty="0">
+                    <a:latin typeface="Cambria" panose="02040503050406030204" pitchFamily="18" charset="0"/>
+                    <a:ea typeface="Cambria" panose="02040503050406030204" pitchFamily="18" charset="0"/>
+                  </a:rPr>
+                  <a:t>Моделі:</a:t>
+                </a:r>
+              </a:p>
+              <a:p>
+                <a:r>
+                  <a:rPr lang="uk-UA" dirty="0">
+                    <a:latin typeface="Cambria" panose="02040503050406030204" pitchFamily="18" charset="0"/>
+                    <a:ea typeface="Cambria" panose="02040503050406030204" pitchFamily="18" charset="0"/>
+                  </a:rPr>
+                  <a:t>Закон </a:t>
+                </a:r>
+                <a:r>
+                  <a:rPr lang="uk-UA" dirty="0" err="1">
+                    <a:latin typeface="Cambria" panose="02040503050406030204" pitchFamily="18" charset="0"/>
+                    <a:ea typeface="Cambria" panose="02040503050406030204" pitchFamily="18" charset="0"/>
+                  </a:rPr>
+                  <a:t>Періса</a:t>
+                </a:r>
+                <a:r>
+                  <a:rPr lang="uk-UA" dirty="0">
+                    <a:latin typeface="Cambria" panose="02040503050406030204" pitchFamily="18" charset="0"/>
+                    <a:ea typeface="Cambria" panose="02040503050406030204" pitchFamily="18" charset="0"/>
+                  </a:rPr>
+                  <a:t>: </a:t>
+                </a:r>
+                <a14:m>
+                  <m:oMath xmlns:m="http://schemas.openxmlformats.org/officeDocument/2006/math">
+                    <m:f>
+                      <m:fPr>
+                        <m:ctrlPr>
+                          <a:rPr lang="uk-UA" i="1">
+                            <a:latin typeface="Cambria Math" panose="02040503050406030204" pitchFamily="18" charset="0"/>
+                          </a:rPr>
+                        </m:ctrlPr>
+                      </m:fPr>
+                      <m:num>
+                        <m:r>
+                          <a:rPr lang="uk-UA" i="1">
+                            <a:latin typeface="Cambria Math" panose="02040503050406030204" pitchFamily="18" charset="0"/>
+                          </a:rPr>
+                          <m:t>𝑑𝑎</m:t>
+                        </m:r>
+                      </m:num>
+                      <m:den>
+                        <m:r>
+                          <a:rPr lang="uk-UA" i="1">
+                            <a:latin typeface="Cambria Math" panose="02040503050406030204" pitchFamily="18" charset="0"/>
+                          </a:rPr>
+                          <m:t>𝑑𝑁</m:t>
+                        </m:r>
+                      </m:den>
+                    </m:f>
+                    <m:r>
+                      <a:rPr lang="uk-UA">
+                        <a:latin typeface="Cambria Math" panose="02040503050406030204" pitchFamily="18" charset="0"/>
+                      </a:rPr>
+                      <m:t>=</m:t>
+                    </m:r>
+                    <m:r>
+                      <a:rPr lang="uk-UA" i="1">
+                        <a:latin typeface="Cambria Math" panose="02040503050406030204" pitchFamily="18" charset="0"/>
+                      </a:rPr>
+                      <m:t>𝐶</m:t>
+                    </m:r>
+                    <m:r>
+                      <m:rPr>
+                        <m:sty m:val="p"/>
+                      </m:rPr>
+                      <a:rPr lang="uk-UA">
+                        <a:latin typeface="Cambria Math" panose="02040503050406030204" pitchFamily="18" charset="0"/>
+                      </a:rPr>
+                      <m:t>Δ</m:t>
+                    </m:r>
+                    <m:sSup>
+                      <m:sSupPr>
+                        <m:ctrlPr>
+                          <a:rPr lang="uk-UA" i="1">
+                            <a:latin typeface="Cambria Math" panose="02040503050406030204" pitchFamily="18" charset="0"/>
+                          </a:rPr>
+                        </m:ctrlPr>
+                      </m:sSupPr>
+                      <m:e>
+                        <m:r>
+                          <a:rPr lang="uk-UA" i="1">
+                            <a:latin typeface="Cambria Math" panose="02040503050406030204" pitchFamily="18" charset="0"/>
+                          </a:rPr>
+                          <m:t>𝐾</m:t>
+                        </m:r>
+                      </m:e>
+                      <m:sup>
+                        <m:r>
+                          <a:rPr lang="uk-UA" i="1">
+                            <a:latin typeface="Cambria Math" panose="02040503050406030204" pitchFamily="18" charset="0"/>
+                          </a:rPr>
+                          <m:t>𝑚</m:t>
+                        </m:r>
+                      </m:sup>
+                    </m:sSup>
+                    <m:r>
+                      <a:rPr lang="uk-UA">
+                        <a:latin typeface="Cambria Math" panose="02040503050406030204" pitchFamily="18" charset="0"/>
+                      </a:rPr>
+                      <m:t>, </m:t>
+                    </m:r>
+                    <m:r>
+                      <m:rPr>
+                        <m:sty m:val="p"/>
+                      </m:rPr>
+                      <a:rPr lang="uk-UA">
+                        <a:latin typeface="Cambria Math" panose="02040503050406030204" pitchFamily="18" charset="0"/>
+                      </a:rPr>
+                      <m:t>Δ</m:t>
+                    </m:r>
+                    <m:sSub>
+                      <m:sSubPr>
+                        <m:ctrlPr>
+                          <a:rPr lang="uk-UA" i="1">
+                            <a:latin typeface="Cambria Math" panose="02040503050406030204" pitchFamily="18" charset="0"/>
+                          </a:rPr>
+                        </m:ctrlPr>
+                      </m:sSubPr>
+                      <m:e>
+                        <m:r>
+                          <a:rPr lang="uk-UA" i="1">
+                            <a:latin typeface="Cambria Math" panose="02040503050406030204" pitchFamily="18" charset="0"/>
+                          </a:rPr>
+                          <m:t>𝐾</m:t>
+                        </m:r>
+                      </m:e>
+                      <m:sub>
+                        <m:r>
+                          <a:rPr lang="uk-UA">
+                            <a:latin typeface="Cambria Math" panose="02040503050406030204" pitchFamily="18" charset="0"/>
+                          </a:rPr>
+                          <m:t>порогове</m:t>
+                        </m:r>
+                      </m:sub>
+                    </m:sSub>
+                    <m:r>
+                      <a:rPr lang="uk-UA">
+                        <a:latin typeface="Cambria Math" panose="02040503050406030204" pitchFamily="18" charset="0"/>
+                      </a:rPr>
+                      <m:t>&lt;</m:t>
+                    </m:r>
+                    <m:r>
+                      <m:rPr>
+                        <m:sty m:val="p"/>
+                      </m:rPr>
+                      <a:rPr lang="uk-UA">
+                        <a:latin typeface="Cambria Math" panose="02040503050406030204" pitchFamily="18" charset="0"/>
+                      </a:rPr>
+                      <m:t>Δ</m:t>
+                    </m:r>
+                    <m:r>
+                      <a:rPr lang="uk-UA" i="1">
+                        <a:latin typeface="Cambria Math" panose="02040503050406030204" pitchFamily="18" charset="0"/>
+                      </a:rPr>
+                      <m:t>𝐾</m:t>
+                    </m:r>
+                    <m:r>
+                      <a:rPr lang="uk-UA">
+                        <a:latin typeface="Cambria Math" panose="02040503050406030204" pitchFamily="18" charset="0"/>
+                      </a:rPr>
+                      <m:t>&lt;</m:t>
+                    </m:r>
+                    <m:sSub>
+                      <m:sSubPr>
+                        <m:ctrlPr>
+                          <a:rPr lang="uk-UA" i="1">
+                            <a:latin typeface="Cambria Math" panose="02040503050406030204" pitchFamily="18" charset="0"/>
+                          </a:rPr>
+                        </m:ctrlPr>
+                      </m:sSubPr>
+                      <m:e>
+                        <m:r>
+                          <a:rPr lang="uk-UA" i="1">
+                            <a:latin typeface="Cambria Math" panose="02040503050406030204" pitchFamily="18" charset="0"/>
+                          </a:rPr>
+                          <m:t>𝐾</m:t>
+                        </m:r>
+                      </m:e>
+                      <m:sub>
+                        <m:r>
+                          <a:rPr lang="uk-UA" i="1">
+                            <a:latin typeface="Cambria Math" panose="02040503050406030204" pitchFamily="18" charset="0"/>
+                          </a:rPr>
+                          <m:t>𝐼𝑐</m:t>
+                        </m:r>
+                      </m:sub>
+                    </m:sSub>
+                  </m:oMath>
+                </a14:m>
+                <a:r>
+                  <a:rPr lang="uk-UA" dirty="0">
+                    <a:latin typeface="Cambria" panose="02040503050406030204" pitchFamily="18" charset="0"/>
+                    <a:ea typeface="Cambria" panose="02040503050406030204" pitchFamily="18" charset="0"/>
+                  </a:rPr>
+                  <a:t>;</a:t>
+                </a:r>
+              </a:p>
+              <a:p>
+                <a:r>
+                  <a:rPr lang="uk-UA" dirty="0">
+                    <a:latin typeface="Cambria" panose="02040503050406030204" pitchFamily="18" charset="0"/>
+                    <a:ea typeface="Cambria" panose="02040503050406030204" pitchFamily="18" charset="0"/>
+                  </a:rPr>
+                  <a:t>Закон </a:t>
+                </a:r>
+                <a:r>
+                  <a:rPr lang="uk-UA" dirty="0" err="1">
+                    <a:latin typeface="Cambria" panose="02040503050406030204" pitchFamily="18" charset="0"/>
+                    <a:ea typeface="Cambria" panose="02040503050406030204" pitchFamily="18" charset="0"/>
+                  </a:rPr>
+                  <a:t>Вокера</a:t>
+                </a:r>
+                <a:r>
+                  <a:rPr lang="uk-UA" dirty="0">
+                    <a:latin typeface="Cambria" panose="02040503050406030204" pitchFamily="18" charset="0"/>
+                    <a:ea typeface="Cambria" panose="02040503050406030204" pitchFamily="18" charset="0"/>
+                  </a:rPr>
+                  <a:t>: </a:t>
+                </a:r>
+                <a14:m>
+                  <m:oMath xmlns:m="http://schemas.openxmlformats.org/officeDocument/2006/math">
+                    <m:f>
+                      <m:fPr>
+                        <m:ctrlPr>
+                          <a:rPr lang="uk-UA" i="1">
+                            <a:latin typeface="Cambria Math" panose="02040503050406030204" pitchFamily="18" charset="0"/>
+                          </a:rPr>
+                        </m:ctrlPr>
+                      </m:fPr>
+                      <m:num>
+                        <m:r>
+                          <a:rPr lang="uk-UA" i="1">
+                            <a:latin typeface="Cambria Math" panose="02040503050406030204" pitchFamily="18" charset="0"/>
+                          </a:rPr>
+                          <m:t>𝑑𝑎</m:t>
+                        </m:r>
+                      </m:num>
+                      <m:den>
+                        <m:r>
+                          <a:rPr lang="uk-UA" i="1">
+                            <a:latin typeface="Cambria Math" panose="02040503050406030204" pitchFamily="18" charset="0"/>
+                          </a:rPr>
+                          <m:t>𝑑𝑁</m:t>
+                        </m:r>
+                      </m:den>
+                    </m:f>
+                    <m:r>
+                      <a:rPr lang="uk-UA">
+                        <a:latin typeface="Cambria Math" panose="02040503050406030204" pitchFamily="18" charset="0"/>
+                      </a:rPr>
+                      <m:t>=</m:t>
+                    </m:r>
+                    <m:sSub>
+                      <m:sSubPr>
+                        <m:ctrlPr>
+                          <a:rPr lang="uk-UA" i="1">
+                            <a:latin typeface="Cambria Math" panose="02040503050406030204" pitchFamily="18" charset="0"/>
+                          </a:rPr>
+                        </m:ctrlPr>
+                      </m:sSubPr>
+                      <m:e>
+                        <m:r>
+                          <a:rPr lang="uk-UA" i="1">
+                            <a:latin typeface="Cambria Math" panose="02040503050406030204" pitchFamily="18" charset="0"/>
+                          </a:rPr>
+                          <m:t>𝐶</m:t>
+                        </m:r>
+                      </m:e>
+                      <m:sub>
+                        <m:r>
+                          <a:rPr lang="uk-UA" i="1">
+                            <a:latin typeface="Cambria Math" panose="02040503050406030204" pitchFamily="18" charset="0"/>
+                          </a:rPr>
+                          <m:t>𝑊</m:t>
+                        </m:r>
+                      </m:sub>
+                    </m:sSub>
+                    <m:sSup>
+                      <m:sSupPr>
+                        <m:ctrlPr>
+                          <a:rPr lang="uk-UA" i="1">
+                            <a:latin typeface="Cambria Math" panose="02040503050406030204" pitchFamily="18" charset="0"/>
+                          </a:rPr>
+                        </m:ctrlPr>
+                      </m:sSupPr>
+                      <m:e>
+                        <m:d>
+                          <m:dPr>
+                            <m:ctrlPr>
+                              <a:rPr lang="uk-UA" i="1">
+                                <a:latin typeface="Cambria Math" panose="02040503050406030204" pitchFamily="18" charset="0"/>
+                              </a:rPr>
+                            </m:ctrlPr>
+                          </m:dPr>
+                          <m:e>
+                            <m:f>
+                              <m:fPr>
+                                <m:ctrlPr>
+                                  <a:rPr lang="uk-UA" i="1">
+                                    <a:latin typeface="Cambria Math" panose="02040503050406030204" pitchFamily="18" charset="0"/>
+                                  </a:rPr>
+                                </m:ctrlPr>
+                              </m:fPr>
+                              <m:num>
+                                <m:r>
+                                  <m:rPr>
+                                    <m:sty m:val="p"/>
+                                  </m:rPr>
+                                  <a:rPr lang="uk-UA">
+                                    <a:latin typeface="Cambria Math" panose="02040503050406030204" pitchFamily="18" charset="0"/>
+                                  </a:rPr>
+                                  <m:t>Δ</m:t>
+                                </m:r>
+                                <m:r>
+                                  <a:rPr lang="uk-UA" i="1">
+                                    <a:latin typeface="Cambria Math" panose="02040503050406030204" pitchFamily="18" charset="0"/>
+                                  </a:rPr>
+                                  <m:t>𝐾</m:t>
+                                </m:r>
+                              </m:num>
+                              <m:den>
+                                <m:sSup>
+                                  <m:sSupPr>
+                                    <m:ctrlPr>
+                                      <a:rPr lang="uk-UA" i="1">
+                                        <a:latin typeface="Cambria Math" panose="02040503050406030204" pitchFamily="18" charset="0"/>
+                                      </a:rPr>
+                                    </m:ctrlPr>
+                                  </m:sSupPr>
+                                  <m:e>
+                                    <m:d>
+                                      <m:dPr>
+                                        <m:ctrlPr>
+                                          <a:rPr lang="uk-UA" i="1">
+                                            <a:latin typeface="Cambria Math" panose="02040503050406030204" pitchFamily="18" charset="0"/>
+                                          </a:rPr>
+                                        </m:ctrlPr>
+                                      </m:dPr>
+                                      <m:e>
+                                        <m:r>
+                                          <a:rPr lang="uk-UA">
+                                            <a:latin typeface="Cambria Math" panose="02040503050406030204" pitchFamily="18" charset="0"/>
+                                          </a:rPr>
+                                          <m:t>1−</m:t>
+                                        </m:r>
+                                        <m:r>
+                                          <a:rPr lang="uk-UA" i="1">
+                                            <a:latin typeface="Cambria Math" panose="02040503050406030204" pitchFamily="18" charset="0"/>
+                                          </a:rPr>
+                                          <m:t>𝑅</m:t>
+                                        </m:r>
+                                      </m:e>
+                                    </m:d>
+                                  </m:e>
+                                  <m:sup>
+                                    <m:r>
+                                      <a:rPr lang="uk-UA">
+                                        <a:latin typeface="Cambria Math" panose="02040503050406030204" pitchFamily="18" charset="0"/>
+                                      </a:rPr>
+                                      <m:t>1−</m:t>
+                                    </m:r>
+                                    <m:sSub>
+                                      <m:sSubPr>
+                                        <m:ctrlPr>
+                                          <a:rPr lang="uk-UA" i="1">
+                                            <a:latin typeface="Cambria Math" panose="02040503050406030204" pitchFamily="18" charset="0"/>
+                                          </a:rPr>
+                                        </m:ctrlPr>
+                                      </m:sSubPr>
+                                      <m:e>
+                                        <m:r>
+                                          <m:rPr>
+                                            <m:sty m:val="p"/>
+                                          </m:rPr>
+                                          <a:rPr lang="uk-UA">
+                                            <a:latin typeface="Cambria Math" panose="02040503050406030204" pitchFamily="18" charset="0"/>
+                                          </a:rPr>
+                                          <m:t>γ</m:t>
+                                        </m:r>
+                                      </m:e>
+                                      <m:sub>
+                                        <m:r>
+                                          <a:rPr lang="uk-UA" i="1">
+                                            <a:latin typeface="Cambria Math" panose="02040503050406030204" pitchFamily="18" charset="0"/>
+                                          </a:rPr>
+                                          <m:t>𝑊</m:t>
+                                        </m:r>
+                                      </m:sub>
+                                    </m:sSub>
+                                  </m:sup>
+                                </m:sSup>
+                              </m:den>
+                            </m:f>
+                          </m:e>
+                        </m:d>
+                      </m:e>
+                      <m:sup>
+                        <m:sSub>
+                          <m:sSubPr>
+                            <m:ctrlPr>
+                              <a:rPr lang="uk-UA" i="1">
+                                <a:latin typeface="Cambria Math" panose="02040503050406030204" pitchFamily="18" charset="0"/>
+                              </a:rPr>
+                            </m:ctrlPr>
+                          </m:sSubPr>
+                          <m:e>
+                            <m:r>
+                              <a:rPr lang="uk-UA" i="1">
+                                <a:latin typeface="Cambria Math" panose="02040503050406030204" pitchFamily="18" charset="0"/>
+                              </a:rPr>
+                              <m:t>𝑚</m:t>
+                            </m:r>
+                          </m:e>
+                          <m:sub>
+                            <m:r>
+                              <a:rPr lang="uk-UA" i="1">
+                                <a:latin typeface="Cambria Math" panose="02040503050406030204" pitchFamily="18" charset="0"/>
+                              </a:rPr>
+                              <m:t>𝑊</m:t>
+                            </m:r>
+                          </m:sub>
+                        </m:sSub>
+                      </m:sup>
+                    </m:sSup>
+                  </m:oMath>
+                </a14:m>
+                <a:r>
+                  <a:rPr lang="uk-UA" dirty="0">
+                    <a:latin typeface="Cambria" panose="02040503050406030204" pitchFamily="18" charset="0"/>
+                    <a:ea typeface="Cambria" panose="02040503050406030204" pitchFamily="18" charset="0"/>
+                  </a:rPr>
+                  <a:t>;</a:t>
+                </a:r>
+              </a:p>
+              <a:p>
+                <a:r>
+                  <a:rPr lang="uk-UA" dirty="0">
+                    <a:latin typeface="Cambria" panose="02040503050406030204" pitchFamily="18" charset="0"/>
+                    <a:ea typeface="Cambria" panose="02040503050406030204" pitchFamily="18" charset="0"/>
+                  </a:rPr>
+                  <a:t>Модель </a:t>
+                </a:r>
+                <a:r>
+                  <a:rPr lang="uk-UA" dirty="0" err="1">
+                    <a:latin typeface="Cambria" panose="02040503050406030204" pitchFamily="18" charset="0"/>
+                    <a:ea typeface="Cambria" panose="02040503050406030204" pitchFamily="18" charset="0"/>
+                  </a:rPr>
+                  <a:t>Формана</a:t>
+                </a:r>
+                <a:r>
+                  <a:rPr lang="uk-UA" dirty="0">
+                    <a:latin typeface="Cambria" panose="02040503050406030204" pitchFamily="18" charset="0"/>
+                    <a:ea typeface="Cambria" panose="02040503050406030204" pitchFamily="18" charset="0"/>
+                  </a:rPr>
+                  <a:t>: </a:t>
+                </a:r>
+                <a14:m>
+                  <m:oMath xmlns:m="http://schemas.openxmlformats.org/officeDocument/2006/math">
+                    <m:f>
+                      <m:fPr>
+                        <m:ctrlPr>
+                          <a:rPr lang="uk-UA" i="1">
+                            <a:latin typeface="Cambria Math" panose="02040503050406030204" pitchFamily="18" charset="0"/>
+                          </a:rPr>
+                        </m:ctrlPr>
+                      </m:fPr>
+                      <m:num>
+                        <m:r>
+                          <a:rPr lang="uk-UA" i="1">
+                            <a:latin typeface="Cambria Math" panose="02040503050406030204" pitchFamily="18" charset="0"/>
+                          </a:rPr>
+                          <m:t>𝑑𝑎</m:t>
+                        </m:r>
+                      </m:num>
+                      <m:den>
+                        <m:r>
+                          <a:rPr lang="uk-UA" i="1">
+                            <a:latin typeface="Cambria Math" panose="02040503050406030204" pitchFamily="18" charset="0"/>
+                          </a:rPr>
+                          <m:t>𝑑𝑁</m:t>
+                        </m:r>
+                      </m:den>
+                    </m:f>
+                    <m:r>
+                      <a:rPr lang="uk-UA">
+                        <a:latin typeface="Cambria Math" panose="02040503050406030204" pitchFamily="18" charset="0"/>
+                      </a:rPr>
+                      <m:t>=</m:t>
+                    </m:r>
+                    <m:f>
+                      <m:fPr>
+                        <m:ctrlPr>
+                          <a:rPr lang="uk-UA" i="1">
+                            <a:latin typeface="Cambria Math" panose="02040503050406030204" pitchFamily="18" charset="0"/>
+                          </a:rPr>
+                        </m:ctrlPr>
+                      </m:fPr>
+                      <m:num>
+                        <m:sSub>
+                          <m:sSubPr>
+                            <m:ctrlPr>
+                              <a:rPr lang="uk-UA" i="1">
+                                <a:latin typeface="Cambria Math" panose="02040503050406030204" pitchFamily="18" charset="0"/>
+                              </a:rPr>
+                            </m:ctrlPr>
+                          </m:sSubPr>
+                          <m:e>
+                            <m:r>
+                              <a:rPr lang="uk-UA" i="1">
+                                <a:latin typeface="Cambria Math" panose="02040503050406030204" pitchFamily="18" charset="0"/>
+                              </a:rPr>
+                              <m:t>𝐶</m:t>
+                            </m:r>
+                          </m:e>
+                          <m:sub>
+                            <m:r>
+                              <a:rPr lang="uk-UA" i="1">
+                                <a:latin typeface="Cambria Math" panose="02040503050406030204" pitchFamily="18" charset="0"/>
+                              </a:rPr>
+                              <m:t>𝐹</m:t>
+                            </m:r>
+                          </m:sub>
+                        </m:sSub>
+                        <m:sSup>
+                          <m:sSupPr>
+                            <m:ctrlPr>
+                              <a:rPr lang="uk-UA" i="1">
+                                <a:latin typeface="Cambria Math" panose="02040503050406030204" pitchFamily="18" charset="0"/>
+                              </a:rPr>
+                            </m:ctrlPr>
+                          </m:sSupPr>
+                          <m:e>
+                            <m:d>
+                              <m:dPr>
+                                <m:ctrlPr>
+                                  <a:rPr lang="uk-UA" i="1">
+                                    <a:latin typeface="Cambria Math" panose="02040503050406030204" pitchFamily="18" charset="0"/>
+                                  </a:rPr>
+                                </m:ctrlPr>
+                              </m:dPr>
+                              <m:e>
+                                <m:r>
+                                  <m:rPr>
+                                    <m:sty m:val="p"/>
+                                  </m:rPr>
+                                  <a:rPr lang="uk-UA">
+                                    <a:latin typeface="Cambria Math" panose="02040503050406030204" pitchFamily="18" charset="0"/>
+                                  </a:rPr>
+                                  <m:t>Δ</m:t>
+                                </m:r>
+                                <m:r>
+                                  <a:rPr lang="uk-UA" i="1">
+                                    <a:latin typeface="Cambria Math" panose="02040503050406030204" pitchFamily="18" charset="0"/>
+                                  </a:rPr>
+                                  <m:t>𝐾</m:t>
+                                </m:r>
+                              </m:e>
+                            </m:d>
+                          </m:e>
+                          <m:sup>
+                            <m:sSub>
+                              <m:sSubPr>
+                                <m:ctrlPr>
+                                  <a:rPr lang="uk-UA" i="1">
+                                    <a:latin typeface="Cambria Math" panose="02040503050406030204" pitchFamily="18" charset="0"/>
+                                  </a:rPr>
+                                </m:ctrlPr>
+                              </m:sSubPr>
+                              <m:e>
+                                <m:r>
+                                  <a:rPr lang="uk-UA" i="1">
+                                    <a:latin typeface="Cambria Math" panose="02040503050406030204" pitchFamily="18" charset="0"/>
+                                  </a:rPr>
+                                  <m:t>𝑚</m:t>
+                                </m:r>
+                              </m:e>
+                              <m:sub>
+                                <m:r>
+                                  <a:rPr lang="uk-UA" i="1">
+                                    <a:latin typeface="Cambria Math" panose="02040503050406030204" pitchFamily="18" charset="0"/>
+                                  </a:rPr>
+                                  <m:t>𝐹</m:t>
+                                </m:r>
+                              </m:sub>
+                            </m:sSub>
+                          </m:sup>
+                        </m:sSup>
+                      </m:num>
+                      <m:den>
+                        <m:d>
+                          <m:dPr>
+                            <m:ctrlPr>
+                              <a:rPr lang="uk-UA" i="1">
+                                <a:latin typeface="Cambria Math" panose="02040503050406030204" pitchFamily="18" charset="0"/>
+                              </a:rPr>
+                            </m:ctrlPr>
+                          </m:dPr>
+                          <m:e>
+                            <m:r>
+                              <a:rPr lang="uk-UA">
+                                <a:latin typeface="Cambria Math" panose="02040503050406030204" pitchFamily="18" charset="0"/>
+                              </a:rPr>
+                              <m:t>1−</m:t>
+                            </m:r>
+                            <m:r>
+                              <a:rPr lang="uk-UA" i="1">
+                                <a:latin typeface="Cambria Math" panose="02040503050406030204" pitchFamily="18" charset="0"/>
+                              </a:rPr>
+                              <m:t>𝑅</m:t>
+                            </m:r>
+                          </m:e>
+                        </m:d>
+                        <m:sSub>
+                          <m:sSubPr>
+                            <m:ctrlPr>
+                              <a:rPr lang="uk-UA" i="1">
+                                <a:latin typeface="Cambria Math" panose="02040503050406030204" pitchFamily="18" charset="0"/>
+                              </a:rPr>
+                            </m:ctrlPr>
+                          </m:sSubPr>
+                          <m:e>
+                            <m:r>
+                              <a:rPr lang="uk-UA" i="1">
+                                <a:latin typeface="Cambria Math" panose="02040503050406030204" pitchFamily="18" charset="0"/>
+                              </a:rPr>
+                              <m:t>𝐾</m:t>
+                            </m:r>
+                          </m:e>
+                          <m:sub>
+                            <m:r>
+                              <a:rPr lang="uk-UA" i="1">
+                                <a:latin typeface="Cambria Math" panose="02040503050406030204" pitchFamily="18" charset="0"/>
+                              </a:rPr>
+                              <m:t>𝐼𝑐</m:t>
+                            </m:r>
+                          </m:sub>
+                        </m:sSub>
+                        <m:r>
+                          <a:rPr lang="uk-UA">
+                            <a:latin typeface="Cambria Math" panose="02040503050406030204" pitchFamily="18" charset="0"/>
+                          </a:rPr>
+                          <m:t>−</m:t>
+                        </m:r>
+                        <m:r>
+                          <m:rPr>
+                            <m:sty m:val="p"/>
+                          </m:rPr>
+                          <a:rPr lang="uk-UA">
+                            <a:latin typeface="Cambria Math" panose="02040503050406030204" pitchFamily="18" charset="0"/>
+                          </a:rPr>
+                          <m:t>Δ</m:t>
+                        </m:r>
+                        <m:r>
+                          <a:rPr lang="uk-UA" i="1">
+                            <a:latin typeface="Cambria Math" panose="02040503050406030204" pitchFamily="18" charset="0"/>
+                          </a:rPr>
+                          <m:t>𝐾</m:t>
+                        </m:r>
+                      </m:den>
+                    </m:f>
+                  </m:oMath>
+                </a14:m>
+                <a:r>
+                  <a:rPr lang="uk-UA" dirty="0">
+                    <a:latin typeface="Cambria" panose="02040503050406030204" pitchFamily="18" charset="0"/>
+                    <a:ea typeface="Cambria" panose="02040503050406030204" pitchFamily="18" charset="0"/>
+                  </a:rPr>
+                  <a:t>.</a:t>
+                </a:r>
+              </a:p>
+            </p:txBody>
+          </p:sp>
+        </mc:Choice>
+        <mc:Fallback>
+          <p:sp>
+            <p:nvSpPr>
+              <p:cNvPr id="3" name="Місце для вмісту 2">
+                <a:extLst>
+                  <a:ext uri="{FF2B5EF4-FFF2-40B4-BE49-F238E27FC236}">
+                    <a16:creationId xmlns:a16="http://schemas.microsoft.com/office/drawing/2014/main" id="{0DF8A4FD-A801-49D2-8DC0-C3571765587F}"/>
+                  </a:ext>
+                </a:extLst>
+              </p:cNvPr>
+              <p:cNvSpPr>
+                <a:spLocks noGrp="1" noRot="1" noChangeAspect="1" noMove="1" noResize="1" noEditPoints="1" noAdjustHandles="1" noChangeArrowheads="1" noChangeShapeType="1" noTextEdit="1"/>
+              </p:cNvSpPr>
+              <p:nvPr>
+                <p:ph idx="1"/>
+              </p:nvPr>
+            </p:nvSpPr>
+            <p:spPr>
+              <a:xfrm>
+                <a:off x="312635" y="1812226"/>
+                <a:ext cx="9212365" cy="4246562"/>
+              </a:xfrm>
+              <a:blipFill>
+                <a:blip r:embed="rId3"/>
+                <a:stretch>
+                  <a:fillRect l="-529" t="-1148"/>
+                </a:stretch>
+              </a:blipFill>
+            </p:spPr>
+            <p:txBody>
+              <a:bodyPr/>
+              <a:lstStyle/>
+              <a:p>
+                <a:r>
+                  <a:rPr lang="uk-UA">
+                    <a:noFill/>
+                  </a:rPr>
+                  <a:t> </a:t>
+                </a:r>
+              </a:p>
+            </p:txBody>
+          </p:sp>
+        </mc:Fallback>
+      </mc:AlternateContent>
+      <p:sp>
+        <p:nvSpPr>
+          <p:cNvPr id="4" name="Прямокутник 3">
+            <a:extLst>
+              <a:ext uri="{FF2B5EF4-FFF2-40B4-BE49-F238E27FC236}">
+                <a16:creationId xmlns:a16="http://schemas.microsoft.com/office/drawing/2014/main" id="{AB12048F-F5C0-4658-84F7-66755A8CAB71}"/>
+              </a:ext>
+            </a:extLst>
+          </p:cNvPr>
+          <p:cNvSpPr/>
+          <p:nvPr/>
+        </p:nvSpPr>
+        <p:spPr>
+          <a:xfrm>
+            <a:off x="5908484" y="6065392"/>
+            <a:ext cx="5470985" cy="369332"/>
+          </a:xfrm>
+          <a:prstGeom prst="rect">
+            <a:avLst/>
+          </a:prstGeom>
+        </p:spPr>
+        <p:txBody>
+          <a:bodyPr wrap="none">
+            <a:spAutoFit/>
+          </a:bodyPr>
+          <a:lstStyle/>
+          <a:p>
+            <a:r>
+              <a:rPr lang="uk-UA" b="1" dirty="0">
+                <a:latin typeface="Cambria" panose="02040503050406030204" pitchFamily="18" charset="0"/>
+                <a:ea typeface="Cambria" panose="02040503050406030204" pitchFamily="18" charset="0"/>
+              </a:rPr>
+              <a:t>Рисунок 8</a:t>
+            </a:r>
+            <a:r>
+              <a:rPr lang="uk-UA" dirty="0">
+                <a:latin typeface="Cambria" panose="02040503050406030204" pitchFamily="18" charset="0"/>
+                <a:ea typeface="Cambria" panose="02040503050406030204" pitchFamily="18" charset="0"/>
+              </a:rPr>
+              <a:t>. Типи зміщень, що утворюють тріщини</a:t>
+            </a:r>
+          </a:p>
+        </p:txBody>
+      </p:sp>
     </p:spTree>
     <p:extLst>
       <p:ext uri="{BB962C8B-B14F-4D97-AF65-F5344CB8AC3E}">
